--- a/4. Cloture/Défense spec.pptx
+++ b/4. Cloture/Défense spec.pptx
@@ -1,13 +1,20 @@
 
 <file path=ppt/presentation.xml><?xml version="1.0" encoding="utf-8"?>
-<p:presentation xmlns:a="http://schemas.openxmlformats.org/drawingml/2006/main" xmlns:r="http://schemas.openxmlformats.org/officeDocument/2006/relationships" xmlns:p="http://schemas.openxmlformats.org/presentationml/2006/main" saveSubsetFonts="1">
+<p:presentation xmlns:a="http://schemas.openxmlformats.org/drawingml/2006/main" xmlns:r="http://schemas.openxmlformats.org/officeDocument/2006/relationships" xmlns:p="http://schemas.openxmlformats.org/presentationml/2006/main" firstSlideNum="0" saveSubsetFonts="1">
   <p:sldMasterIdLst>
     <p:sldMasterId id="2147483660" r:id="rId1"/>
+    <p:sldMasterId id="2147483677" r:id="rId2"/>
   </p:sldMasterIdLst>
+  <p:notesMasterIdLst>
+    <p:notesMasterId r:id="rId6"/>
+  </p:notesMasterIdLst>
+  <p:handoutMasterIdLst>
+    <p:handoutMasterId r:id="rId7"/>
+  </p:handoutMasterIdLst>
   <p:sldIdLst>
-    <p:sldId id="256" r:id="rId2"/>
-    <p:sldId id="257" r:id="rId3"/>
-    <p:sldId id="258" r:id="rId4"/>
+    <p:sldId id="256" r:id="rId3"/>
+    <p:sldId id="259" r:id="rId4"/>
+    <p:sldId id="260" r:id="rId5"/>
   </p:sldIdLst>
   <p:sldSz cx="12192000" cy="6858000"/>
   <p:notesSz cx="6858000" cy="9144000"/>
@@ -106,39 +113,24 @@
       </a:defRPr>
     </a:lvl9pPr>
   </p:defaultTextStyle>
+  <p:extLst>
+    <p:ext uri="{EFAFB233-063F-42B5-8137-9DF3F51BA10A}">
+      <p15:sldGuideLst xmlns:p15="http://schemas.microsoft.com/office/powerpoint/2012/main"/>
+    </p:ext>
+    <p:ext uri="{2D200454-40CA-4A62-9FC3-DE9A4176ACB9}">
+      <p15:notesGuideLst xmlns:p15="http://schemas.microsoft.com/office/powerpoint/2012/main"/>
+    </p:ext>
+  </p:extLst>
 </p:presentation>
 </file>
 
-<file path=ppt/slideLayouts/slideLayout1.xml><?xml version="1.0" encoding="utf-8"?>
-<p:sldLayout xmlns:a="http://schemas.openxmlformats.org/drawingml/2006/main" xmlns:r="http://schemas.openxmlformats.org/officeDocument/2006/relationships" xmlns:p="http://schemas.openxmlformats.org/presentationml/2006/main" showMasterSp="0" type="title" preserve="1">
-  <p:cSld name="Diapositive de titre">
+<file path=ppt/handoutMasters/handoutMaster1.xml><?xml version="1.0" encoding="utf-8"?>
+<p:handoutMaster xmlns:a="http://schemas.openxmlformats.org/drawingml/2006/main" xmlns:r="http://schemas.openxmlformats.org/officeDocument/2006/relationships" xmlns:p="http://schemas.openxmlformats.org/presentationml/2006/main">
+  <p:cSld>
     <p:bg>
-      <p:bgPr>
-        <a:gradFill flip="none" rotWithShape="1">
-          <a:gsLst>
-            <a:gs pos="0">
-              <a:schemeClr val="accent1">
-                <a:lumMod val="5000"/>
-                <a:lumOff val="95000"/>
-              </a:schemeClr>
-            </a:gs>
-            <a:gs pos="74000">
-              <a:schemeClr val="tx1"/>
-            </a:gs>
-            <a:gs pos="100000">
-              <a:schemeClr val="bg2">
-                <a:lumMod val="20000"/>
-                <a:lumOff val="80000"/>
-              </a:schemeClr>
-            </a:gs>
-          </a:gsLst>
-          <a:path path="circle">
-            <a:fillToRect l="50000" t="50000" r="50000" b="50000"/>
-          </a:path>
-          <a:tileRect/>
-        </a:gradFill>
-        <a:effectLst/>
-      </p:bgPr>
+      <p:bgRef idx="1001">
+        <a:schemeClr val="bg1"/>
+      </p:bgRef>
     </p:bg>
     <p:spTree>
       <p:nvGrpSpPr>
@@ -156,52 +148,516 @@
       </p:grpSpPr>
       <p:sp>
         <p:nvSpPr>
-          <p:cNvPr id="2" name="Title 1"/>
+          <p:cNvPr id="2" name="Espace réservé de l'en-tête 1"/>
           <p:cNvSpPr>
             <a:spLocks noGrp="1"/>
           </p:cNvSpPr>
           <p:nvPr>
-            <p:ph type="ctrTitle"/>
+            <p:ph type="hdr" sz="quarter"/>
           </p:nvPr>
         </p:nvSpPr>
         <p:spPr>
           <a:xfrm>
-            <a:off x="360217" y="1506606"/>
-            <a:ext cx="11471565" cy="1739347"/>
+            <a:off x="0" y="0"/>
+            <a:ext cx="2971800" cy="458788"/>
           </a:xfrm>
-          <a:noFill/>
-          <a:ln>
-            <a:noFill/>
-          </a:ln>
-          <a:effectLst>
-            <a:softEdge rad="12700"/>
-          </a:effectLst>
+          <a:prstGeom prst="rect">
+            <a:avLst/>
+          </a:prstGeom>
         </p:spPr>
         <p:txBody>
-          <a:bodyPr tIns="45720" bIns="45720" anchor="b">
-            <a:normAutofit/>
-          </a:bodyPr>
+          <a:bodyPr vert="horz" lIns="91440" tIns="45720" rIns="91440" bIns="45720" rtlCol="0"/>
           <a:lstStyle>
-            <a:lvl1pPr algn="ctr">
-              <a:lnSpc>
-                <a:spcPct val="80000"/>
-              </a:lnSpc>
-              <a:defRPr sz="6000" b="1" spc="150" baseline="0">
-                <a:solidFill>
-                  <a:schemeClr val="bg1"/>
-                </a:solidFill>
-              </a:defRPr>
+            <a:lvl1pPr algn="l">
+              <a:defRPr sz="1200"/>
             </a:lvl1pPr>
           </a:lstStyle>
           <a:p>
-            <a:r>
-              <a:rPr lang="fr-FR" dirty="0" smtClean="0"/>
-              <a:t>Modifiez le style du titre</a:t>
-            </a:r>
-            <a:endParaRPr lang="en-US" dirty="0"/>
+            <a:endParaRPr lang="fr-CH"/>
           </a:p>
         </p:txBody>
       </p:sp>
+      <p:sp>
+        <p:nvSpPr>
+          <p:cNvPr id="3" name="Espace réservé de la date 2"/>
+          <p:cNvSpPr>
+            <a:spLocks noGrp="1"/>
+          </p:cNvSpPr>
+          <p:nvPr>
+            <p:ph type="dt" sz="quarter" idx="1"/>
+          </p:nvPr>
+        </p:nvSpPr>
+        <p:spPr>
+          <a:xfrm>
+            <a:off x="3884613" y="0"/>
+            <a:ext cx="2971800" cy="458788"/>
+          </a:xfrm>
+          <a:prstGeom prst="rect">
+            <a:avLst/>
+          </a:prstGeom>
+        </p:spPr>
+        <p:txBody>
+          <a:bodyPr vert="horz" lIns="91440" tIns="45720" rIns="91440" bIns="45720" rtlCol="0"/>
+          <a:lstStyle>
+            <a:lvl1pPr algn="r">
+              <a:defRPr sz="1200"/>
+            </a:lvl1pPr>
+          </a:lstStyle>
+          <a:p>
+            <a:fld id="{2AB2B15C-CED5-4376-841D-FD6A2CD08A5D}" type="datetimeFigureOut">
+              <a:rPr lang="fr-CH" smtClean="0"/>
+              <a:t>03.06.2015</a:t>
+            </a:fld>
+            <a:endParaRPr lang="fr-CH"/>
+          </a:p>
+        </p:txBody>
+      </p:sp>
+      <p:sp>
+        <p:nvSpPr>
+          <p:cNvPr id="4" name="Espace réservé du pied de page 3"/>
+          <p:cNvSpPr>
+            <a:spLocks noGrp="1"/>
+          </p:cNvSpPr>
+          <p:nvPr>
+            <p:ph type="ftr" sz="quarter" idx="2"/>
+          </p:nvPr>
+        </p:nvSpPr>
+        <p:spPr>
+          <a:xfrm>
+            <a:off x="0" y="8685213"/>
+            <a:ext cx="2971800" cy="458787"/>
+          </a:xfrm>
+          <a:prstGeom prst="rect">
+            <a:avLst/>
+          </a:prstGeom>
+        </p:spPr>
+        <p:txBody>
+          <a:bodyPr vert="horz" lIns="91440" tIns="45720" rIns="91440" bIns="45720" rtlCol="0" anchor="b"/>
+          <a:lstStyle>
+            <a:lvl1pPr algn="l">
+              <a:defRPr sz="1200"/>
+            </a:lvl1pPr>
+          </a:lstStyle>
+          <a:p>
+            <a:endParaRPr lang="fr-CH"/>
+          </a:p>
+        </p:txBody>
+      </p:sp>
+      <p:sp>
+        <p:nvSpPr>
+          <p:cNvPr id="5" name="Espace réservé du numéro de diapositive 4"/>
+          <p:cNvSpPr>
+            <a:spLocks noGrp="1"/>
+          </p:cNvSpPr>
+          <p:nvPr>
+            <p:ph type="sldNum" sz="quarter" idx="3"/>
+          </p:nvPr>
+        </p:nvSpPr>
+        <p:spPr>
+          <a:xfrm>
+            <a:off x="3884613" y="8685213"/>
+            <a:ext cx="2971800" cy="458787"/>
+          </a:xfrm>
+          <a:prstGeom prst="rect">
+            <a:avLst/>
+          </a:prstGeom>
+        </p:spPr>
+        <p:txBody>
+          <a:bodyPr vert="horz" lIns="91440" tIns="45720" rIns="91440" bIns="45720" rtlCol="0" anchor="b"/>
+          <a:lstStyle>
+            <a:lvl1pPr algn="r">
+              <a:defRPr sz="1200"/>
+            </a:lvl1pPr>
+          </a:lstStyle>
+          <a:p>
+            <a:fld id="{FAB4F23B-849F-4EB0-9FED-2C38E4A896C7}" type="slidenum">
+              <a:rPr lang="fr-CH" smtClean="0"/>
+              <a:t>‹N°›</a:t>
+            </a:fld>
+            <a:endParaRPr lang="fr-CH"/>
+          </a:p>
+        </p:txBody>
+      </p:sp>
+    </p:spTree>
+    <p:extLst>
+      <p:ext uri="{BB962C8B-B14F-4D97-AF65-F5344CB8AC3E}">
+        <p14:creationId xmlns:p14="http://schemas.microsoft.com/office/powerpoint/2010/main" val="1989741976"/>
+      </p:ext>
+    </p:extLst>
+  </p:cSld>
+  <p:clrMap bg1="lt1" tx1="dk1" bg2="lt2" tx2="dk2" accent1="accent1" accent2="accent2" accent3="accent3" accent4="accent4" accent5="accent5" accent6="accent6" hlink="hlink" folHlink="folHlink"/>
+  <p:hf hdr="0" ftr="0" dt="0"/>
+</p:handoutMaster>
+</file>
+
+<file path=ppt/notesMasters/notesMaster1.xml><?xml version="1.0" encoding="utf-8"?>
+<p:notesMaster xmlns:a="http://schemas.openxmlformats.org/drawingml/2006/main" xmlns:r="http://schemas.openxmlformats.org/officeDocument/2006/relationships" xmlns:p="http://schemas.openxmlformats.org/presentationml/2006/main">
+  <p:cSld>
+    <p:bg>
+      <p:bgRef idx="1001">
+        <a:schemeClr val="bg1"/>
+      </p:bgRef>
+    </p:bg>
+    <p:spTree>
+      <p:nvGrpSpPr>
+        <p:cNvPr id="1" name=""/>
+        <p:cNvGrpSpPr/>
+        <p:nvPr/>
+      </p:nvGrpSpPr>
+      <p:grpSpPr>
+        <a:xfrm>
+          <a:off x="0" y="0"/>
+          <a:ext cx="0" cy="0"/>
+          <a:chOff x="0" y="0"/>
+          <a:chExt cx="0" cy="0"/>
+        </a:xfrm>
+      </p:grpSpPr>
+      <p:sp>
+        <p:nvSpPr>
+          <p:cNvPr id="2" name="Espace réservé de l'en-tête 1"/>
+          <p:cNvSpPr>
+            <a:spLocks noGrp="1"/>
+          </p:cNvSpPr>
+          <p:nvPr>
+            <p:ph type="hdr" sz="quarter"/>
+          </p:nvPr>
+        </p:nvSpPr>
+        <p:spPr>
+          <a:xfrm>
+            <a:off x="0" y="0"/>
+            <a:ext cx="2971800" cy="458788"/>
+          </a:xfrm>
+          <a:prstGeom prst="rect">
+            <a:avLst/>
+          </a:prstGeom>
+        </p:spPr>
+        <p:txBody>
+          <a:bodyPr vert="horz" lIns="91440" tIns="45720" rIns="91440" bIns="45720" rtlCol="0"/>
+          <a:lstStyle>
+            <a:lvl1pPr algn="l">
+              <a:defRPr sz="1200"/>
+            </a:lvl1pPr>
+          </a:lstStyle>
+          <a:p>
+            <a:endParaRPr lang="fr-CH"/>
+          </a:p>
+        </p:txBody>
+      </p:sp>
+      <p:sp>
+        <p:nvSpPr>
+          <p:cNvPr id="3" name="Espace réservé de la date 2"/>
+          <p:cNvSpPr>
+            <a:spLocks noGrp="1"/>
+          </p:cNvSpPr>
+          <p:nvPr>
+            <p:ph type="dt" idx="1"/>
+          </p:nvPr>
+        </p:nvSpPr>
+        <p:spPr>
+          <a:xfrm>
+            <a:off x="3884613" y="0"/>
+            <a:ext cx="2971800" cy="458788"/>
+          </a:xfrm>
+          <a:prstGeom prst="rect">
+            <a:avLst/>
+          </a:prstGeom>
+        </p:spPr>
+        <p:txBody>
+          <a:bodyPr vert="horz" lIns="91440" tIns="45720" rIns="91440" bIns="45720" rtlCol="0"/>
+          <a:lstStyle>
+            <a:lvl1pPr algn="r">
+              <a:defRPr sz="1200"/>
+            </a:lvl1pPr>
+          </a:lstStyle>
+          <a:p>
+            <a:fld id="{95751C4D-42E3-44C2-8025-45DEF85D17C8}" type="datetimeFigureOut">
+              <a:rPr lang="fr-CH" smtClean="0"/>
+              <a:t>03.06.2015</a:t>
+            </a:fld>
+            <a:endParaRPr lang="fr-CH"/>
+          </a:p>
+        </p:txBody>
+      </p:sp>
+      <p:sp>
+        <p:nvSpPr>
+          <p:cNvPr id="4" name="Espace réservé de l'image des diapositives 3"/>
+          <p:cNvSpPr>
+            <a:spLocks noGrp="1" noRot="1" noChangeAspect="1"/>
+          </p:cNvSpPr>
+          <p:nvPr>
+            <p:ph type="sldImg" idx="2"/>
+          </p:nvPr>
+        </p:nvSpPr>
+        <p:spPr>
+          <a:xfrm>
+            <a:off x="685800" y="1143000"/>
+            <a:ext cx="5486400" cy="3086100"/>
+          </a:xfrm>
+          <a:prstGeom prst="rect">
+            <a:avLst/>
+          </a:prstGeom>
+          <a:noFill/>
+          <a:ln w="12700">
+            <a:solidFill>
+              <a:prstClr val="black"/>
+            </a:solidFill>
+          </a:ln>
+        </p:spPr>
+        <p:txBody>
+          <a:bodyPr vert="horz" lIns="91440" tIns="45720" rIns="91440" bIns="45720" rtlCol="0" anchor="ctr"/>
+          <a:lstStyle/>
+          <a:p>
+            <a:endParaRPr lang="fr-CH"/>
+          </a:p>
+        </p:txBody>
+      </p:sp>
+      <p:sp>
+        <p:nvSpPr>
+          <p:cNvPr id="5" name="Espace réservé des commentaires 4"/>
+          <p:cNvSpPr>
+            <a:spLocks noGrp="1"/>
+          </p:cNvSpPr>
+          <p:nvPr>
+            <p:ph type="body" sz="quarter" idx="3"/>
+          </p:nvPr>
+        </p:nvSpPr>
+        <p:spPr>
+          <a:xfrm>
+            <a:off x="685800" y="4400550"/>
+            <a:ext cx="5486400" cy="3600450"/>
+          </a:xfrm>
+          <a:prstGeom prst="rect">
+            <a:avLst/>
+          </a:prstGeom>
+        </p:spPr>
+        <p:txBody>
+          <a:bodyPr vert="horz" lIns="91440" tIns="45720" rIns="91440" bIns="45720" rtlCol="0"/>
+          <a:lstStyle/>
+          <a:p>
+            <a:pPr lvl="0"/>
+            <a:r>
+              <a:rPr lang="fr-FR" smtClean="0"/>
+              <a:t>Modifiez les styles du texte du masque</a:t>
+            </a:r>
+          </a:p>
+          <a:p>
+            <a:pPr lvl="1"/>
+            <a:r>
+              <a:rPr lang="fr-FR" smtClean="0"/>
+              <a:t>Deuxième niveau</a:t>
+            </a:r>
+          </a:p>
+          <a:p>
+            <a:pPr lvl="2"/>
+            <a:r>
+              <a:rPr lang="fr-FR" smtClean="0"/>
+              <a:t>Troisième niveau</a:t>
+            </a:r>
+          </a:p>
+          <a:p>
+            <a:pPr lvl="3"/>
+            <a:r>
+              <a:rPr lang="fr-FR" smtClean="0"/>
+              <a:t>Quatrième niveau</a:t>
+            </a:r>
+          </a:p>
+          <a:p>
+            <a:pPr lvl="4"/>
+            <a:r>
+              <a:rPr lang="fr-FR" smtClean="0"/>
+              <a:t>Cinquième niveau</a:t>
+            </a:r>
+            <a:endParaRPr lang="fr-CH"/>
+          </a:p>
+        </p:txBody>
+      </p:sp>
+      <p:sp>
+        <p:nvSpPr>
+          <p:cNvPr id="6" name="Espace réservé du pied de page 5"/>
+          <p:cNvSpPr>
+            <a:spLocks noGrp="1"/>
+          </p:cNvSpPr>
+          <p:nvPr>
+            <p:ph type="ftr" sz="quarter" idx="4"/>
+          </p:nvPr>
+        </p:nvSpPr>
+        <p:spPr>
+          <a:xfrm>
+            <a:off x="0" y="8685213"/>
+            <a:ext cx="2971800" cy="458787"/>
+          </a:xfrm>
+          <a:prstGeom prst="rect">
+            <a:avLst/>
+          </a:prstGeom>
+        </p:spPr>
+        <p:txBody>
+          <a:bodyPr vert="horz" lIns="91440" tIns="45720" rIns="91440" bIns="45720" rtlCol="0" anchor="b"/>
+          <a:lstStyle>
+            <a:lvl1pPr algn="l">
+              <a:defRPr sz="1200"/>
+            </a:lvl1pPr>
+          </a:lstStyle>
+          <a:p>
+            <a:endParaRPr lang="fr-CH"/>
+          </a:p>
+        </p:txBody>
+      </p:sp>
+      <p:sp>
+        <p:nvSpPr>
+          <p:cNvPr id="7" name="Espace réservé du numéro de diapositive 6"/>
+          <p:cNvSpPr>
+            <a:spLocks noGrp="1"/>
+          </p:cNvSpPr>
+          <p:nvPr>
+            <p:ph type="sldNum" sz="quarter" idx="5"/>
+          </p:nvPr>
+        </p:nvSpPr>
+        <p:spPr>
+          <a:xfrm>
+            <a:off x="3884613" y="8685213"/>
+            <a:ext cx="2971800" cy="458787"/>
+          </a:xfrm>
+          <a:prstGeom prst="rect">
+            <a:avLst/>
+          </a:prstGeom>
+        </p:spPr>
+        <p:txBody>
+          <a:bodyPr vert="horz" lIns="91440" tIns="45720" rIns="91440" bIns="45720" rtlCol="0" anchor="b"/>
+          <a:lstStyle>
+            <a:lvl1pPr algn="r">
+              <a:defRPr sz="1200"/>
+            </a:lvl1pPr>
+          </a:lstStyle>
+          <a:p>
+            <a:fld id="{B0BD1F0F-A526-402A-A10E-20C27801EFE8}" type="slidenum">
+              <a:rPr lang="fr-CH" smtClean="0"/>
+              <a:t>‹N°›</a:t>
+            </a:fld>
+            <a:endParaRPr lang="fr-CH"/>
+          </a:p>
+        </p:txBody>
+      </p:sp>
+    </p:spTree>
+    <p:extLst>
+      <p:ext uri="{BB962C8B-B14F-4D97-AF65-F5344CB8AC3E}">
+        <p14:creationId xmlns:p14="http://schemas.microsoft.com/office/powerpoint/2010/main" val="3926231785"/>
+      </p:ext>
+    </p:extLst>
+  </p:cSld>
+  <p:clrMap bg1="lt1" tx1="dk1" bg2="lt2" tx2="dk2" accent1="accent1" accent2="accent2" accent3="accent3" accent4="accent4" accent5="accent5" accent6="accent6" hlink="hlink" folHlink="folHlink"/>
+  <p:hf hdr="0" ftr="0" dt="0"/>
+  <p:notesStyle>
+    <a:lvl1pPr marL="0" algn="l" defTabSz="914400" rtl="0" eaLnBrk="1" latinLnBrk="0" hangingPunct="1">
+      <a:defRPr sz="1200" kern="1200">
+        <a:solidFill>
+          <a:schemeClr val="tx1"/>
+        </a:solidFill>
+        <a:latin typeface="+mn-lt"/>
+        <a:ea typeface="+mn-ea"/>
+        <a:cs typeface="+mn-cs"/>
+      </a:defRPr>
+    </a:lvl1pPr>
+    <a:lvl2pPr marL="457200" algn="l" defTabSz="914400" rtl="0" eaLnBrk="1" latinLnBrk="0" hangingPunct="1">
+      <a:defRPr sz="1200" kern="1200">
+        <a:solidFill>
+          <a:schemeClr val="tx1"/>
+        </a:solidFill>
+        <a:latin typeface="+mn-lt"/>
+        <a:ea typeface="+mn-ea"/>
+        <a:cs typeface="+mn-cs"/>
+      </a:defRPr>
+    </a:lvl2pPr>
+    <a:lvl3pPr marL="914400" algn="l" defTabSz="914400" rtl="0" eaLnBrk="1" latinLnBrk="0" hangingPunct="1">
+      <a:defRPr sz="1200" kern="1200">
+        <a:solidFill>
+          <a:schemeClr val="tx1"/>
+        </a:solidFill>
+        <a:latin typeface="+mn-lt"/>
+        <a:ea typeface="+mn-ea"/>
+        <a:cs typeface="+mn-cs"/>
+      </a:defRPr>
+    </a:lvl3pPr>
+    <a:lvl4pPr marL="1371600" algn="l" defTabSz="914400" rtl="0" eaLnBrk="1" latinLnBrk="0" hangingPunct="1">
+      <a:defRPr sz="1200" kern="1200">
+        <a:solidFill>
+          <a:schemeClr val="tx1"/>
+        </a:solidFill>
+        <a:latin typeface="+mn-lt"/>
+        <a:ea typeface="+mn-ea"/>
+        <a:cs typeface="+mn-cs"/>
+      </a:defRPr>
+    </a:lvl4pPr>
+    <a:lvl5pPr marL="1828800" algn="l" defTabSz="914400" rtl="0" eaLnBrk="1" latinLnBrk="0" hangingPunct="1">
+      <a:defRPr sz="1200" kern="1200">
+        <a:solidFill>
+          <a:schemeClr val="tx1"/>
+        </a:solidFill>
+        <a:latin typeface="+mn-lt"/>
+        <a:ea typeface="+mn-ea"/>
+        <a:cs typeface="+mn-cs"/>
+      </a:defRPr>
+    </a:lvl5pPr>
+    <a:lvl6pPr marL="2286000" algn="l" defTabSz="914400" rtl="0" eaLnBrk="1" latinLnBrk="0" hangingPunct="1">
+      <a:defRPr sz="1200" kern="1200">
+        <a:solidFill>
+          <a:schemeClr val="tx1"/>
+        </a:solidFill>
+        <a:latin typeface="+mn-lt"/>
+        <a:ea typeface="+mn-ea"/>
+        <a:cs typeface="+mn-cs"/>
+      </a:defRPr>
+    </a:lvl6pPr>
+    <a:lvl7pPr marL="2743200" algn="l" defTabSz="914400" rtl="0" eaLnBrk="1" latinLnBrk="0" hangingPunct="1">
+      <a:defRPr sz="1200" kern="1200">
+        <a:solidFill>
+          <a:schemeClr val="tx1"/>
+        </a:solidFill>
+        <a:latin typeface="+mn-lt"/>
+        <a:ea typeface="+mn-ea"/>
+        <a:cs typeface="+mn-cs"/>
+      </a:defRPr>
+    </a:lvl7pPr>
+    <a:lvl8pPr marL="3200400" algn="l" defTabSz="914400" rtl="0" eaLnBrk="1" latinLnBrk="0" hangingPunct="1">
+      <a:defRPr sz="1200" kern="1200">
+        <a:solidFill>
+          <a:schemeClr val="tx1"/>
+        </a:solidFill>
+        <a:latin typeface="+mn-lt"/>
+        <a:ea typeface="+mn-ea"/>
+        <a:cs typeface="+mn-cs"/>
+      </a:defRPr>
+    </a:lvl8pPr>
+    <a:lvl9pPr marL="3657600" algn="l" defTabSz="914400" rtl="0" eaLnBrk="1" latinLnBrk="0" hangingPunct="1">
+      <a:defRPr sz="1200" kern="1200">
+        <a:solidFill>
+          <a:schemeClr val="tx1"/>
+        </a:solidFill>
+        <a:latin typeface="+mn-lt"/>
+        <a:ea typeface="+mn-ea"/>
+        <a:cs typeface="+mn-cs"/>
+      </a:defRPr>
+    </a:lvl9pPr>
+  </p:notesStyle>
+</p:notesMaster>
+</file>
+
+<file path=ppt/slideLayouts/slideLayout1.xml><?xml version="1.0" encoding="utf-8"?>
+<p:sldLayout xmlns:a="http://schemas.openxmlformats.org/drawingml/2006/main" xmlns:r="http://schemas.openxmlformats.org/officeDocument/2006/relationships" xmlns:p="http://schemas.openxmlformats.org/presentationml/2006/main" preserve="1" userDrawn="1">
+  <p:cSld name="Diapositive de titre">
+    <p:spTree>
+      <p:nvGrpSpPr>
+        <p:cNvPr id="1" name=""/>
+        <p:cNvGrpSpPr/>
+        <p:nvPr/>
+      </p:nvGrpSpPr>
+      <p:grpSpPr>
+        <a:xfrm>
+          <a:off x="0" y="0"/>
+          <a:ext cx="0" cy="0"/>
+          <a:chOff x="0" y="0"/>
+          <a:chExt cx="0" cy="0"/>
+        </a:xfrm>
+      </p:grpSpPr>
       <p:sp>
         <p:nvSpPr>
           <p:cNvPr id="3" name="Subtitle 2"/>
@@ -214,8 +670,8 @@
         </p:nvSpPr>
         <p:spPr>
           <a:xfrm>
-            <a:off x="1524000" y="3348060"/>
-            <a:ext cx="9144000" cy="1309255"/>
+            <a:off x="1524000" y="3101482"/>
+            <a:ext cx="9144000" cy="1162294"/>
           </a:xfrm>
         </p:spPr>
         <p:txBody>
@@ -225,9 +681,12 @@
           <a:lstStyle>
             <a:lvl1pPr marL="0" indent="0" algn="ctr">
               <a:buNone/>
-              <a:defRPr sz="3200">
+              <a:defRPr sz="3200" b="0">
                 <a:solidFill>
-                  <a:schemeClr val="bg1"/>
+                  <a:schemeClr val="bg1">
+                    <a:lumMod val="50000"/>
+                    <a:lumOff val="50000"/>
+                  </a:schemeClr>
                 </a:solidFill>
               </a:defRPr>
             </a:lvl1pPr>
@@ -275,66 +734,64 @@
       </p:sp>
       <p:sp>
         <p:nvSpPr>
-          <p:cNvPr id="4" name="Date Placeholder 3"/>
+          <p:cNvPr id="11" name="Espace réservé du contenu 9"/>
           <p:cNvSpPr>
             <a:spLocks noGrp="1"/>
           </p:cNvSpPr>
           <p:nvPr>
-            <p:ph type="dt" sz="half" idx="10"/>
+            <p:ph sz="quarter" idx="10" hasCustomPrompt="1"/>
           </p:nvPr>
         </p:nvSpPr>
-        <p:spPr/>
+        <p:spPr>
+          <a:xfrm>
+            <a:off x="360217" y="1910846"/>
+            <a:ext cx="11476183" cy="1089529"/>
+          </a:xfrm>
+          <a:gradFill flip="none" rotWithShape="0">
+            <a:gsLst>
+              <a:gs pos="78000">
+                <a:schemeClr val="tx1">
+                  <a:alpha val="50000"/>
+                </a:schemeClr>
+              </a:gs>
+              <a:gs pos="23000">
+                <a:schemeClr val="tx1">
+                  <a:alpha val="0"/>
+                </a:schemeClr>
+              </a:gs>
+              <a:gs pos="100000">
+                <a:schemeClr val="tx1">
+                  <a:alpha val="0"/>
+                </a:schemeClr>
+              </a:gs>
+            </a:gsLst>
+            <a:lin ang="5400000" scaled="1"/>
+            <a:tileRect/>
+          </a:gradFill>
+          <a:effectLst>
+            <a:softEdge rad="381000"/>
+          </a:effectLst>
+        </p:spPr>
         <p:txBody>
-          <a:bodyPr/>
-          <a:lstStyle/>
-          <a:p>
-            <a:fld id="{13146021-EE2D-49E2-A8C2-258CF42F979A}" type="datetimeFigureOut">
-              <a:rPr lang="fr-CH" smtClean="0"/>
-              <a:t>02.06.2015</a:t>
-            </a:fld>
-            <a:endParaRPr lang="fr-CH"/>
-          </a:p>
-        </p:txBody>
-      </p:sp>
-      <p:sp>
-        <p:nvSpPr>
-          <p:cNvPr id="5" name="Footer Placeholder 4"/>
-          <p:cNvSpPr>
-            <a:spLocks noGrp="1"/>
-          </p:cNvSpPr>
-          <p:nvPr>
-            <p:ph type="ftr" sz="quarter" idx="11"/>
-          </p:nvPr>
-        </p:nvSpPr>
-        <p:spPr/>
-        <p:txBody>
-          <a:bodyPr/>
-          <a:lstStyle/>
-          <a:p>
-            <a:endParaRPr lang="fr-CH"/>
-          </a:p>
-        </p:txBody>
-      </p:sp>
-      <p:sp>
-        <p:nvSpPr>
-          <p:cNvPr id="6" name="Slide Number Placeholder 5"/>
-          <p:cNvSpPr>
-            <a:spLocks noGrp="1"/>
-          </p:cNvSpPr>
-          <p:nvPr>
-            <p:ph type="sldNum" sz="quarter" idx="12"/>
-          </p:nvPr>
-        </p:nvSpPr>
-        <p:spPr/>
-        <p:txBody>
-          <a:bodyPr/>
-          <a:lstStyle/>
-          <a:p>
-            <a:fld id="{C214D402-94C6-4E56-8BC2-0A53FF3B7787}" type="slidenum">
-              <a:rPr lang="fr-CH" smtClean="0"/>
-              <a:t>‹N°›</a:t>
-            </a:fld>
-            <a:endParaRPr lang="fr-CH"/>
+          <a:bodyPr anchor="b">
+            <a:spAutoFit/>
+          </a:bodyPr>
+          <a:lstStyle>
+            <a:lvl1pPr marL="0" indent="0" algn="ctr">
+              <a:buNone/>
+              <a:defRPr sz="7200" b="1">
+                <a:effectLst>
+                  <a:reflection blurRad="6350" stA="21000" endPos="46000" dir="5400000" sy="-100000" algn="bl" rotWithShape="0"/>
+                </a:effectLst>
+              </a:defRPr>
+            </a:lvl1pPr>
+          </a:lstStyle>
+          <a:p>
+            <a:pPr lvl="0"/>
+            <a:r>
+              <a:rPr lang="fr-FR" dirty="0" smtClean="0"/>
+              <a:t>Modifiez le style du titre</a:t>
+            </a:r>
           </a:p>
         </p:txBody>
       </p:sp>
@@ -348,13 +805,13 @@
   <p:clrMapOvr>
     <a:masterClrMapping/>
   </p:clrMapOvr>
-  <mc:AlternateContent xmlns:mc="http://schemas.openxmlformats.org/markup-compatibility/2006">
-    <mc:Choice xmlns:p14="http://schemas.microsoft.com/office/powerpoint/2010/main" Requires="p14">
+  <mc:AlternateContent xmlns:mc="http://schemas.openxmlformats.org/markup-compatibility/2006" xmlns:p14="http://schemas.microsoft.com/office/powerpoint/2010/main">
+    <mc:Choice Requires="p14">
       <p:transition spd="slow" p14:dur="900">
         <p14:warp dir="in"/>
       </p:transition>
     </mc:Choice>
-    <mc:Fallback>
+    <mc:Fallback xmlns="">
       <p:transition spd="slow">
         <p:fade/>
       </p:transition>
@@ -373,34 +830,6 @@
 <file path=ppt/slideLayouts/slideLayout2.xml><?xml version="1.0" encoding="utf-8"?>
 <p:sldLayout xmlns:a="http://schemas.openxmlformats.org/drawingml/2006/main" xmlns:r="http://schemas.openxmlformats.org/officeDocument/2006/relationships" xmlns:p="http://schemas.openxmlformats.org/presentationml/2006/main" type="obj" preserve="1">
   <p:cSld name="Titre et contenu">
-    <p:bg>
-      <p:bgPr>
-        <a:gradFill flip="none" rotWithShape="1">
-          <a:gsLst>
-            <a:gs pos="0">
-              <a:schemeClr val="accent1">
-                <a:lumMod val="5000"/>
-                <a:lumOff val="95000"/>
-              </a:schemeClr>
-            </a:gs>
-            <a:gs pos="74000">
-              <a:schemeClr val="tx1"/>
-            </a:gs>
-            <a:gs pos="100000">
-              <a:schemeClr val="bg2">
-                <a:lumMod val="20000"/>
-                <a:lumOff val="80000"/>
-              </a:schemeClr>
-            </a:gs>
-          </a:gsLst>
-          <a:path path="circle">
-            <a:fillToRect l="50000" t="50000" r="50000" b="50000"/>
-          </a:path>
-          <a:tileRect/>
-        </a:gradFill>
-        <a:effectLst/>
-      </p:bgPr>
-    </p:bg>
     <p:spTree>
       <p:nvGrpSpPr>
         <p:cNvPr id="1" name=""/>
@@ -496,48 +925,6 @@
       </p:sp>
       <p:sp>
         <p:nvSpPr>
-          <p:cNvPr id="4" name="Date Placeholder 3"/>
-          <p:cNvSpPr>
-            <a:spLocks noGrp="1"/>
-          </p:cNvSpPr>
-          <p:nvPr>
-            <p:ph type="dt" sz="half" idx="10"/>
-          </p:nvPr>
-        </p:nvSpPr>
-        <p:spPr/>
-        <p:txBody>
-          <a:bodyPr/>
-          <a:lstStyle/>
-          <a:p>
-            <a:fld id="{13146021-EE2D-49E2-A8C2-258CF42F979A}" type="datetimeFigureOut">
-              <a:rPr lang="fr-CH" smtClean="0"/>
-              <a:t>02.06.2015</a:t>
-            </a:fld>
-            <a:endParaRPr lang="fr-CH"/>
-          </a:p>
-        </p:txBody>
-      </p:sp>
-      <p:sp>
-        <p:nvSpPr>
-          <p:cNvPr id="5" name="Footer Placeholder 4"/>
-          <p:cNvSpPr>
-            <a:spLocks noGrp="1"/>
-          </p:cNvSpPr>
-          <p:nvPr>
-            <p:ph type="ftr" sz="quarter" idx="11"/>
-          </p:nvPr>
-        </p:nvSpPr>
-        <p:spPr/>
-        <p:txBody>
-          <a:bodyPr/>
-          <a:lstStyle/>
-          <a:p>
-            <a:endParaRPr lang="fr-CH"/>
-          </a:p>
-        </p:txBody>
-      </p:sp>
-      <p:sp>
-        <p:nvSpPr>
           <p:cNvPr id="6" name="Slide Number Placeholder 5"/>
           <p:cNvSpPr>
             <a:spLocks noGrp="1"/>
@@ -562,7 +949,556 @@
     </p:spTree>
     <p:extLst>
       <p:ext uri="{BB962C8B-B14F-4D97-AF65-F5344CB8AC3E}">
-        <p14:creationId xmlns:p14="http://schemas.microsoft.com/office/powerpoint/2010/main" val="3529592926"/>
+        <p14:creationId xmlns:p14="http://schemas.microsoft.com/office/powerpoint/2010/main" val="2257601832"/>
+      </p:ext>
+    </p:extLst>
+  </p:cSld>
+  <p:clrMapOvr>
+    <a:masterClrMapping/>
+  </p:clrMapOvr>
+  <mc:AlternateContent xmlns:mc="http://schemas.openxmlformats.org/markup-compatibility/2006" xmlns:p14="http://schemas.microsoft.com/office/powerpoint/2010/main">
+    <mc:Choice Requires="p14">
+      <p:transition spd="slow" p14:dur="800">
+        <p14:flythrough/>
+      </p:transition>
+    </mc:Choice>
+    <mc:Fallback xmlns="">
+      <p:transition spd="slow">
+        <p:fade/>
+      </p:transition>
+    </mc:Fallback>
+  </mc:AlternateContent>
+  <p:timing>
+    <p:tnLst>
+      <p:par>
+        <p:cTn id="1" dur="indefinite" restart="never" nodeType="tmRoot"/>
+      </p:par>
+    </p:tnLst>
+  </p:timing>
+  <p:hf hdr="0" ftr="0" dt="0"/>
+</p:sldLayout>
+</file>
+
+<file path=ppt/slideLayouts/slideLayout3.xml><?xml version="1.0" encoding="utf-8"?>
+<p:sldLayout xmlns:a="http://schemas.openxmlformats.org/drawingml/2006/main" xmlns:r="http://schemas.openxmlformats.org/officeDocument/2006/relationships" xmlns:p="http://schemas.openxmlformats.org/presentationml/2006/main" preserve="1" userDrawn="1">
+  <p:cSld name="Initalisation">
+    <p:spTree>
+      <p:nvGrpSpPr>
+        <p:cNvPr id="1" name=""/>
+        <p:cNvGrpSpPr/>
+        <p:nvPr/>
+      </p:nvGrpSpPr>
+      <p:grpSpPr>
+        <a:xfrm>
+          <a:off x="0" y="0"/>
+          <a:ext cx="0" cy="0"/>
+          <a:chOff x="0" y="0"/>
+          <a:chExt cx="0" cy="0"/>
+        </a:xfrm>
+      </p:grpSpPr>
+      <p:sp>
+        <p:nvSpPr>
+          <p:cNvPr id="2" name="Title 1"/>
+          <p:cNvSpPr>
+            <a:spLocks noGrp="1"/>
+          </p:cNvSpPr>
+          <p:nvPr>
+            <p:ph type="title"/>
+          </p:nvPr>
+        </p:nvSpPr>
+        <p:spPr/>
+        <p:txBody>
+          <a:bodyPr anchor="b"/>
+          <a:lstStyle/>
+          <a:p>
+            <a:r>
+              <a:rPr lang="fr-FR" smtClean="0"/>
+              <a:t>Modifiez le style du titre</a:t>
+            </a:r>
+            <a:endParaRPr lang="en-US" dirty="0"/>
+          </a:p>
+        </p:txBody>
+      </p:sp>
+      <p:sp>
+        <p:nvSpPr>
+          <p:cNvPr id="3" name="Content Placeholder 2"/>
+          <p:cNvSpPr>
+            <a:spLocks noGrp="1"/>
+          </p:cNvSpPr>
+          <p:nvPr>
+            <p:ph idx="1"/>
+          </p:nvPr>
+        </p:nvSpPr>
+        <p:spPr>
+          <a:xfrm>
+            <a:off x="1202920" y="1412111"/>
+            <a:ext cx="7072979" cy="4598271"/>
+          </a:xfrm>
+        </p:spPr>
+        <p:txBody>
+          <a:bodyPr/>
+          <a:lstStyle>
+            <a:lvl1pPr algn="l">
+              <a:defRPr b="1"/>
+            </a:lvl1pPr>
+            <a:lvl2pPr algn="l">
+              <a:defRPr/>
+            </a:lvl2pPr>
+            <a:lvl3pPr algn="l">
+              <a:defRPr/>
+            </a:lvl3pPr>
+            <a:lvl4pPr algn="l">
+              <a:defRPr/>
+            </a:lvl4pPr>
+            <a:lvl5pPr algn="l">
+              <a:defRPr/>
+            </a:lvl5pPr>
+          </a:lstStyle>
+          <a:p>
+            <a:pPr lvl="0"/>
+            <a:r>
+              <a:rPr lang="fr-FR" dirty="0" smtClean="0"/>
+              <a:t>Modifiez les styles du texte du masque</a:t>
+            </a:r>
+          </a:p>
+          <a:p>
+            <a:pPr lvl="1"/>
+            <a:r>
+              <a:rPr lang="fr-FR" dirty="0" smtClean="0"/>
+              <a:t>Deuxième niveau</a:t>
+            </a:r>
+          </a:p>
+          <a:p>
+            <a:pPr lvl="2"/>
+            <a:r>
+              <a:rPr lang="fr-FR" dirty="0" smtClean="0"/>
+              <a:t>Troisième niveau</a:t>
+            </a:r>
+          </a:p>
+          <a:p>
+            <a:pPr lvl="3"/>
+            <a:r>
+              <a:rPr lang="fr-FR" dirty="0" smtClean="0"/>
+              <a:t>Quatrième niveau</a:t>
+            </a:r>
+          </a:p>
+          <a:p>
+            <a:pPr lvl="4"/>
+            <a:r>
+              <a:rPr lang="fr-FR" dirty="0" smtClean="0"/>
+              <a:t>Cinquième niveau</a:t>
+            </a:r>
+            <a:endParaRPr lang="en-US" dirty="0"/>
+          </a:p>
+        </p:txBody>
+      </p:sp>
+      <p:sp>
+        <p:nvSpPr>
+          <p:cNvPr id="4" name="ZoneTexte 3"/>
+          <p:cNvSpPr txBox="1"/>
+          <p:nvPr userDrawn="1"/>
+        </p:nvSpPr>
+        <p:spPr>
+          <a:xfrm>
+            <a:off x="8579464" y="1412110"/>
+            <a:ext cx="2407534" cy="4598272"/>
+          </a:xfrm>
+          <a:prstGeom prst="rect">
+            <a:avLst/>
+          </a:prstGeom>
+          <a:noFill/>
+        </p:spPr>
+        <p:txBody>
+          <a:bodyPr wrap="square" lIns="90000" rtlCol="0">
+            <a:normAutofit/>
+          </a:bodyPr>
+          <a:lstStyle/>
+          <a:p>
+            <a:pPr marL="288000" indent="-288000">
+              <a:lnSpc>
+                <a:spcPct val="250000"/>
+              </a:lnSpc>
+              <a:buFont typeface="+mj-lt"/>
+              <a:buAutoNum type="arabicPeriod"/>
+            </a:pPr>
+            <a:r>
+              <a:rPr lang="fr-CH" sz="2400" b="1" dirty="0" smtClean="0">
+                <a:solidFill>
+                  <a:schemeClr val="bg1"/>
+                </a:solidFill>
+              </a:rPr>
+              <a:t>Initialisation</a:t>
+            </a:r>
+          </a:p>
+          <a:p>
+            <a:pPr marL="288000" indent="-288000">
+              <a:lnSpc>
+                <a:spcPct val="250000"/>
+              </a:lnSpc>
+              <a:buFont typeface="+mj-lt"/>
+              <a:buAutoNum type="arabicPeriod"/>
+            </a:pPr>
+            <a:r>
+              <a:rPr lang="fr-CH" sz="2400" dirty="0" smtClean="0">
+                <a:solidFill>
+                  <a:schemeClr val="bg1"/>
+                </a:solidFill>
+              </a:rPr>
+              <a:t>Planification</a:t>
+            </a:r>
+          </a:p>
+          <a:p>
+            <a:pPr marL="288000" indent="-288000">
+              <a:lnSpc>
+                <a:spcPct val="250000"/>
+              </a:lnSpc>
+              <a:buFont typeface="+mj-lt"/>
+              <a:buAutoNum type="arabicPeriod"/>
+            </a:pPr>
+            <a:r>
+              <a:rPr lang="fr-CH" sz="2400" dirty="0" smtClean="0">
+                <a:solidFill>
+                  <a:schemeClr val="bg1"/>
+                </a:solidFill>
+              </a:rPr>
+              <a:t>Exécution</a:t>
+            </a:r>
+          </a:p>
+          <a:p>
+            <a:pPr marL="288000" indent="-288000">
+              <a:lnSpc>
+                <a:spcPct val="250000"/>
+              </a:lnSpc>
+              <a:buFont typeface="+mj-lt"/>
+              <a:buAutoNum type="arabicPeriod"/>
+            </a:pPr>
+            <a:r>
+              <a:rPr lang="fr-CH" sz="2400" dirty="0" smtClean="0">
+                <a:solidFill>
+                  <a:schemeClr val="bg1"/>
+                </a:solidFill>
+              </a:rPr>
+              <a:t>Clôture</a:t>
+            </a:r>
+          </a:p>
+          <a:p>
+            <a:pPr marL="288000" indent="-288000">
+              <a:lnSpc>
+                <a:spcPct val="250000"/>
+              </a:lnSpc>
+              <a:buFont typeface="+mj-lt"/>
+              <a:buAutoNum type="arabicPeriod"/>
+            </a:pPr>
+            <a:endParaRPr lang="fr-CH" sz="2400" dirty="0">
+              <a:solidFill>
+                <a:schemeClr val="bg1"/>
+              </a:solidFill>
+            </a:endParaRPr>
+          </a:p>
+        </p:txBody>
+      </p:sp>
+      <p:sp>
+        <p:nvSpPr>
+          <p:cNvPr id="9" name="Espace réservé du numéro de diapositive 8"/>
+          <p:cNvSpPr>
+            <a:spLocks noGrp="1"/>
+          </p:cNvSpPr>
+          <p:nvPr>
+            <p:ph type="sldNum" sz="quarter" idx="10"/>
+          </p:nvPr>
+        </p:nvSpPr>
+        <p:spPr/>
+        <p:txBody>
+          <a:bodyPr/>
+          <a:lstStyle/>
+          <a:p>
+            <a:fld id="{C214D402-94C6-4E56-8BC2-0A53FF3B7787}" type="slidenum">
+              <a:rPr lang="fr-CH" smtClean="0"/>
+              <a:pPr/>
+              <a:t>‹N°›</a:t>
+            </a:fld>
+            <a:endParaRPr lang="fr-CH" dirty="0"/>
+          </a:p>
+        </p:txBody>
+      </p:sp>
+    </p:spTree>
+    <p:extLst>
+      <p:ext uri="{BB962C8B-B14F-4D97-AF65-F5344CB8AC3E}">
+        <p14:creationId xmlns:p14="http://schemas.microsoft.com/office/powerpoint/2010/main" val="731859302"/>
+      </p:ext>
+    </p:extLst>
+  </p:cSld>
+  <p:clrMapOvr>
+    <a:masterClrMapping/>
+  </p:clrMapOvr>
+  <mc:AlternateContent xmlns:mc="http://schemas.openxmlformats.org/markup-compatibility/2006" xmlns:p14="http://schemas.microsoft.com/office/powerpoint/2010/main">
+    <mc:Choice Requires="p14">
+      <p:transition spd="slow" p14:dur="800">
+        <p14:flythrough/>
+      </p:transition>
+    </mc:Choice>
+    <mc:Fallback xmlns="">
+      <p:transition spd="slow">
+        <p:fade/>
+      </p:transition>
+    </mc:Fallback>
+  </mc:AlternateContent>
+  <p:timing>
+    <p:tnLst>
+      <p:par>
+        <p:cTn id="1" dur="indefinite" restart="never" nodeType="tmRoot"/>
+      </p:par>
+    </p:tnLst>
+  </p:timing>
+</p:sldLayout>
+</file>
+
+<file path=ppt/slideLayouts/slideLayout4.xml><?xml version="1.0" encoding="utf-8"?>
+<p:sldLayout xmlns:a="http://schemas.openxmlformats.org/drawingml/2006/main" xmlns:r="http://schemas.openxmlformats.org/officeDocument/2006/relationships" xmlns:p="http://schemas.openxmlformats.org/presentationml/2006/main" preserve="1" userDrawn="1">
+  <p:cSld name="Planification">
+    <p:spTree>
+      <p:nvGrpSpPr>
+        <p:cNvPr id="1" name=""/>
+        <p:cNvGrpSpPr/>
+        <p:nvPr/>
+      </p:nvGrpSpPr>
+      <p:grpSpPr>
+        <a:xfrm>
+          <a:off x="0" y="0"/>
+          <a:ext cx="0" cy="0"/>
+          <a:chOff x="0" y="0"/>
+          <a:chExt cx="0" cy="0"/>
+        </a:xfrm>
+      </p:grpSpPr>
+      <p:sp>
+        <p:nvSpPr>
+          <p:cNvPr id="2" name="Title 1"/>
+          <p:cNvSpPr>
+            <a:spLocks noGrp="1"/>
+          </p:cNvSpPr>
+          <p:nvPr>
+            <p:ph type="title"/>
+          </p:nvPr>
+        </p:nvSpPr>
+        <p:spPr/>
+        <p:txBody>
+          <a:bodyPr anchor="b"/>
+          <a:lstStyle/>
+          <a:p>
+            <a:r>
+              <a:rPr lang="fr-FR" smtClean="0"/>
+              <a:t>Modifiez le style du titre</a:t>
+            </a:r>
+            <a:endParaRPr lang="en-US" dirty="0"/>
+          </a:p>
+        </p:txBody>
+      </p:sp>
+      <p:sp>
+        <p:nvSpPr>
+          <p:cNvPr id="3" name="Content Placeholder 2"/>
+          <p:cNvSpPr>
+            <a:spLocks noGrp="1"/>
+          </p:cNvSpPr>
+          <p:nvPr>
+            <p:ph idx="1"/>
+          </p:nvPr>
+        </p:nvSpPr>
+        <p:spPr>
+          <a:xfrm>
+            <a:off x="1202920" y="1412111"/>
+            <a:ext cx="7072979" cy="4598271"/>
+          </a:xfrm>
+        </p:spPr>
+        <p:txBody>
+          <a:bodyPr/>
+          <a:lstStyle>
+            <a:lvl1pPr algn="l">
+              <a:defRPr b="1"/>
+            </a:lvl1pPr>
+            <a:lvl2pPr algn="l">
+              <a:defRPr/>
+            </a:lvl2pPr>
+            <a:lvl3pPr algn="l">
+              <a:defRPr/>
+            </a:lvl3pPr>
+            <a:lvl4pPr algn="l">
+              <a:defRPr/>
+            </a:lvl4pPr>
+            <a:lvl5pPr algn="l">
+              <a:defRPr/>
+            </a:lvl5pPr>
+          </a:lstStyle>
+          <a:p>
+            <a:pPr lvl="0"/>
+            <a:r>
+              <a:rPr lang="fr-FR" dirty="0" smtClean="0"/>
+              <a:t>Modifiez les styles du texte du masque</a:t>
+            </a:r>
+          </a:p>
+          <a:p>
+            <a:pPr lvl="1"/>
+            <a:r>
+              <a:rPr lang="fr-FR" dirty="0" smtClean="0"/>
+              <a:t>Deuxième niveau</a:t>
+            </a:r>
+          </a:p>
+          <a:p>
+            <a:pPr lvl="2"/>
+            <a:r>
+              <a:rPr lang="fr-FR" dirty="0" smtClean="0"/>
+              <a:t>Troisième niveau</a:t>
+            </a:r>
+          </a:p>
+          <a:p>
+            <a:pPr lvl="3"/>
+            <a:r>
+              <a:rPr lang="fr-FR" dirty="0" smtClean="0"/>
+              <a:t>Quatrième niveau</a:t>
+            </a:r>
+          </a:p>
+          <a:p>
+            <a:pPr lvl="4"/>
+            <a:r>
+              <a:rPr lang="fr-FR" dirty="0" smtClean="0"/>
+              <a:t>Cinquième niveau</a:t>
+            </a:r>
+            <a:endParaRPr lang="en-US" dirty="0"/>
+          </a:p>
+        </p:txBody>
+      </p:sp>
+      <p:sp>
+        <p:nvSpPr>
+          <p:cNvPr id="4" name="ZoneTexte 3"/>
+          <p:cNvSpPr txBox="1"/>
+          <p:nvPr userDrawn="1"/>
+        </p:nvSpPr>
+        <p:spPr>
+          <a:xfrm>
+            <a:off x="8579464" y="1412110"/>
+            <a:ext cx="2407534" cy="4598272"/>
+          </a:xfrm>
+          <a:prstGeom prst="rect">
+            <a:avLst/>
+          </a:prstGeom>
+          <a:noFill/>
+        </p:spPr>
+        <p:txBody>
+          <a:bodyPr wrap="square" lIns="90000" rtlCol="0">
+            <a:normAutofit/>
+          </a:bodyPr>
+          <a:lstStyle/>
+          <a:p>
+            <a:pPr marL="288000" indent="-288000">
+              <a:lnSpc>
+                <a:spcPct val="250000"/>
+              </a:lnSpc>
+              <a:buFont typeface="+mj-lt"/>
+              <a:buAutoNum type="arabicPeriod"/>
+            </a:pPr>
+            <a:r>
+              <a:rPr lang="fr-CH" sz="2400" b="0" dirty="0" smtClean="0">
+                <a:solidFill>
+                  <a:schemeClr val="bg1"/>
+                </a:solidFill>
+              </a:rPr>
+              <a:t>Initialisation</a:t>
+            </a:r>
+          </a:p>
+          <a:p>
+            <a:pPr marL="288000" indent="-288000">
+              <a:lnSpc>
+                <a:spcPct val="250000"/>
+              </a:lnSpc>
+              <a:buFont typeface="+mj-lt"/>
+              <a:buAutoNum type="arabicPeriod"/>
+            </a:pPr>
+            <a:r>
+              <a:rPr lang="fr-CH" sz="2400" b="1" dirty="0" smtClean="0">
+                <a:solidFill>
+                  <a:schemeClr val="bg1"/>
+                </a:solidFill>
+              </a:rPr>
+              <a:t>Planification</a:t>
+            </a:r>
+          </a:p>
+          <a:p>
+            <a:pPr marL="288000" indent="-288000">
+              <a:lnSpc>
+                <a:spcPct val="250000"/>
+              </a:lnSpc>
+              <a:buFont typeface="+mj-lt"/>
+              <a:buAutoNum type="arabicPeriod"/>
+            </a:pPr>
+            <a:r>
+              <a:rPr lang="fr-CH" sz="2400" dirty="0" smtClean="0">
+                <a:solidFill>
+                  <a:schemeClr val="bg1"/>
+                </a:solidFill>
+              </a:rPr>
+              <a:t>Exécution</a:t>
+            </a:r>
+          </a:p>
+          <a:p>
+            <a:pPr marL="288000" indent="-288000">
+              <a:lnSpc>
+                <a:spcPct val="250000"/>
+              </a:lnSpc>
+              <a:buFont typeface="+mj-lt"/>
+              <a:buAutoNum type="arabicPeriod"/>
+            </a:pPr>
+            <a:r>
+              <a:rPr lang="fr-CH" sz="2400" dirty="0" smtClean="0">
+                <a:solidFill>
+                  <a:schemeClr val="bg1"/>
+                </a:solidFill>
+              </a:rPr>
+              <a:t>Clôture</a:t>
+            </a:r>
+          </a:p>
+          <a:p>
+            <a:pPr marL="288000" indent="-288000">
+              <a:lnSpc>
+                <a:spcPct val="250000"/>
+              </a:lnSpc>
+              <a:buFont typeface="+mj-lt"/>
+              <a:buAutoNum type="arabicPeriod"/>
+            </a:pPr>
+            <a:endParaRPr lang="fr-CH" sz="2400" dirty="0">
+              <a:solidFill>
+                <a:schemeClr val="bg1"/>
+              </a:solidFill>
+            </a:endParaRPr>
+          </a:p>
+        </p:txBody>
+      </p:sp>
+      <p:sp>
+        <p:nvSpPr>
+          <p:cNvPr id="9" name="Espace réservé du numéro de diapositive 8"/>
+          <p:cNvSpPr>
+            <a:spLocks noGrp="1"/>
+          </p:cNvSpPr>
+          <p:nvPr>
+            <p:ph type="sldNum" sz="quarter" idx="10"/>
+          </p:nvPr>
+        </p:nvSpPr>
+        <p:spPr/>
+        <p:txBody>
+          <a:bodyPr/>
+          <a:lstStyle/>
+          <a:p>
+            <a:fld id="{C214D402-94C6-4E56-8BC2-0A53FF3B7787}" type="slidenum">
+              <a:rPr lang="fr-CH" smtClean="0"/>
+              <a:pPr/>
+              <a:t>‹N°›</a:t>
+            </a:fld>
+            <a:endParaRPr lang="fr-CH" dirty="0"/>
+          </a:p>
+        </p:txBody>
+      </p:sp>
+    </p:spTree>
+    <p:extLst>
+      <p:ext uri="{BB962C8B-B14F-4D97-AF65-F5344CB8AC3E}">
+        <p14:creationId xmlns:p14="http://schemas.microsoft.com/office/powerpoint/2010/main" val="2039031476"/>
       </p:ext>
     </p:extLst>
   </p:cSld>
@@ -591,9 +1527,9 @@
 </p:sldLayout>
 </file>
 
-<file path=ppt/slideLayouts/slideLayout3.xml><?xml version="1.0" encoding="utf-8"?>
-<p:sldLayout xmlns:a="http://schemas.openxmlformats.org/drawingml/2006/main" xmlns:r="http://schemas.openxmlformats.org/officeDocument/2006/relationships" xmlns:p="http://schemas.openxmlformats.org/presentationml/2006/main" type="twoObj" preserve="1">
-  <p:cSld name="Deux contenus">
+<file path=ppt/slideLayouts/slideLayout5.xml><?xml version="1.0" encoding="utf-8"?>
+<p:sldLayout xmlns:a="http://schemas.openxmlformats.org/drawingml/2006/main" xmlns:r="http://schemas.openxmlformats.org/officeDocument/2006/relationships" xmlns:p="http://schemas.openxmlformats.org/presentationml/2006/main" preserve="1" userDrawn="1">
+  <p:cSld name="Exécution">
     <p:spTree>
       <p:nvGrpSpPr>
         <p:cNvPr id="1" name=""/>
@@ -610,7 +1546,7 @@
       </p:grpSpPr>
       <p:sp>
         <p:nvSpPr>
-          <p:cNvPr id="8" name="Title 7"/>
+          <p:cNvPr id="2" name="Title 1"/>
           <p:cNvSpPr>
             <a:spLocks noGrp="1"/>
           </p:cNvSpPr>
@@ -638,78 +1574,66 @@
             <a:spLocks noGrp="1"/>
           </p:cNvSpPr>
           <p:nvPr>
-            <p:ph sz="half" idx="1"/>
+            <p:ph idx="1"/>
           </p:nvPr>
         </p:nvSpPr>
         <p:spPr>
           <a:xfrm>
-            <a:off x="1205344" y="1412111"/>
-            <a:ext cx="4754880" cy="4805809"/>
+            <a:off x="1202920" y="1412111"/>
+            <a:ext cx="7072979" cy="4598271"/>
           </a:xfrm>
         </p:spPr>
         <p:txBody>
           <a:bodyPr/>
           <a:lstStyle>
-            <a:lvl1pPr>
-              <a:defRPr sz="2200"/>
+            <a:lvl1pPr algn="l">
+              <a:defRPr b="1"/>
             </a:lvl1pPr>
-            <a:lvl2pPr>
-              <a:defRPr sz="2000"/>
+            <a:lvl2pPr algn="l">
+              <a:defRPr/>
             </a:lvl2pPr>
-            <a:lvl3pPr>
-              <a:defRPr sz="1800"/>
+            <a:lvl3pPr algn="l">
+              <a:defRPr/>
             </a:lvl3pPr>
-            <a:lvl4pPr>
-              <a:defRPr sz="1600"/>
+            <a:lvl4pPr algn="l">
+              <a:defRPr/>
             </a:lvl4pPr>
-            <a:lvl5pPr>
-              <a:defRPr sz="1600"/>
+            <a:lvl5pPr algn="l">
+              <a:defRPr/>
             </a:lvl5pPr>
-            <a:lvl6pPr>
-              <a:defRPr sz="1600"/>
-            </a:lvl6pPr>
-            <a:lvl7pPr>
-              <a:defRPr sz="1600"/>
-            </a:lvl7pPr>
-            <a:lvl8pPr>
-              <a:defRPr sz="1600"/>
-            </a:lvl8pPr>
-            <a:lvl9pPr>
-              <a:defRPr sz="1600"/>
-            </a:lvl9pPr>
           </a:lstStyle>
           <a:p>
             <a:pPr lvl="0"/>
             <a:r>
-              <a:rPr lang="fr-FR" smtClean="0"/>
+              <a:rPr lang="fr-FR" dirty="0" smtClean="0"/>
               <a:t>Modifiez les styles du texte du masque</a:t>
             </a:r>
           </a:p>
           <a:p>
             <a:pPr lvl="1"/>
             <a:r>
-              <a:rPr lang="fr-FR" smtClean="0"/>
+              <a:rPr lang="fr-FR" dirty="0" smtClean="0"/>
               <a:t>Deuxième niveau</a:t>
             </a:r>
           </a:p>
           <a:p>
             <a:pPr lvl="2"/>
             <a:r>
-              <a:rPr lang="fr-FR" smtClean="0"/>
+              <a:rPr lang="fr-FR" dirty="0" smtClean="0"/>
               <a:t>Troisième niveau</a:t>
             </a:r>
           </a:p>
           <a:p>
             <a:pPr lvl="3"/>
             <a:r>
-              <a:rPr lang="fr-FR" smtClean="0"/>
+              <a:rPr lang="fr-FR" dirty="0" smtClean="0"/>
               <a:t>Quatrième niveau</a:t>
             </a:r>
           </a:p>
           <a:p>
             <a:pPr lvl="4"/>
             <a:r>
-              <a:rPr lang="fr-FR" smtClean="0"/>
+              <a:rPr lang="fr-FR" dirty="0" smtClean="0"/>
               <a:t>Cinquième niveau</a:t>
             </a:r>
             <a:endParaRPr lang="en-US" dirty="0"/>
@@ -718,97 +1642,117 @@
       </p:sp>
       <p:sp>
         <p:nvSpPr>
-          <p:cNvPr id="4" name="Content Placeholder 3"/>
+          <p:cNvPr id="4" name="ZoneTexte 3"/>
+          <p:cNvSpPr txBox="1"/>
+          <p:nvPr userDrawn="1"/>
+        </p:nvSpPr>
+        <p:spPr>
+          <a:xfrm>
+            <a:off x="8579464" y="1412110"/>
+            <a:ext cx="2407534" cy="4598272"/>
+          </a:xfrm>
+          <a:prstGeom prst="rect">
+            <a:avLst/>
+          </a:prstGeom>
+          <a:noFill/>
+        </p:spPr>
+        <p:txBody>
+          <a:bodyPr wrap="square" lIns="90000" rtlCol="0">
+            <a:normAutofit/>
+          </a:bodyPr>
+          <a:lstStyle/>
+          <a:p>
+            <a:pPr marL="288000" indent="-288000">
+              <a:lnSpc>
+                <a:spcPct val="250000"/>
+              </a:lnSpc>
+              <a:buFont typeface="+mj-lt"/>
+              <a:buAutoNum type="arabicPeriod"/>
+            </a:pPr>
+            <a:r>
+              <a:rPr lang="fr-CH" sz="2400" b="0" dirty="0" smtClean="0">
+                <a:solidFill>
+                  <a:schemeClr val="bg1"/>
+                </a:solidFill>
+              </a:rPr>
+              <a:t>Initialisation</a:t>
+            </a:r>
+          </a:p>
+          <a:p>
+            <a:pPr marL="288000" indent="-288000">
+              <a:lnSpc>
+                <a:spcPct val="250000"/>
+              </a:lnSpc>
+              <a:buFont typeface="+mj-lt"/>
+              <a:buAutoNum type="arabicPeriod"/>
+            </a:pPr>
+            <a:r>
+              <a:rPr lang="fr-CH" sz="2400" b="0" dirty="0" smtClean="0">
+                <a:solidFill>
+                  <a:schemeClr val="bg1"/>
+                </a:solidFill>
+              </a:rPr>
+              <a:t>Planification</a:t>
+            </a:r>
+          </a:p>
+          <a:p>
+            <a:pPr marL="288000" indent="-288000">
+              <a:lnSpc>
+                <a:spcPct val="250000"/>
+              </a:lnSpc>
+              <a:buFont typeface="+mj-lt"/>
+              <a:buAutoNum type="arabicPeriod"/>
+            </a:pPr>
+            <a:r>
+              <a:rPr lang="fr-CH" sz="2400" b="1" dirty="0" smtClean="0">
+                <a:solidFill>
+                  <a:schemeClr val="bg1"/>
+                </a:solidFill>
+              </a:rPr>
+              <a:t>Exécution</a:t>
+            </a:r>
+          </a:p>
+          <a:p>
+            <a:pPr marL="288000" indent="-288000">
+              <a:lnSpc>
+                <a:spcPct val="250000"/>
+              </a:lnSpc>
+              <a:buFont typeface="+mj-lt"/>
+              <a:buAutoNum type="arabicPeriod"/>
+            </a:pPr>
+            <a:r>
+              <a:rPr lang="fr-CH" sz="2400" dirty="0" smtClean="0">
+                <a:solidFill>
+                  <a:schemeClr val="bg1"/>
+                </a:solidFill>
+              </a:rPr>
+              <a:t>Clôture</a:t>
+            </a:r>
+          </a:p>
+          <a:p>
+            <a:pPr marL="288000" indent="-288000">
+              <a:lnSpc>
+                <a:spcPct val="250000"/>
+              </a:lnSpc>
+              <a:buFont typeface="+mj-lt"/>
+              <a:buAutoNum type="arabicPeriod"/>
+            </a:pPr>
+            <a:endParaRPr lang="fr-CH" sz="2400" dirty="0">
+              <a:solidFill>
+                <a:schemeClr val="bg1"/>
+              </a:solidFill>
+            </a:endParaRPr>
+          </a:p>
+        </p:txBody>
+      </p:sp>
+      <p:sp>
+        <p:nvSpPr>
+          <p:cNvPr id="9" name="Espace réservé du numéro de diapositive 8"/>
           <p:cNvSpPr>
             <a:spLocks noGrp="1"/>
           </p:cNvSpPr>
           <p:nvPr>
-            <p:ph sz="half" idx="2"/>
-          </p:nvPr>
-        </p:nvSpPr>
-        <p:spPr>
-          <a:xfrm>
-            <a:off x="6230391" y="1412111"/>
-            <a:ext cx="4754880" cy="4805809"/>
-          </a:xfrm>
-        </p:spPr>
-        <p:txBody>
-          <a:bodyPr/>
-          <a:lstStyle>
-            <a:lvl1pPr>
-              <a:defRPr sz="2200"/>
-            </a:lvl1pPr>
-            <a:lvl2pPr>
-              <a:defRPr sz="2000"/>
-            </a:lvl2pPr>
-            <a:lvl3pPr>
-              <a:defRPr sz="1800"/>
-            </a:lvl3pPr>
-            <a:lvl4pPr>
-              <a:defRPr sz="1600"/>
-            </a:lvl4pPr>
-            <a:lvl5pPr>
-              <a:defRPr sz="1600"/>
-            </a:lvl5pPr>
-            <a:lvl6pPr>
-              <a:defRPr sz="1600"/>
-            </a:lvl6pPr>
-            <a:lvl7pPr>
-              <a:defRPr sz="1600"/>
-            </a:lvl7pPr>
-            <a:lvl8pPr>
-              <a:defRPr sz="1600"/>
-            </a:lvl8pPr>
-            <a:lvl9pPr>
-              <a:defRPr sz="1600"/>
-            </a:lvl9pPr>
-          </a:lstStyle>
-          <a:p>
-            <a:pPr lvl="0"/>
-            <a:r>
-              <a:rPr lang="fr-FR" smtClean="0"/>
-              <a:t>Modifiez les styles du texte du masque</a:t>
-            </a:r>
-          </a:p>
-          <a:p>
-            <a:pPr lvl="1"/>
-            <a:r>
-              <a:rPr lang="fr-FR" smtClean="0"/>
-              <a:t>Deuxième niveau</a:t>
-            </a:r>
-          </a:p>
-          <a:p>
-            <a:pPr lvl="2"/>
-            <a:r>
-              <a:rPr lang="fr-FR" smtClean="0"/>
-              <a:t>Troisième niveau</a:t>
-            </a:r>
-          </a:p>
-          <a:p>
-            <a:pPr lvl="3"/>
-            <a:r>
-              <a:rPr lang="fr-FR" smtClean="0"/>
-              <a:t>Quatrième niveau</a:t>
-            </a:r>
-          </a:p>
-          <a:p>
-            <a:pPr lvl="4"/>
-            <a:r>
-              <a:rPr lang="fr-FR" smtClean="0"/>
-              <a:t>Cinquième niveau</a:t>
-            </a:r>
-            <a:endParaRPr lang="en-US" dirty="0"/>
-          </a:p>
-        </p:txBody>
-      </p:sp>
-      <p:sp>
-        <p:nvSpPr>
-          <p:cNvPr id="5" name="Date Placeholder 4"/>
-          <p:cNvSpPr>
-            <a:spLocks noGrp="1"/>
-          </p:cNvSpPr>
-          <p:nvPr>
-            <p:ph type="dt" sz="half" idx="10"/>
+            <p:ph type="sldNum" sz="quarter" idx="10"/>
           </p:nvPr>
         </p:nvSpPr>
         <p:spPr/>
@@ -816,60 +1760,19 @@
           <a:bodyPr/>
           <a:lstStyle/>
           <a:p>
-            <a:fld id="{13146021-EE2D-49E2-A8C2-258CF42F979A}" type="datetimeFigureOut">
-              <a:rPr lang="fr-CH" smtClean="0"/>
-              <a:t>02.06.2015</a:t>
-            </a:fld>
-            <a:endParaRPr lang="fr-CH"/>
-          </a:p>
-        </p:txBody>
-      </p:sp>
-      <p:sp>
-        <p:nvSpPr>
-          <p:cNvPr id="6" name="Footer Placeholder 5"/>
-          <p:cNvSpPr>
-            <a:spLocks noGrp="1"/>
-          </p:cNvSpPr>
-          <p:nvPr>
-            <p:ph type="ftr" sz="quarter" idx="11"/>
-          </p:nvPr>
-        </p:nvSpPr>
-        <p:spPr/>
-        <p:txBody>
-          <a:bodyPr/>
-          <a:lstStyle/>
-          <a:p>
-            <a:endParaRPr lang="fr-CH"/>
-          </a:p>
-        </p:txBody>
-      </p:sp>
-      <p:sp>
-        <p:nvSpPr>
-          <p:cNvPr id="7" name="Slide Number Placeholder 6"/>
-          <p:cNvSpPr>
-            <a:spLocks noGrp="1"/>
-          </p:cNvSpPr>
-          <p:nvPr>
-            <p:ph type="sldNum" sz="quarter" idx="12"/>
-          </p:nvPr>
-        </p:nvSpPr>
-        <p:spPr/>
-        <p:txBody>
-          <a:bodyPr/>
-          <a:lstStyle/>
-          <a:p>
             <a:fld id="{C214D402-94C6-4E56-8BC2-0A53FF3B7787}" type="slidenum">
               <a:rPr lang="fr-CH" smtClean="0"/>
+              <a:pPr/>
               <a:t>‹N°›</a:t>
             </a:fld>
-            <a:endParaRPr lang="fr-CH"/>
+            <a:endParaRPr lang="fr-CH" dirty="0"/>
           </a:p>
         </p:txBody>
       </p:sp>
     </p:spTree>
     <p:extLst>
       <p:ext uri="{BB962C8B-B14F-4D97-AF65-F5344CB8AC3E}">
-        <p14:creationId xmlns:p14="http://schemas.microsoft.com/office/powerpoint/2010/main" val="804185657"/>
+        <p14:creationId xmlns:p14="http://schemas.microsoft.com/office/powerpoint/2010/main" val="4276965739"/>
       </p:ext>
     </p:extLst>
   </p:cSld>
@@ -878,8 +1781,282 @@
   </p:clrMapOvr>
   <mc:AlternateContent xmlns:mc="http://schemas.openxmlformats.org/markup-compatibility/2006">
     <mc:Choice xmlns:p14="http://schemas.microsoft.com/office/powerpoint/2010/main" Requires="p14">
-      <p:transition spd="slow" p14:dur="900">
-        <p14:warp dir="in"/>
+      <p:transition spd="slow" p14:dur="800">
+        <p14:flythrough/>
+      </p:transition>
+    </mc:Choice>
+    <mc:Fallback>
+      <p:transition spd="slow">
+        <p:fade/>
+      </p:transition>
+    </mc:Fallback>
+  </mc:AlternateContent>
+  <p:timing>
+    <p:tnLst>
+      <p:par>
+        <p:cTn id="1" dur="indefinite" restart="never" nodeType="tmRoot"/>
+      </p:par>
+    </p:tnLst>
+  </p:timing>
+</p:sldLayout>
+</file>
+
+<file path=ppt/slideLayouts/slideLayout6.xml><?xml version="1.0" encoding="utf-8"?>
+<p:sldLayout xmlns:a="http://schemas.openxmlformats.org/drawingml/2006/main" xmlns:r="http://schemas.openxmlformats.org/officeDocument/2006/relationships" xmlns:p="http://schemas.openxmlformats.org/presentationml/2006/main" preserve="1" userDrawn="1">
+  <p:cSld name="Clôture">
+    <p:spTree>
+      <p:nvGrpSpPr>
+        <p:cNvPr id="1" name=""/>
+        <p:cNvGrpSpPr/>
+        <p:nvPr/>
+      </p:nvGrpSpPr>
+      <p:grpSpPr>
+        <a:xfrm>
+          <a:off x="0" y="0"/>
+          <a:ext cx="0" cy="0"/>
+          <a:chOff x="0" y="0"/>
+          <a:chExt cx="0" cy="0"/>
+        </a:xfrm>
+      </p:grpSpPr>
+      <p:sp>
+        <p:nvSpPr>
+          <p:cNvPr id="2" name="Title 1"/>
+          <p:cNvSpPr>
+            <a:spLocks noGrp="1"/>
+          </p:cNvSpPr>
+          <p:nvPr>
+            <p:ph type="title"/>
+          </p:nvPr>
+        </p:nvSpPr>
+        <p:spPr/>
+        <p:txBody>
+          <a:bodyPr anchor="b"/>
+          <a:lstStyle/>
+          <a:p>
+            <a:r>
+              <a:rPr lang="fr-FR" smtClean="0"/>
+              <a:t>Modifiez le style du titre</a:t>
+            </a:r>
+            <a:endParaRPr lang="en-US" dirty="0"/>
+          </a:p>
+        </p:txBody>
+      </p:sp>
+      <p:sp>
+        <p:nvSpPr>
+          <p:cNvPr id="3" name="Content Placeholder 2"/>
+          <p:cNvSpPr>
+            <a:spLocks noGrp="1"/>
+          </p:cNvSpPr>
+          <p:nvPr>
+            <p:ph idx="1"/>
+          </p:nvPr>
+        </p:nvSpPr>
+        <p:spPr>
+          <a:xfrm>
+            <a:off x="1202920" y="1412111"/>
+            <a:ext cx="7072979" cy="4598271"/>
+          </a:xfrm>
+        </p:spPr>
+        <p:txBody>
+          <a:bodyPr/>
+          <a:lstStyle>
+            <a:lvl1pPr algn="l">
+              <a:defRPr b="1"/>
+            </a:lvl1pPr>
+            <a:lvl2pPr algn="l">
+              <a:defRPr/>
+            </a:lvl2pPr>
+            <a:lvl3pPr algn="l">
+              <a:defRPr/>
+            </a:lvl3pPr>
+            <a:lvl4pPr algn="l">
+              <a:defRPr/>
+            </a:lvl4pPr>
+            <a:lvl5pPr algn="l">
+              <a:defRPr/>
+            </a:lvl5pPr>
+          </a:lstStyle>
+          <a:p>
+            <a:pPr lvl="0"/>
+            <a:r>
+              <a:rPr lang="fr-FR" dirty="0" smtClean="0"/>
+              <a:t>Modifiez les styles du texte du masque</a:t>
+            </a:r>
+          </a:p>
+          <a:p>
+            <a:pPr lvl="1"/>
+            <a:r>
+              <a:rPr lang="fr-FR" dirty="0" smtClean="0"/>
+              <a:t>Deuxième niveau</a:t>
+            </a:r>
+          </a:p>
+          <a:p>
+            <a:pPr lvl="2"/>
+            <a:r>
+              <a:rPr lang="fr-FR" dirty="0" smtClean="0"/>
+              <a:t>Troisième niveau</a:t>
+            </a:r>
+          </a:p>
+          <a:p>
+            <a:pPr lvl="3"/>
+            <a:r>
+              <a:rPr lang="fr-FR" dirty="0" smtClean="0"/>
+              <a:t>Quatrième niveau</a:t>
+            </a:r>
+          </a:p>
+          <a:p>
+            <a:pPr lvl="4"/>
+            <a:r>
+              <a:rPr lang="fr-FR" dirty="0" smtClean="0"/>
+              <a:t>Cinquième niveau</a:t>
+            </a:r>
+            <a:endParaRPr lang="en-US" dirty="0"/>
+          </a:p>
+        </p:txBody>
+      </p:sp>
+      <p:sp>
+        <p:nvSpPr>
+          <p:cNvPr id="4" name="ZoneTexte 3"/>
+          <p:cNvSpPr txBox="1"/>
+          <p:nvPr userDrawn="1"/>
+        </p:nvSpPr>
+        <p:spPr>
+          <a:xfrm>
+            <a:off x="8579464" y="1412110"/>
+            <a:ext cx="2407534" cy="4598272"/>
+          </a:xfrm>
+          <a:prstGeom prst="rect">
+            <a:avLst/>
+          </a:prstGeom>
+          <a:noFill/>
+        </p:spPr>
+        <p:txBody>
+          <a:bodyPr wrap="square" lIns="90000" rtlCol="0">
+            <a:normAutofit/>
+          </a:bodyPr>
+          <a:lstStyle/>
+          <a:p>
+            <a:pPr marL="288000" indent="-288000">
+              <a:lnSpc>
+                <a:spcPct val="250000"/>
+              </a:lnSpc>
+              <a:buFont typeface="+mj-lt"/>
+              <a:buAutoNum type="arabicPeriod"/>
+            </a:pPr>
+            <a:r>
+              <a:rPr lang="fr-CH" sz="2400" b="0" dirty="0" smtClean="0">
+                <a:solidFill>
+                  <a:schemeClr val="bg1"/>
+                </a:solidFill>
+              </a:rPr>
+              <a:t>Initialisation</a:t>
+            </a:r>
+          </a:p>
+          <a:p>
+            <a:pPr marL="288000" indent="-288000">
+              <a:lnSpc>
+                <a:spcPct val="250000"/>
+              </a:lnSpc>
+              <a:buFont typeface="+mj-lt"/>
+              <a:buAutoNum type="arabicPeriod"/>
+            </a:pPr>
+            <a:r>
+              <a:rPr lang="fr-CH" sz="2400" b="0" dirty="0" smtClean="0">
+                <a:solidFill>
+                  <a:schemeClr val="bg1"/>
+                </a:solidFill>
+              </a:rPr>
+              <a:t>Planification</a:t>
+            </a:r>
+          </a:p>
+          <a:p>
+            <a:pPr marL="288000" indent="-288000">
+              <a:lnSpc>
+                <a:spcPct val="250000"/>
+              </a:lnSpc>
+              <a:buFont typeface="+mj-lt"/>
+              <a:buAutoNum type="arabicPeriod"/>
+            </a:pPr>
+            <a:r>
+              <a:rPr lang="fr-CH" sz="2400" dirty="0" smtClean="0">
+                <a:solidFill>
+                  <a:schemeClr val="bg1"/>
+                </a:solidFill>
+              </a:rPr>
+              <a:t>Exécution</a:t>
+            </a:r>
+          </a:p>
+          <a:p>
+            <a:pPr marL="288000" indent="-288000">
+              <a:lnSpc>
+                <a:spcPct val="250000"/>
+              </a:lnSpc>
+              <a:buFont typeface="+mj-lt"/>
+              <a:buAutoNum type="arabicPeriod"/>
+            </a:pPr>
+            <a:r>
+              <a:rPr lang="fr-CH" sz="2400" b="1" dirty="0" smtClean="0">
+                <a:solidFill>
+                  <a:schemeClr val="bg1"/>
+                </a:solidFill>
+              </a:rPr>
+              <a:t>Clôture</a:t>
+            </a:r>
+          </a:p>
+          <a:p>
+            <a:pPr marL="288000" indent="-288000">
+              <a:lnSpc>
+                <a:spcPct val="250000"/>
+              </a:lnSpc>
+              <a:buFont typeface="+mj-lt"/>
+              <a:buAutoNum type="arabicPeriod"/>
+            </a:pPr>
+            <a:endParaRPr lang="fr-CH" sz="2400" dirty="0">
+              <a:solidFill>
+                <a:schemeClr val="bg1"/>
+              </a:solidFill>
+            </a:endParaRPr>
+          </a:p>
+        </p:txBody>
+      </p:sp>
+      <p:sp>
+        <p:nvSpPr>
+          <p:cNvPr id="9" name="Espace réservé du numéro de diapositive 8"/>
+          <p:cNvSpPr>
+            <a:spLocks noGrp="1"/>
+          </p:cNvSpPr>
+          <p:nvPr>
+            <p:ph type="sldNum" sz="quarter" idx="10"/>
+          </p:nvPr>
+        </p:nvSpPr>
+        <p:spPr/>
+        <p:txBody>
+          <a:bodyPr/>
+          <a:lstStyle/>
+          <a:p>
+            <a:fld id="{C214D402-94C6-4E56-8BC2-0A53FF3B7787}" type="slidenum">
+              <a:rPr lang="fr-CH" smtClean="0"/>
+              <a:pPr/>
+              <a:t>‹N°›</a:t>
+            </a:fld>
+            <a:endParaRPr lang="fr-CH" dirty="0"/>
+          </a:p>
+        </p:txBody>
+      </p:sp>
+    </p:spTree>
+    <p:extLst>
+      <p:ext uri="{BB962C8B-B14F-4D97-AF65-F5344CB8AC3E}">
+        <p14:creationId xmlns:p14="http://schemas.microsoft.com/office/powerpoint/2010/main" val="3104668089"/>
+      </p:ext>
+    </p:extLst>
+  </p:cSld>
+  <p:clrMapOvr>
+    <a:masterClrMapping/>
+  </p:clrMapOvr>
+  <mc:AlternateContent xmlns:mc="http://schemas.openxmlformats.org/markup-compatibility/2006">
+    <mc:Choice xmlns:p14="http://schemas.microsoft.com/office/powerpoint/2010/main" Requires="p14">
+      <p:transition spd="slow" p14:dur="800">
+        <p14:flythrough/>
       </p:transition>
     </mc:Choice>
     <mc:Fallback>
@@ -906,13 +2083,14 @@
         <a:gradFill flip="none" rotWithShape="1">
           <a:gsLst>
             <a:gs pos="0">
-              <a:schemeClr val="accent1">
-                <a:lumMod val="5000"/>
-                <a:lumOff val="95000"/>
+              <a:schemeClr val="tx1">
+                <a:alpha val="89000"/>
               </a:schemeClr>
             </a:gs>
-            <a:gs pos="74000">
-              <a:schemeClr val="tx1"/>
+            <a:gs pos="48000">
+              <a:schemeClr val="tx1">
+                <a:alpha val="62000"/>
+              </a:schemeClr>
             </a:gs>
             <a:gs pos="100000">
               <a:schemeClr val="bg2">
@@ -963,13 +2141,13 @@
           </a:prstGeom>
         </p:spPr>
         <p:txBody>
-          <a:bodyPr vert="horz" lIns="91440" tIns="45720" rIns="91440" bIns="45720" rtlCol="0" anchor="ctr">
+          <a:bodyPr vert="horz" lIns="91440" tIns="45720" rIns="91440" bIns="45720" rtlCol="0" anchor="b">
             <a:normAutofit/>
           </a:bodyPr>
           <a:lstStyle/>
           <a:p>
             <a:r>
-              <a:rPr lang="fr-FR" smtClean="0"/>
+              <a:rPr lang="fr-FR" dirty="0" smtClean="0"/>
               <a:t>Modifiez le style du titre</a:t>
             </a:r>
             <a:endParaRPr lang="en-US" dirty="0"/>
@@ -988,8 +2166,8 @@
         </p:nvSpPr>
         <p:spPr>
           <a:xfrm>
-            <a:off x="1202919" y="1412111"/>
-            <a:ext cx="9784080" cy="4805809"/>
+            <a:off x="1202919" y="1412112"/>
+            <a:ext cx="9784080" cy="3118792"/>
           </a:xfrm>
           <a:prstGeom prst="rect">
             <a:avLst/>
@@ -1038,119 +2216,83 @@
           </a:p>
         </p:txBody>
       </p:sp>
-      <p:sp>
-        <p:nvSpPr>
-          <p:cNvPr id="4" name="Date Placeholder 3"/>
-          <p:cNvSpPr>
-            <a:spLocks noGrp="1"/>
-          </p:cNvSpPr>
-          <p:nvPr>
-            <p:ph type="dt" sz="half" idx="2"/>
-          </p:nvPr>
-        </p:nvSpPr>
-        <p:spPr>
+      <p:pic>
+        <p:nvPicPr>
+          <p:cNvPr id="13" name="Picture 2" descr="http://iasprod.ig.he-arc.ch/template/bpms/GP/img/interface/logoHes.png"/>
+          <p:cNvPicPr>
+            <a:picLocks noChangeAspect="1" noChangeArrowheads="1"/>
+          </p:cNvPicPr>
+          <p:nvPr userDrawn="1"/>
+        </p:nvPicPr>
+        <p:blipFill>
+          <a:blip r:embed="rId3">
+            <a:extLst>
+              <a:ext uri="{28A0092B-C50C-407E-A947-70E740481C1C}">
+                <a14:useLocalDpi xmlns:a14="http://schemas.microsoft.com/office/drawing/2010/main" val="0"/>
+              </a:ext>
+            </a:extLst>
+          </a:blip>
+          <a:srcRect/>
+          <a:stretch>
+            <a:fillRect/>
+          </a:stretch>
+        </p:blipFill>
+        <p:spPr bwMode="auto">
           <a:xfrm>
-            <a:off x="1202266" y="6422854"/>
-            <a:ext cx="3000894" cy="365125"/>
+            <a:off x="1524000" y="5209799"/>
+            <a:ext cx="2299949" cy="988979"/>
           </a:xfrm>
           <a:prstGeom prst="rect">
             <a:avLst/>
           </a:prstGeom>
+          <a:noFill/>
+          <a:extLst>
+            <a:ext uri="{909E8E84-426E-40DD-AFC4-6F175D3DCCD1}">
+              <a14:hiddenFill xmlns:a14="http://schemas.microsoft.com/office/drawing/2010/main">
+                <a:solidFill>
+                  <a:srgbClr val="FFFFFF"/>
+                </a:solidFill>
+              </a14:hiddenFill>
+            </a:ext>
+          </a:extLst>
         </p:spPr>
-        <p:txBody>
-          <a:bodyPr vert="horz" lIns="91440" tIns="45720" rIns="45720" bIns="45720" rtlCol="0" anchor="ctr"/>
-          <a:lstStyle>
-            <a:lvl1pPr algn="l">
-              <a:defRPr sz="1050">
-                <a:solidFill>
-                  <a:schemeClr val="tx1"/>
-                </a:solidFill>
-              </a:defRPr>
-            </a:lvl1pPr>
-          </a:lstStyle>
-          <a:p>
-            <a:fld id="{13146021-EE2D-49E2-A8C2-258CF42F979A}" type="datetimeFigureOut">
-              <a:rPr lang="fr-CH" smtClean="0"/>
-              <a:t>02.06.2015</a:t>
-            </a:fld>
-            <a:endParaRPr lang="fr-CH"/>
-          </a:p>
-        </p:txBody>
-      </p:sp>
-      <p:sp>
-        <p:nvSpPr>
-          <p:cNvPr id="5" name="Footer Placeholder 4"/>
-          <p:cNvSpPr>
-            <a:spLocks noGrp="1"/>
-          </p:cNvSpPr>
-          <p:nvPr>
-            <p:ph type="ftr" sz="quarter" idx="3"/>
-          </p:nvPr>
-        </p:nvSpPr>
-        <p:spPr>
+      </p:pic>
+      <p:pic>
+        <p:nvPicPr>
+          <p:cNvPr id="14" name="Image 13"/>
+          <p:cNvPicPr/>
+          <p:nvPr userDrawn="1"/>
+        </p:nvPicPr>
+        <p:blipFill rotWithShape="1">
+          <a:blip r:embed="rId4">
+            <a:extLst>
+              <a:ext uri="{28A0092B-C50C-407E-A947-70E740481C1C}">
+                <a14:useLocalDpi xmlns:a14="http://schemas.microsoft.com/office/drawing/2010/main" val="0"/>
+              </a:ext>
+            </a:extLst>
+          </a:blip>
+          <a:srcRect r="28945"/>
+          <a:stretch/>
+        </p:blipFill>
+        <p:spPr bwMode="auto">
           <a:xfrm>
-            <a:off x="5596471" y="6422854"/>
-            <a:ext cx="5044440" cy="365125"/>
+            <a:off x="7565206" y="5418950"/>
+            <a:ext cx="3791462" cy="892844"/>
           </a:xfrm>
           <a:prstGeom prst="rect">
             <a:avLst/>
           </a:prstGeom>
+          <a:noFill/>
+          <a:ln>
+            <a:noFill/>
+          </a:ln>
+          <a:extLst>
+            <a:ext uri="{53640926-AAD7-44D8-BBD7-CCE9431645EC}">
+              <a14:shadowObscured xmlns:a14="http://schemas.microsoft.com/office/drawing/2010/main"/>
+            </a:ext>
+          </a:extLst>
         </p:spPr>
-        <p:txBody>
-          <a:bodyPr vert="horz" lIns="91440" tIns="45720" rIns="91440" bIns="45720" rtlCol="0" anchor="ctr"/>
-          <a:lstStyle>
-            <a:lvl1pPr algn="r">
-              <a:defRPr sz="1050">
-                <a:solidFill>
-                  <a:schemeClr val="tx1"/>
-                </a:solidFill>
-              </a:defRPr>
-            </a:lvl1pPr>
-          </a:lstStyle>
-          <a:p>
-            <a:endParaRPr lang="fr-CH"/>
-          </a:p>
-        </p:txBody>
-      </p:sp>
-      <p:sp>
-        <p:nvSpPr>
-          <p:cNvPr id="6" name="Slide Number Placeholder 5"/>
-          <p:cNvSpPr>
-            <a:spLocks noGrp="1"/>
-          </p:cNvSpPr>
-          <p:nvPr>
-            <p:ph type="sldNum" sz="quarter" idx="4"/>
-          </p:nvPr>
-        </p:nvSpPr>
-        <p:spPr>
-          <a:xfrm>
-            <a:off x="10658927" y="6422854"/>
-            <a:ext cx="946264" cy="365125"/>
-          </a:xfrm>
-          <a:prstGeom prst="rect">
-            <a:avLst/>
-          </a:prstGeom>
-        </p:spPr>
-        <p:txBody>
-          <a:bodyPr vert="horz" lIns="45720" tIns="45720" rIns="91440" bIns="45720" rtlCol="0" anchor="ctr"/>
-          <a:lstStyle>
-            <a:lvl1pPr algn="l">
-              <a:defRPr sz="1200" b="0">
-                <a:solidFill>
-                  <a:schemeClr val="tx1"/>
-                </a:solidFill>
-              </a:defRPr>
-            </a:lvl1pPr>
-          </a:lstStyle>
-          <a:p>
-            <a:fld id="{C214D402-94C6-4E56-8BC2-0A53FF3B7787}" type="slidenum">
-              <a:rPr lang="fr-CH" smtClean="0"/>
-              <a:t>‹N°›</a:t>
-            </a:fld>
-            <a:endParaRPr lang="fr-CH"/>
-          </a:p>
-        </p:txBody>
-      </p:sp>
+      </p:pic>
     </p:spTree>
     <p:extLst>
       <p:ext uri="{BB962C8B-B14F-4D97-AF65-F5344CB8AC3E}">
@@ -1161,16 +2303,14 @@
   <p:clrMap bg1="dk1" tx1="lt1" bg2="dk2" tx2="lt2" accent1="accent1" accent2="accent2" accent3="accent3" accent4="accent4" accent5="accent5" accent6="accent6" hlink="hlink" folHlink="folHlink"/>
   <p:sldLayoutIdLst>
     <p:sldLayoutId id="2147483661" r:id="rId1"/>
-    <p:sldLayoutId id="2147483662" r:id="rId2"/>
-    <p:sldLayoutId id="2147483664" r:id="rId3"/>
   </p:sldLayoutIdLst>
-  <mc:AlternateContent xmlns:mc="http://schemas.openxmlformats.org/markup-compatibility/2006">
-    <mc:Choice xmlns:p14="http://schemas.microsoft.com/office/powerpoint/2010/main" Requires="p14">
+  <mc:AlternateContent xmlns:mc="http://schemas.openxmlformats.org/markup-compatibility/2006" xmlns:p14="http://schemas.microsoft.com/office/powerpoint/2010/main">
+    <mc:Choice Requires="p14">
       <p:transition spd="slow" p14:dur="900">
         <p14:warp dir="in"/>
       </p:transition>
     </mc:Choice>
-    <mc:Fallback>
+    <mc:Fallback xmlns="">
       <p:transition spd="slow">
         <p:fade/>
       </p:transition>
@@ -1183,6 +2323,7 @@
       </p:par>
     </p:tnLst>
   </p:timing>
+  <p:hf hdr="0" ftr="0" dt="0"/>
   <p:txStyles>
     <p:titleStyle>
       <a:lvl1pPr algn="l" defTabSz="914400" rtl="0" eaLnBrk="1" latinLnBrk="0" hangingPunct="1">
@@ -1193,10 +2334,13 @@
           <a:spcPct val="0"/>
         </a:spcBef>
         <a:buNone/>
-        <a:defRPr sz="4000" kern="1200" cap="all" baseline="0">
+        <a:defRPr sz="4000" b="1" kern="1200" cap="none" baseline="0">
           <a:solidFill>
             <a:schemeClr val="bg1"/>
           </a:solidFill>
+          <a:effectLst>
+            <a:reflection blurRad="6350" stA="21000" endPos="46000" dir="5400000" sy="-100000" algn="bl" rotWithShape="0"/>
+          </a:effectLst>
           <a:latin typeface="+mj-lt"/>
           <a:ea typeface="+mj-ea"/>
           <a:cs typeface="+mj-cs"/>
@@ -1507,6 +2651,648 @@
       </a:lvl9pPr>
     </p:otherStyle>
   </p:txStyles>
+  <p:extLst>
+    <p:ext uri="{27BBF7A9-308A-43DC-89C8-2F10F3537804}">
+      <p15:sldGuideLst xmlns:p15="http://schemas.microsoft.com/office/powerpoint/2012/main">
+        <p15:guide id="1" orient="horz" pos="2160" userDrawn="1">
+          <p15:clr>
+            <a:srgbClr val="F26B43"/>
+          </p15:clr>
+        </p15:guide>
+        <p15:guide id="2" pos="3840" userDrawn="1">
+          <p15:clr>
+            <a:srgbClr val="F26B43"/>
+          </p15:clr>
+        </p15:guide>
+      </p15:sldGuideLst>
+    </p:ext>
+  </p:extLst>
+</p:sldMaster>
+</file>
+
+<file path=ppt/slideMasters/slideMaster2.xml><?xml version="1.0" encoding="utf-8"?>
+<p:sldMaster xmlns:a="http://schemas.openxmlformats.org/drawingml/2006/main" xmlns:r="http://schemas.openxmlformats.org/officeDocument/2006/relationships" xmlns:p="http://schemas.openxmlformats.org/presentationml/2006/main" preserve="1">
+  <p:cSld>
+    <p:bg>
+      <p:bgPr>
+        <a:gradFill flip="none" rotWithShape="1">
+          <a:gsLst>
+            <a:gs pos="0">
+              <a:schemeClr val="tx1">
+                <a:alpha val="89000"/>
+              </a:schemeClr>
+            </a:gs>
+            <a:gs pos="48000">
+              <a:schemeClr val="tx1">
+                <a:alpha val="62000"/>
+              </a:schemeClr>
+            </a:gs>
+            <a:gs pos="100000">
+              <a:schemeClr val="bg2">
+                <a:lumMod val="20000"/>
+                <a:lumOff val="80000"/>
+              </a:schemeClr>
+            </a:gs>
+          </a:gsLst>
+          <a:path path="circle">
+            <a:fillToRect l="50000" t="50000" r="50000" b="50000"/>
+          </a:path>
+          <a:tileRect/>
+        </a:gradFill>
+        <a:effectLst/>
+      </p:bgPr>
+    </p:bg>
+    <p:spTree>
+      <p:nvGrpSpPr>
+        <p:cNvPr id="1" name=""/>
+        <p:cNvGrpSpPr/>
+        <p:nvPr/>
+      </p:nvGrpSpPr>
+      <p:grpSpPr>
+        <a:xfrm>
+          <a:off x="0" y="0"/>
+          <a:ext cx="0" cy="0"/>
+          <a:chOff x="0" y="0"/>
+          <a:chExt cx="0" cy="0"/>
+        </a:xfrm>
+      </p:grpSpPr>
+      <p:sp>
+        <p:nvSpPr>
+          <p:cNvPr id="2" name="Title Placeholder 1"/>
+          <p:cNvSpPr>
+            <a:spLocks noGrp="1"/>
+          </p:cNvSpPr>
+          <p:nvPr>
+            <p:ph type="title"/>
+          </p:nvPr>
+        </p:nvSpPr>
+        <p:spPr>
+          <a:xfrm>
+            <a:off x="1202919" y="680812"/>
+            <a:ext cx="9784080" cy="615553"/>
+          </a:xfrm>
+          <a:prstGeom prst="rect">
+            <a:avLst/>
+          </a:prstGeom>
+          <a:gradFill flip="none" rotWithShape="1">
+            <a:gsLst>
+              <a:gs pos="0">
+                <a:schemeClr val="tx1">
+                  <a:alpha val="0"/>
+                </a:schemeClr>
+              </a:gs>
+              <a:gs pos="78000">
+                <a:schemeClr val="tx1">
+                  <a:alpha val="50000"/>
+                </a:schemeClr>
+              </a:gs>
+              <a:gs pos="100000">
+                <a:schemeClr val="tx1">
+                  <a:alpha val="0"/>
+                </a:schemeClr>
+              </a:gs>
+            </a:gsLst>
+            <a:lin ang="0" scaled="1"/>
+            <a:tileRect/>
+          </a:gradFill>
+          <a:effectLst>
+            <a:softEdge rad="381000"/>
+          </a:effectLst>
+        </p:spPr>
+        <p:txBody>
+          <a:bodyPr vert="horz" lIns="91440" tIns="45720" rIns="91440" bIns="45720" rtlCol="0" anchor="b">
+            <a:spAutoFit/>
+          </a:bodyPr>
+          <a:lstStyle/>
+          <a:p>
+            <a:r>
+              <a:rPr lang="fr-FR" dirty="0" smtClean="0"/>
+              <a:t>Modifiez le style du titre</a:t>
+            </a:r>
+            <a:endParaRPr lang="en-US" dirty="0"/>
+          </a:p>
+        </p:txBody>
+      </p:sp>
+      <p:sp>
+        <p:nvSpPr>
+          <p:cNvPr id="3" name="Text Placeholder 2"/>
+          <p:cNvSpPr>
+            <a:spLocks noGrp="1"/>
+          </p:cNvSpPr>
+          <p:nvPr>
+            <p:ph type="body" idx="1"/>
+          </p:nvPr>
+        </p:nvSpPr>
+        <p:spPr>
+          <a:xfrm>
+            <a:off x="1202919" y="1412111"/>
+            <a:ext cx="9784080" cy="4598271"/>
+          </a:xfrm>
+          <a:prstGeom prst="rect">
+            <a:avLst/>
+          </a:prstGeom>
+        </p:spPr>
+        <p:txBody>
+          <a:bodyPr vert="horz" lIns="91440" tIns="45720" rIns="91440" bIns="45720" rtlCol="0">
+            <a:normAutofit/>
+          </a:bodyPr>
+          <a:lstStyle/>
+          <a:p>
+            <a:pPr lvl="0"/>
+            <a:r>
+              <a:rPr lang="fr-FR" dirty="0" smtClean="0"/>
+              <a:t>Modifiez les styles du texte du masque</a:t>
+            </a:r>
+          </a:p>
+          <a:p>
+            <a:pPr lvl="1"/>
+            <a:r>
+              <a:rPr lang="fr-FR" dirty="0" smtClean="0"/>
+              <a:t>Deuxième niveau</a:t>
+            </a:r>
+          </a:p>
+          <a:p>
+            <a:pPr lvl="2"/>
+            <a:r>
+              <a:rPr lang="fr-FR" dirty="0" smtClean="0"/>
+              <a:t>Troisième niveau</a:t>
+            </a:r>
+          </a:p>
+          <a:p>
+            <a:pPr lvl="3"/>
+            <a:r>
+              <a:rPr lang="fr-FR" dirty="0" smtClean="0"/>
+              <a:t>Quatrième niveau</a:t>
+            </a:r>
+          </a:p>
+          <a:p>
+            <a:pPr lvl="4"/>
+            <a:r>
+              <a:rPr lang="fr-FR" dirty="0" smtClean="0"/>
+              <a:t>Cinquième niveau</a:t>
+            </a:r>
+            <a:endParaRPr lang="en-US" dirty="0"/>
+          </a:p>
+        </p:txBody>
+      </p:sp>
+      <p:sp>
+        <p:nvSpPr>
+          <p:cNvPr id="6" name="Slide Number Placeholder 5"/>
+          <p:cNvSpPr>
+            <a:spLocks noGrp="1"/>
+          </p:cNvSpPr>
+          <p:nvPr>
+            <p:ph type="sldNum" sz="quarter" idx="4"/>
+          </p:nvPr>
+        </p:nvSpPr>
+        <p:spPr>
+          <a:xfrm>
+            <a:off x="10163121" y="6118792"/>
+            <a:ext cx="823877" cy="580000"/>
+          </a:xfrm>
+          <a:prstGeom prst="rect">
+            <a:avLst/>
+          </a:prstGeom>
+        </p:spPr>
+        <p:txBody>
+          <a:bodyPr vert="horz" lIns="45720" tIns="45720" rIns="91440" bIns="45720" rtlCol="0" anchor="ctr"/>
+          <a:lstStyle>
+            <a:lvl1pPr algn="l">
+              <a:defRPr sz="2000" b="1">
+                <a:solidFill>
+                  <a:schemeClr val="bg1"/>
+                </a:solidFill>
+              </a:defRPr>
+            </a:lvl1pPr>
+          </a:lstStyle>
+          <a:p>
+            <a:r>
+              <a:rPr lang="fr-CH" dirty="0" smtClean="0"/>
+              <a:t>Page </a:t>
+            </a:r>
+            <a:fld id="{C214D402-94C6-4E56-8BC2-0A53FF3B7787}" type="slidenum">
+              <a:rPr lang="fr-CH" smtClean="0"/>
+              <a:pPr/>
+              <a:t>‹N°›</a:t>
+            </a:fld>
+            <a:endParaRPr lang="fr-CH" dirty="0"/>
+          </a:p>
+        </p:txBody>
+      </p:sp>
+      <p:pic>
+        <p:nvPicPr>
+          <p:cNvPr id="7" name="Image 6"/>
+          <p:cNvPicPr/>
+          <p:nvPr userDrawn="1"/>
+        </p:nvPicPr>
+        <p:blipFill rotWithShape="1">
+          <a:blip r:embed="rId7" cstate="print">
+            <a:extLst>
+              <a:ext uri="{28A0092B-C50C-407E-A947-70E740481C1C}">
+                <a14:useLocalDpi xmlns:a14="http://schemas.microsoft.com/office/drawing/2010/main" val="0"/>
+              </a:ext>
+            </a:extLst>
+          </a:blip>
+          <a:srcRect r="28945"/>
+          <a:stretch/>
+        </p:blipFill>
+        <p:spPr bwMode="auto">
+          <a:xfrm>
+            <a:off x="1202919" y="6118792"/>
+            <a:ext cx="2462973" cy="580000"/>
+          </a:xfrm>
+          <a:prstGeom prst="rect">
+            <a:avLst/>
+          </a:prstGeom>
+          <a:noFill/>
+          <a:ln>
+            <a:noFill/>
+          </a:ln>
+          <a:extLst>
+            <a:ext uri="{53640926-AAD7-44D8-BBD7-CCE9431645EC}">
+              <a14:shadowObscured xmlns:a14="http://schemas.microsoft.com/office/drawing/2010/main"/>
+            </a:ext>
+          </a:extLst>
+        </p:spPr>
+      </p:pic>
+    </p:spTree>
+    <p:extLst>
+      <p:ext uri="{BB962C8B-B14F-4D97-AF65-F5344CB8AC3E}">
+        <p14:creationId xmlns:p14="http://schemas.microsoft.com/office/powerpoint/2010/main" val="2932798983"/>
+      </p:ext>
+    </p:extLst>
+  </p:cSld>
+  <p:clrMap bg1="dk1" tx1="lt1" bg2="dk2" tx2="lt2" accent1="accent1" accent2="accent2" accent3="accent3" accent4="accent4" accent5="accent5" accent6="accent6" hlink="hlink" folHlink="folHlink"/>
+  <p:sldLayoutIdLst>
+    <p:sldLayoutId id="2147483679" r:id="rId1"/>
+    <p:sldLayoutId id="2147483680" r:id="rId2"/>
+    <p:sldLayoutId id="2147483681" r:id="rId3"/>
+    <p:sldLayoutId id="2147483682" r:id="rId4"/>
+    <p:sldLayoutId id="2147483683" r:id="rId5"/>
+  </p:sldLayoutIdLst>
+  <mc:AlternateContent xmlns:mc="http://schemas.openxmlformats.org/markup-compatibility/2006" xmlns:p14="http://schemas.microsoft.com/office/powerpoint/2010/main">
+    <mc:Choice Requires="p14">
+      <p:transition spd="slow" p14:dur="900">
+        <p14:warp dir="in"/>
+      </p:transition>
+    </mc:Choice>
+    <mc:Fallback xmlns="">
+      <p:transition spd="slow">
+        <p:fade/>
+      </p:transition>
+    </mc:Fallback>
+  </mc:AlternateContent>
+  <p:timing>
+    <p:tnLst>
+      <p:par>
+        <p:cTn id="1" dur="indefinite" restart="never" nodeType="tmRoot"/>
+      </p:par>
+    </p:tnLst>
+  </p:timing>
+  <p:hf hdr="0" ftr="0" dt="0"/>
+  <p:txStyles>
+    <p:titleStyle>
+      <a:lvl1pPr algn="l" defTabSz="914400" rtl="0" eaLnBrk="1" latinLnBrk="0" hangingPunct="1">
+        <a:lnSpc>
+          <a:spcPct val="85000"/>
+        </a:lnSpc>
+        <a:spcBef>
+          <a:spcPct val="0"/>
+        </a:spcBef>
+        <a:buNone/>
+        <a:defRPr sz="4000" b="1" kern="1200" cap="none" baseline="0">
+          <a:solidFill>
+            <a:schemeClr val="bg1"/>
+          </a:solidFill>
+          <a:effectLst>
+            <a:reflection blurRad="6350" stA="21000" endPos="46000" dir="5400000" sy="-100000" algn="bl" rotWithShape="0"/>
+          </a:effectLst>
+          <a:latin typeface="+mj-lt"/>
+          <a:ea typeface="+mj-ea"/>
+          <a:cs typeface="+mj-cs"/>
+        </a:defRPr>
+      </a:lvl1pPr>
+    </p:titleStyle>
+    <p:bodyStyle>
+      <a:lvl1pPr marL="182880" indent="-182880" algn="l" defTabSz="914400" rtl="0" eaLnBrk="1" latinLnBrk="0" hangingPunct="1">
+        <a:lnSpc>
+          <a:spcPct val="90000"/>
+        </a:lnSpc>
+        <a:spcBef>
+          <a:spcPts val="1200"/>
+        </a:spcBef>
+        <a:spcAft>
+          <a:spcPts val="200"/>
+        </a:spcAft>
+        <a:buClrTx/>
+        <a:buFont typeface="Arial" panose="020B0604020202020204" pitchFamily="34" charset="0"/>
+        <a:buChar char="•"/>
+        <a:defRPr sz="2200" kern="1200">
+          <a:solidFill>
+            <a:schemeClr val="bg1"/>
+          </a:solidFill>
+          <a:latin typeface="+mn-lt"/>
+          <a:ea typeface="+mn-ea"/>
+          <a:cs typeface="+mn-cs"/>
+        </a:defRPr>
+      </a:lvl1pPr>
+      <a:lvl2pPr marL="411480" indent="-182880" algn="l" defTabSz="914400" rtl="0" eaLnBrk="1" latinLnBrk="0" hangingPunct="1">
+        <a:lnSpc>
+          <a:spcPct val="90000"/>
+        </a:lnSpc>
+        <a:spcBef>
+          <a:spcPts val="200"/>
+        </a:spcBef>
+        <a:spcAft>
+          <a:spcPts val="400"/>
+        </a:spcAft>
+        <a:buClrTx/>
+        <a:buFont typeface="Arial" panose="020B0604020202020204" pitchFamily="34" charset="0"/>
+        <a:buChar char="•"/>
+        <a:defRPr sz="2000" kern="1200">
+          <a:solidFill>
+            <a:schemeClr val="bg1"/>
+          </a:solidFill>
+          <a:latin typeface="+mn-lt"/>
+          <a:ea typeface="+mn-ea"/>
+          <a:cs typeface="+mn-cs"/>
+        </a:defRPr>
+      </a:lvl2pPr>
+      <a:lvl3pPr marL="640080" indent="-182880" algn="l" defTabSz="914400" rtl="0" eaLnBrk="1" latinLnBrk="0" hangingPunct="1">
+        <a:lnSpc>
+          <a:spcPct val="90000"/>
+        </a:lnSpc>
+        <a:spcBef>
+          <a:spcPts val="200"/>
+        </a:spcBef>
+        <a:spcAft>
+          <a:spcPts val="400"/>
+        </a:spcAft>
+        <a:buClrTx/>
+        <a:buFont typeface="Arial" panose="020B0604020202020204" pitchFamily="34" charset="0"/>
+        <a:buChar char="•"/>
+        <a:defRPr sz="1800" kern="1200">
+          <a:solidFill>
+            <a:schemeClr val="bg1"/>
+          </a:solidFill>
+          <a:latin typeface="+mn-lt"/>
+          <a:ea typeface="+mn-ea"/>
+          <a:cs typeface="+mn-cs"/>
+        </a:defRPr>
+      </a:lvl3pPr>
+      <a:lvl4pPr marL="868680" indent="-182880" algn="l" defTabSz="914400" rtl="0" eaLnBrk="1" latinLnBrk="0" hangingPunct="1">
+        <a:lnSpc>
+          <a:spcPct val="90000"/>
+        </a:lnSpc>
+        <a:spcBef>
+          <a:spcPts val="200"/>
+        </a:spcBef>
+        <a:spcAft>
+          <a:spcPts val="400"/>
+        </a:spcAft>
+        <a:buClrTx/>
+        <a:buFont typeface="Arial" panose="020B0604020202020204" pitchFamily="34" charset="0"/>
+        <a:buChar char="•"/>
+        <a:defRPr sz="1600" kern="1200">
+          <a:solidFill>
+            <a:schemeClr val="bg1"/>
+          </a:solidFill>
+          <a:latin typeface="+mn-lt"/>
+          <a:ea typeface="+mn-ea"/>
+          <a:cs typeface="+mn-cs"/>
+        </a:defRPr>
+      </a:lvl4pPr>
+      <a:lvl5pPr marL="1097280" indent="-182880" algn="l" defTabSz="914400" rtl="0" eaLnBrk="1" latinLnBrk="0" hangingPunct="1">
+        <a:lnSpc>
+          <a:spcPct val="90000"/>
+        </a:lnSpc>
+        <a:spcBef>
+          <a:spcPts val="200"/>
+        </a:spcBef>
+        <a:spcAft>
+          <a:spcPts val="400"/>
+        </a:spcAft>
+        <a:buClrTx/>
+        <a:buFont typeface="Arial" panose="020B0604020202020204" pitchFamily="34" charset="0"/>
+        <a:buChar char="•"/>
+        <a:defRPr sz="1600" kern="1200">
+          <a:solidFill>
+            <a:schemeClr val="bg1"/>
+          </a:solidFill>
+          <a:latin typeface="+mn-lt"/>
+          <a:ea typeface="+mn-ea"/>
+          <a:cs typeface="+mn-cs"/>
+        </a:defRPr>
+      </a:lvl5pPr>
+      <a:lvl6pPr marL="1284600" indent="-228600" algn="l" defTabSz="914400" rtl="0" eaLnBrk="1" latinLnBrk="0" hangingPunct="1">
+        <a:lnSpc>
+          <a:spcPct val="90000"/>
+        </a:lnSpc>
+        <a:spcBef>
+          <a:spcPts val="200"/>
+        </a:spcBef>
+        <a:spcAft>
+          <a:spcPts val="400"/>
+        </a:spcAft>
+        <a:buClr>
+          <a:schemeClr val="tx1"/>
+        </a:buClr>
+        <a:buFont typeface="Wingdings" pitchFamily="2" charset="2"/>
+        <a:buChar char=""/>
+        <a:defRPr sz="1600" kern="1200">
+          <a:solidFill>
+            <a:schemeClr val="tx1"/>
+          </a:solidFill>
+          <a:latin typeface="+mn-lt"/>
+          <a:ea typeface="+mn-ea"/>
+          <a:cs typeface="+mn-cs"/>
+        </a:defRPr>
+      </a:lvl6pPr>
+      <a:lvl7pPr marL="1471800" indent="-228600" algn="l" defTabSz="914400" rtl="0" eaLnBrk="1" latinLnBrk="0" hangingPunct="1">
+        <a:lnSpc>
+          <a:spcPct val="90000"/>
+        </a:lnSpc>
+        <a:spcBef>
+          <a:spcPts val="200"/>
+        </a:spcBef>
+        <a:spcAft>
+          <a:spcPts val="400"/>
+        </a:spcAft>
+        <a:buClr>
+          <a:schemeClr val="tx1"/>
+        </a:buClr>
+        <a:buFont typeface="Wingdings" pitchFamily="2" charset="2"/>
+        <a:buChar char=""/>
+        <a:defRPr sz="1600" kern="1200">
+          <a:solidFill>
+            <a:schemeClr val="tx1"/>
+          </a:solidFill>
+          <a:latin typeface="+mn-lt"/>
+          <a:ea typeface="+mn-ea"/>
+          <a:cs typeface="+mn-cs"/>
+        </a:defRPr>
+      </a:lvl7pPr>
+      <a:lvl8pPr marL="1629000" indent="-228600" algn="l" defTabSz="914400" rtl="0" eaLnBrk="1" latinLnBrk="0" hangingPunct="1">
+        <a:lnSpc>
+          <a:spcPct val="90000"/>
+        </a:lnSpc>
+        <a:spcBef>
+          <a:spcPts val="200"/>
+        </a:spcBef>
+        <a:spcAft>
+          <a:spcPts val="400"/>
+        </a:spcAft>
+        <a:buClr>
+          <a:schemeClr val="tx1"/>
+        </a:buClr>
+        <a:buFont typeface="Wingdings" pitchFamily="2" charset="2"/>
+        <a:buChar char=""/>
+        <a:defRPr sz="1600" kern="1200">
+          <a:solidFill>
+            <a:schemeClr val="tx1"/>
+          </a:solidFill>
+          <a:latin typeface="+mn-lt"/>
+          <a:ea typeface="+mn-ea"/>
+          <a:cs typeface="+mn-cs"/>
+        </a:defRPr>
+      </a:lvl8pPr>
+      <a:lvl9pPr marL="1806200" indent="-228600" algn="l" defTabSz="914400" rtl="0" eaLnBrk="1" latinLnBrk="0" hangingPunct="1">
+        <a:lnSpc>
+          <a:spcPct val="90000"/>
+        </a:lnSpc>
+        <a:spcBef>
+          <a:spcPts val="200"/>
+        </a:spcBef>
+        <a:spcAft>
+          <a:spcPts val="400"/>
+        </a:spcAft>
+        <a:buClr>
+          <a:schemeClr val="tx1"/>
+        </a:buClr>
+        <a:buFont typeface="Wingdings" pitchFamily="2" charset="2"/>
+        <a:buChar char=""/>
+        <a:defRPr sz="1600" kern="1200">
+          <a:solidFill>
+            <a:schemeClr val="tx1"/>
+          </a:solidFill>
+          <a:latin typeface="+mn-lt"/>
+          <a:ea typeface="+mn-ea"/>
+          <a:cs typeface="+mn-cs"/>
+        </a:defRPr>
+      </a:lvl9pPr>
+    </p:bodyStyle>
+    <p:otherStyle>
+      <a:defPPr>
+        <a:defRPr lang="en-US"/>
+      </a:defPPr>
+      <a:lvl1pPr marL="0" algn="l" defTabSz="914400" rtl="0" eaLnBrk="1" latinLnBrk="0" hangingPunct="1">
+        <a:defRPr sz="1800" kern="1200">
+          <a:solidFill>
+            <a:schemeClr val="tx1"/>
+          </a:solidFill>
+          <a:latin typeface="+mn-lt"/>
+          <a:ea typeface="+mn-ea"/>
+          <a:cs typeface="+mn-cs"/>
+        </a:defRPr>
+      </a:lvl1pPr>
+      <a:lvl2pPr marL="457200" algn="l" defTabSz="914400" rtl="0" eaLnBrk="1" latinLnBrk="0" hangingPunct="1">
+        <a:defRPr sz="1800" kern="1200">
+          <a:solidFill>
+            <a:schemeClr val="tx1"/>
+          </a:solidFill>
+          <a:latin typeface="+mn-lt"/>
+          <a:ea typeface="+mn-ea"/>
+          <a:cs typeface="+mn-cs"/>
+        </a:defRPr>
+      </a:lvl2pPr>
+      <a:lvl3pPr marL="914400" algn="l" defTabSz="914400" rtl="0" eaLnBrk="1" latinLnBrk="0" hangingPunct="1">
+        <a:defRPr sz="1800" kern="1200">
+          <a:solidFill>
+            <a:schemeClr val="tx1"/>
+          </a:solidFill>
+          <a:latin typeface="+mn-lt"/>
+          <a:ea typeface="+mn-ea"/>
+          <a:cs typeface="+mn-cs"/>
+        </a:defRPr>
+      </a:lvl3pPr>
+      <a:lvl4pPr marL="1371600" algn="l" defTabSz="914400" rtl="0" eaLnBrk="1" latinLnBrk="0" hangingPunct="1">
+        <a:defRPr sz="1800" kern="1200">
+          <a:solidFill>
+            <a:schemeClr val="tx1"/>
+          </a:solidFill>
+          <a:latin typeface="+mn-lt"/>
+          <a:ea typeface="+mn-ea"/>
+          <a:cs typeface="+mn-cs"/>
+        </a:defRPr>
+      </a:lvl4pPr>
+      <a:lvl5pPr marL="1828800" algn="l" defTabSz="914400" rtl="0" eaLnBrk="1" latinLnBrk="0" hangingPunct="1">
+        <a:defRPr sz="1800" kern="1200">
+          <a:solidFill>
+            <a:schemeClr val="tx1"/>
+          </a:solidFill>
+          <a:latin typeface="+mn-lt"/>
+          <a:ea typeface="+mn-ea"/>
+          <a:cs typeface="+mn-cs"/>
+        </a:defRPr>
+      </a:lvl5pPr>
+      <a:lvl6pPr marL="2286000" algn="l" defTabSz="914400" rtl="0" eaLnBrk="1" latinLnBrk="0" hangingPunct="1">
+        <a:defRPr sz="1800" kern="1200">
+          <a:solidFill>
+            <a:schemeClr val="tx1"/>
+          </a:solidFill>
+          <a:latin typeface="+mn-lt"/>
+          <a:ea typeface="+mn-ea"/>
+          <a:cs typeface="+mn-cs"/>
+        </a:defRPr>
+      </a:lvl6pPr>
+      <a:lvl7pPr marL="2743200" algn="l" defTabSz="914400" rtl="0" eaLnBrk="1" latinLnBrk="0" hangingPunct="1">
+        <a:defRPr sz="1800" kern="1200">
+          <a:solidFill>
+            <a:schemeClr val="tx1"/>
+          </a:solidFill>
+          <a:latin typeface="+mn-lt"/>
+          <a:ea typeface="+mn-ea"/>
+          <a:cs typeface="+mn-cs"/>
+        </a:defRPr>
+      </a:lvl7pPr>
+      <a:lvl8pPr marL="3200400" algn="l" defTabSz="914400" rtl="0" eaLnBrk="1" latinLnBrk="0" hangingPunct="1">
+        <a:defRPr sz="1800" kern="1200">
+          <a:solidFill>
+            <a:schemeClr val="tx1"/>
+          </a:solidFill>
+          <a:latin typeface="+mn-lt"/>
+          <a:ea typeface="+mn-ea"/>
+          <a:cs typeface="+mn-cs"/>
+        </a:defRPr>
+      </a:lvl8pPr>
+      <a:lvl9pPr marL="3657600" algn="l" defTabSz="914400" rtl="0" eaLnBrk="1" latinLnBrk="0" hangingPunct="1">
+        <a:defRPr sz="1800" kern="1200">
+          <a:solidFill>
+            <a:schemeClr val="tx1"/>
+          </a:solidFill>
+          <a:latin typeface="+mn-lt"/>
+          <a:ea typeface="+mn-ea"/>
+          <a:cs typeface="+mn-cs"/>
+        </a:defRPr>
+      </a:lvl9pPr>
+    </p:otherStyle>
+  </p:txStyles>
+  <p:extLst mod="1">
+    <p:ext uri="{27BBF7A9-308A-43DC-89C8-2F10F3537804}">
+      <p15:sldGuideLst xmlns:p15="http://schemas.microsoft.com/office/powerpoint/2012/main">
+        <p15:guide id="1" orient="horz" pos="2160">
+          <p15:clr>
+            <a:srgbClr val="F26B43"/>
+          </p15:clr>
+        </p15:guide>
+        <p15:guide id="2" pos="3840">
+          <p15:clr>
+            <a:srgbClr val="F26B43"/>
+          </p15:clr>
+        </p15:guide>
+      </p15:sldGuideLst>
+    </p:ext>
+  </p:extLst>
 </p:sldMaster>
 </file>
 
@@ -1529,29 +3315,6 @@
       </p:grpSpPr>
       <p:sp>
         <p:nvSpPr>
-          <p:cNvPr id="2" name="Titre 1"/>
-          <p:cNvSpPr>
-            <a:spLocks noGrp="1"/>
-          </p:cNvSpPr>
-          <p:nvPr>
-            <p:ph type="ctrTitle"/>
-          </p:nvPr>
-        </p:nvSpPr>
-        <p:spPr/>
-        <p:txBody>
-          <a:bodyPr/>
-          <a:lstStyle/>
-          <a:p>
-            <a:r>
-              <a:rPr lang="fr-CH" dirty="0" err="1" smtClean="0"/>
-              <a:t>Nsolver</a:t>
-            </a:r>
-            <a:endParaRPr lang="fr-CH" dirty="0"/>
-          </a:p>
-        </p:txBody>
-      </p:sp>
-      <p:sp>
-        <p:nvSpPr>
           <p:cNvPr id="3" name="Sous-titre 2"/>
           <p:cNvSpPr>
             <a:spLocks noGrp="1"/>
@@ -1566,14 +3329,37 @@
           <a:lstStyle/>
           <a:p>
             <a:r>
-              <a:rPr lang="fr-CH" dirty="0" smtClean="0"/>
+              <a:rPr lang="fr-CH" smtClean="0"/>
               <a:t>Année 2, Projet 2</a:t>
             </a:r>
           </a:p>
           <a:p>
             <a:r>
-              <a:rPr lang="fr-CH" dirty="0" smtClean="0"/>
+              <a:rPr lang="fr-CH" smtClean="0"/>
               <a:t>Défense des spécifications</a:t>
+            </a:r>
+            <a:endParaRPr lang="fr-CH" dirty="0"/>
+          </a:p>
+        </p:txBody>
+      </p:sp>
+      <p:sp>
+        <p:nvSpPr>
+          <p:cNvPr id="9" name="Espace réservé du contenu 8"/>
+          <p:cNvSpPr>
+            <a:spLocks noGrp="1"/>
+          </p:cNvSpPr>
+          <p:nvPr>
+            <p:ph sz="quarter" idx="10"/>
+          </p:nvPr>
+        </p:nvSpPr>
+        <p:spPr/>
+        <p:txBody>
+          <a:bodyPr/>
+          <a:lstStyle/>
+          <a:p>
+            <a:r>
+              <a:rPr lang="fr-CH" dirty="0" err="1" smtClean="0"/>
+              <a:t>NSolver</a:t>
             </a:r>
             <a:endParaRPr lang="fr-CH" dirty="0"/>
           </a:p>
@@ -1589,13 +3375,13 @@
   <p:clrMapOvr>
     <a:masterClrMapping/>
   </p:clrMapOvr>
-  <mc:AlternateContent xmlns:mc="http://schemas.openxmlformats.org/markup-compatibility/2006">
-    <mc:Choice xmlns:p14="http://schemas.microsoft.com/office/powerpoint/2010/main" Requires="p14">
+  <mc:AlternateContent xmlns:mc="http://schemas.openxmlformats.org/markup-compatibility/2006" xmlns:p14="http://schemas.microsoft.com/office/powerpoint/2010/main">
+    <mc:Choice Requires="p14">
       <p:transition spd="slow" p14:dur="900">
         <p14:warp dir="in"/>
       </p:transition>
     </mc:Choice>
-    <mc:Fallback>
+    <mc:Fallback xmlns="">
       <p:transition spd="slow">
         <p:fade/>
       </p:transition>
@@ -1644,7 +3430,7 @@
           <a:lstStyle/>
           <a:p>
             <a:r>
-              <a:rPr lang="fr-CH" dirty="0" smtClean="0"/>
+              <a:rPr lang="fr-CH" smtClean="0"/>
               <a:t>Sommaire</a:t>
             </a:r>
             <a:endParaRPr lang="fr-CH" dirty="0"/>
@@ -1663,11 +3449,13 @@
         </p:nvSpPr>
         <p:spPr/>
         <p:txBody>
-          <a:bodyPr>
-            <a:normAutofit/>
-          </a:bodyPr>
+          <a:bodyPr/>
           <a:lstStyle/>
           <a:p>
+            <a:pPr marL="457200" indent="-457200">
+              <a:buFont typeface="+mj-lt"/>
+              <a:buAutoNum type="arabicPeriod"/>
+            </a:pPr>
             <a:r>
               <a:rPr lang="fr-CH" dirty="0" smtClean="0"/>
               <a:t>Initialisation</a:t>
@@ -1688,6 +3476,10 @@
             </a:r>
           </a:p>
           <a:p>
+            <a:pPr marL="457200" indent="-457200">
+              <a:buFont typeface="+mj-lt"/>
+              <a:buAutoNum type="arabicPeriod"/>
+            </a:pPr>
             <a:r>
               <a:rPr lang="fr-CH" dirty="0" smtClean="0"/>
               <a:t>Planification</a:t>
@@ -1708,6 +3500,10 @@
             </a:r>
           </a:p>
           <a:p>
+            <a:pPr marL="457200" indent="-457200">
+              <a:buFont typeface="+mj-lt"/>
+              <a:buAutoNum type="arabicPeriod"/>
+            </a:pPr>
             <a:r>
               <a:rPr lang="fr-CH" dirty="0" smtClean="0"/>
               <a:t>Exécution</a:t>
@@ -1721,6 +3517,10 @@
             </a:r>
           </a:p>
           <a:p>
+            <a:pPr marL="457200" indent="-457200">
+              <a:buFont typeface="+mj-lt"/>
+              <a:buAutoNum type="arabicPeriod"/>
+            </a:pPr>
             <a:r>
               <a:rPr lang="fr-CH" dirty="0" smtClean="0"/>
               <a:t>Clôture</a:t>
@@ -1739,30 +3539,50 @@
               <a:rPr lang="fr-CH" dirty="0" smtClean="0"/>
               <a:t>Poster</a:t>
             </a:r>
-          </a:p>
-          <a:p>
-            <a:pPr lvl="1"/>
             <a:endParaRPr lang="fr-CH" dirty="0"/>
+          </a:p>
+        </p:txBody>
+      </p:sp>
+      <p:sp>
+        <p:nvSpPr>
+          <p:cNvPr id="4" name="Espace réservé du numéro de diapositive 3"/>
+          <p:cNvSpPr>
+            <a:spLocks noGrp="1"/>
+          </p:cNvSpPr>
+          <p:nvPr>
+            <p:ph type="sldNum" sz="quarter" idx="12"/>
+          </p:nvPr>
+        </p:nvSpPr>
+        <p:spPr/>
+        <p:txBody>
+          <a:bodyPr/>
+          <a:lstStyle/>
+          <a:p>
+            <a:fld id="{C214D402-94C6-4E56-8BC2-0A53FF3B7787}" type="slidenum">
+              <a:rPr lang="fr-CH" smtClean="0"/>
+              <a:t>1</a:t>
+            </a:fld>
+            <a:endParaRPr lang="fr-CH"/>
           </a:p>
         </p:txBody>
       </p:sp>
     </p:spTree>
     <p:extLst>
       <p:ext uri="{BB962C8B-B14F-4D97-AF65-F5344CB8AC3E}">
-        <p14:creationId xmlns:p14="http://schemas.microsoft.com/office/powerpoint/2010/main" val="1349567196"/>
+        <p14:creationId xmlns:p14="http://schemas.microsoft.com/office/powerpoint/2010/main" val="3757620792"/>
       </p:ext>
     </p:extLst>
   </p:cSld>
   <p:clrMapOvr>
     <a:masterClrMapping/>
   </p:clrMapOvr>
-  <mc:AlternateContent xmlns:mc="http://schemas.openxmlformats.org/markup-compatibility/2006">
-    <mc:Choice xmlns:p14="http://schemas.microsoft.com/office/powerpoint/2010/main" Requires="p14">
+  <mc:AlternateContent xmlns:mc="http://schemas.openxmlformats.org/markup-compatibility/2006" xmlns:p14="http://schemas.microsoft.com/office/powerpoint/2010/main">
+    <mc:Choice Requires="p14">
       <p:transition spd="slow" p14:dur="800">
         <p14:flythrough/>
       </p:transition>
     </mc:Choice>
-    <mc:Fallback>
+    <mc:Fallback xmlns="">
       <p:transition spd="slow">
         <p:fade/>
       </p:transition>
@@ -1811,21 +3631,50 @@
           <a:lstStyle/>
           <a:p>
             <a:r>
-              <a:rPr lang="fr-CH" dirty="0" smtClean="0"/>
+              <a:rPr lang="fr-CH" smtClean="0"/>
               <a:t>Cahiers des charges</a:t>
             </a:r>
             <a:endParaRPr lang="fr-CH" dirty="0"/>
           </a:p>
         </p:txBody>
       </p:sp>
+      <p:pic>
+        <p:nvPicPr>
+          <p:cNvPr id="6" name="Espace réservé du contenu 5"/>
+          <p:cNvPicPr>
+            <a:picLocks noGrp="1" noChangeAspect="1"/>
+          </p:cNvPicPr>
+          <p:nvPr>
+            <p:ph idx="1"/>
+          </p:nvPr>
+        </p:nvPicPr>
+        <p:blipFill>
+          <a:blip r:embed="rId2">
+            <a:extLst>
+              <a:ext uri="{28A0092B-C50C-407E-A947-70E740481C1C}">
+                <a14:useLocalDpi xmlns:a14="http://schemas.microsoft.com/office/drawing/2010/main" val="0"/>
+              </a:ext>
+            </a:extLst>
+          </a:blip>
+          <a:stretch>
+            <a:fillRect/>
+          </a:stretch>
+        </p:blipFill>
+        <p:spPr>
+          <a:xfrm>
+            <a:off x="1910161" y="1506229"/>
+            <a:ext cx="5658640" cy="4410691"/>
+          </a:xfrm>
+        </p:spPr>
+      </p:pic>
       <p:sp>
         <p:nvSpPr>
-          <p:cNvPr id="3" name="Espace réservé du contenu 2"/>
+          <p:cNvPr id="3" name="Espace réservé du numéro de diapositive 2"/>
           <p:cNvSpPr>
             <a:spLocks noGrp="1"/>
           </p:cNvSpPr>
           <p:nvPr>
-            <p:ph idx="1"/>
+            <p:ph type="sldNum" sz="quarter" idx="10"/>
           </p:nvPr>
         </p:nvSpPr>
         <p:spPr/>
@@ -1833,6 +3682,11 @@
           <a:bodyPr/>
           <a:lstStyle/>
           <a:p>
+            <a:fld id="{C214D402-94C6-4E56-8BC2-0A53FF3B7787}" type="slidenum">
+              <a:rPr lang="fr-CH" smtClean="0"/>
+              <a:pPr/>
+              <a:t>2</a:t>
+            </a:fld>
             <a:endParaRPr lang="fr-CH" dirty="0"/>
           </a:p>
         </p:txBody>
@@ -1840,20 +3694,20 @@
     </p:spTree>
     <p:extLst>
       <p:ext uri="{BB962C8B-B14F-4D97-AF65-F5344CB8AC3E}">
-        <p14:creationId xmlns:p14="http://schemas.microsoft.com/office/powerpoint/2010/main" val="2160739564"/>
+        <p14:creationId xmlns:p14="http://schemas.microsoft.com/office/powerpoint/2010/main" val="1399027625"/>
       </p:ext>
     </p:extLst>
   </p:cSld>
   <p:clrMapOvr>
     <a:masterClrMapping/>
   </p:clrMapOvr>
-  <mc:AlternateContent xmlns:mc="http://schemas.openxmlformats.org/markup-compatibility/2006">
-    <mc:Choice xmlns:p14="http://schemas.microsoft.com/office/powerpoint/2010/main" Requires="p14">
+  <mc:AlternateContent xmlns:mc="http://schemas.openxmlformats.org/markup-compatibility/2006" xmlns:p14="http://schemas.microsoft.com/office/powerpoint/2010/main">
+    <mc:Choice Requires="p14">
       <p:transition spd="slow" p14:dur="800">
         <p14:flythrough/>
       </p:transition>
     </mc:Choice>
-    <mc:Fallback>
+    <mc:Fallback xmlns="">
       <p:transition spd="slow">
         <p:fade/>
       </p:transition>
@@ -1870,7 +3724,7 @@
 </file>
 
 <file path=ppt/theme/theme1.xml><?xml version="1.0" encoding="utf-8"?>
-<a:theme xmlns:a="http://schemas.openxmlformats.org/drawingml/2006/main" name="À bandes">
+<a:theme xmlns:a="http://schemas.openxmlformats.org/drawingml/2006/main" name="GrosTitres">
   <a:themeElements>
     <a:clrScheme name="À bandes">
       <a:dk1>
@@ -1910,76 +3764,16 @@
         <a:srgbClr val="6C606A"/>
       </a:folHlink>
     </a:clrScheme>
-    <a:fontScheme name="Candara">
+    <a:fontScheme name="Trebuchet MS">
       <a:majorFont>
-        <a:latin typeface="Candara" panose="020E0502030303020204"/>
+        <a:latin typeface="Trebuchet MS"/>
         <a:ea typeface=""/>
         <a:cs typeface=""/>
-        <a:font script="Jpan" typeface="HGｺﾞｼｯｸM"/>
-        <a:font script="Hang" typeface="HY엽서L"/>
-        <a:font script="Hans" typeface="华文楷体"/>
-        <a:font script="Hant" typeface="新細明體"/>
-        <a:font script="Arab" typeface="Tahoma"/>
-        <a:font script="Hebr" typeface="Miriam"/>
-        <a:font script="Thai" typeface="DilleniaUPC"/>
-        <a:font script="Ethi" typeface="Nyala"/>
-        <a:font script="Beng" typeface="Vrinda"/>
-        <a:font script="Gujr" typeface="Shruti"/>
-        <a:font script="Khmr" typeface="DaunPenh"/>
-        <a:font script="Knda" typeface="Tunga"/>
-        <a:font script="Guru" typeface="Raavi"/>
-        <a:font script="Cans" typeface="Euphemia"/>
-        <a:font script="Cher" typeface="Plantagenet Cherokee"/>
-        <a:font script="Yiii" typeface="Microsoft Yi Baiti"/>
-        <a:font script="Tibt" typeface="Microsoft Himalaya"/>
-        <a:font script="Thaa" typeface="MV Boli"/>
-        <a:font script="Deva" typeface="Mangal"/>
-        <a:font script="Telu" typeface="Gautami"/>
-        <a:font script="Taml" typeface="Latha"/>
-        <a:font script="Syrc" typeface="Estrangelo Edessa"/>
-        <a:font script="Orya" typeface="Kalinga"/>
-        <a:font script="Mlym" typeface="Kartika"/>
-        <a:font script="Laoo" typeface="DokChampa"/>
-        <a:font script="Sinh" typeface="Iskoola Pota"/>
-        <a:font script="Mong" typeface="Mongolian Baiti"/>
-        <a:font script="Viet" typeface="Arial"/>
-        <a:font script="Uigh" typeface="Microsoft Uighur"/>
-        <a:font script="Geor" typeface="Sylfaen"/>
       </a:majorFont>
       <a:minorFont>
-        <a:latin typeface="Candara" panose="020E0502030303020204"/>
+        <a:latin typeface="Candara"/>
         <a:ea typeface=""/>
         <a:cs typeface=""/>
-        <a:font script="Jpan" typeface="HGｺﾞｼｯｸM"/>
-        <a:font script="Hang" typeface="HY엽서L"/>
-        <a:font script="Hans" typeface="华文楷体"/>
-        <a:font script="Hant" typeface="新細明體"/>
-        <a:font script="Arab" typeface="Tahoma"/>
-        <a:font script="Hebr" typeface="Miriam"/>
-        <a:font script="Thai" typeface="DilleniaUPC"/>
-        <a:font script="Ethi" typeface="Nyala"/>
-        <a:font script="Beng" typeface="Vrinda"/>
-        <a:font script="Gujr" typeface="Shruti"/>
-        <a:font script="Khmr" typeface="DaunPenh"/>
-        <a:font script="Knda" typeface="Tunga"/>
-        <a:font script="Guru" typeface="Raavi"/>
-        <a:font script="Cans" typeface="Euphemia"/>
-        <a:font script="Cher" typeface="Plantagenet Cherokee"/>
-        <a:font script="Yiii" typeface="Microsoft Yi Baiti"/>
-        <a:font script="Tibt" typeface="Microsoft Himalaya"/>
-        <a:font script="Thaa" typeface="MV Boli"/>
-        <a:font script="Deva" typeface="Mangal"/>
-        <a:font script="Telu" typeface="Gautami"/>
-        <a:font script="Taml" typeface="Latha"/>
-        <a:font script="Syrc" typeface="Estrangelo Edessa"/>
-        <a:font script="Orya" typeface="Kalinga"/>
-        <a:font script="Mlym" typeface="Kartika"/>
-        <a:font script="Laoo" typeface="DokChampa"/>
-        <a:font script="Sinh" typeface="Iskoola Pota"/>
-        <a:font script="Mong" typeface="Mongolian Baiti"/>
-        <a:font script="Viet" typeface="Arial"/>
-        <a:font script="Uigh" typeface="Microsoft Uighur"/>
-        <a:font script="Geor" typeface="Sylfaen"/>
       </a:minorFont>
     </a:fontScheme>
     <a:fmtScheme name="À bandes">
@@ -2129,4 +3923,728 @@
     </a:ext>
   </a:extLst>
 </a:theme>
+</file>
+
+<file path=ppt/theme/theme2.xml><?xml version="1.0" encoding="utf-8"?>
+<a:theme xmlns:a="http://schemas.openxmlformats.org/drawingml/2006/main" name="Basiques">
+  <a:themeElements>
+    <a:clrScheme name="À bandes">
+      <a:dk1>
+        <a:srgbClr val="2C2C2C"/>
+      </a:dk1>
+      <a:lt1>
+        <a:srgbClr val="FFFFFF"/>
+      </a:lt1>
+      <a:dk2>
+        <a:srgbClr val="099BDD"/>
+      </a:dk2>
+      <a:lt2>
+        <a:srgbClr val="F2F2F2"/>
+      </a:lt2>
+      <a:accent1>
+        <a:srgbClr val="FFC000"/>
+      </a:accent1>
+      <a:accent2>
+        <a:srgbClr val="A5D028"/>
+      </a:accent2>
+      <a:accent3>
+        <a:srgbClr val="08CC78"/>
+      </a:accent3>
+      <a:accent4>
+        <a:srgbClr val="F24099"/>
+      </a:accent4>
+      <a:accent5>
+        <a:srgbClr val="828288"/>
+      </a:accent5>
+      <a:accent6>
+        <a:srgbClr val="F56617"/>
+      </a:accent6>
+      <a:hlink>
+        <a:srgbClr val="005DBA"/>
+      </a:hlink>
+      <a:folHlink>
+        <a:srgbClr val="6C606A"/>
+      </a:folHlink>
+    </a:clrScheme>
+    <a:fontScheme name="Trebuchet MS">
+      <a:majorFont>
+        <a:latin typeface="Trebuchet MS"/>
+        <a:ea typeface=""/>
+        <a:cs typeface=""/>
+      </a:majorFont>
+      <a:minorFont>
+        <a:latin typeface="Trebuchet MS"/>
+        <a:ea typeface=""/>
+        <a:cs typeface=""/>
+      </a:minorFont>
+    </a:fontScheme>
+    <a:fmtScheme name="À bandes">
+      <a:fillStyleLst>
+        <a:solidFill>
+          <a:schemeClr val="phClr"/>
+        </a:solidFill>
+        <a:gradFill rotWithShape="1">
+          <a:gsLst>
+            <a:gs pos="0">
+              <a:schemeClr val="phClr">
+                <a:tint val="65000"/>
+                <a:satMod val="120000"/>
+                <a:lumMod val="107000"/>
+              </a:schemeClr>
+            </a:gs>
+            <a:gs pos="50000">
+              <a:schemeClr val="phClr">
+                <a:tint val="70000"/>
+                <a:satMod val="124000"/>
+                <a:lumMod val="103000"/>
+              </a:schemeClr>
+            </a:gs>
+            <a:gs pos="100000">
+              <a:schemeClr val="phClr">
+                <a:tint val="85000"/>
+                <a:satMod val="120000"/>
+                <a:lumMod val="100000"/>
+              </a:schemeClr>
+            </a:gs>
+          </a:gsLst>
+          <a:lin ang="5400000" scaled="0"/>
+        </a:gradFill>
+        <a:gradFill rotWithShape="1">
+          <a:gsLst>
+            <a:gs pos="0">
+              <a:schemeClr val="phClr">
+                <a:tint val="85000"/>
+                <a:shade val="98000"/>
+                <a:satMod val="110000"/>
+                <a:lumMod val="103000"/>
+              </a:schemeClr>
+            </a:gs>
+            <a:gs pos="50000">
+              <a:schemeClr val="phClr">
+                <a:shade val="85000"/>
+                <a:satMod val="105000"/>
+                <a:lumMod val="100000"/>
+              </a:schemeClr>
+            </a:gs>
+            <a:gs pos="100000">
+              <a:schemeClr val="phClr">
+                <a:shade val="60000"/>
+                <a:satMod val="120000"/>
+                <a:lumMod val="100000"/>
+              </a:schemeClr>
+            </a:gs>
+          </a:gsLst>
+          <a:lin ang="5400000" scaled="0"/>
+        </a:gradFill>
+      </a:fillStyleLst>
+      <a:lnStyleLst>
+        <a:ln w="9525" cap="flat" cmpd="sng" algn="ctr">
+          <a:solidFill>
+            <a:schemeClr val="phClr"/>
+          </a:solidFill>
+          <a:prstDash val="solid"/>
+        </a:ln>
+        <a:ln w="12700" cap="flat" cmpd="sng" algn="ctr">
+          <a:solidFill>
+            <a:schemeClr val="phClr"/>
+          </a:solidFill>
+          <a:prstDash val="solid"/>
+        </a:ln>
+        <a:ln w="25400" cap="flat" cmpd="sng" algn="ctr">
+          <a:solidFill>
+            <a:schemeClr val="phClr"/>
+          </a:solidFill>
+          <a:prstDash val="solid"/>
+        </a:ln>
+      </a:lnStyleLst>
+      <a:effectStyleLst>
+        <a:effectStyle>
+          <a:effectLst/>
+        </a:effectStyle>
+        <a:effectStyle>
+          <a:effectLst>
+            <a:outerShdw blurRad="50800" dist="15875" dir="5400000" algn="ctr" rotWithShape="0">
+              <a:srgbClr val="000000">
+                <a:alpha val="68000"/>
+              </a:srgbClr>
+            </a:outerShdw>
+          </a:effectLst>
+        </a:effectStyle>
+        <a:effectStyle>
+          <a:effectLst>
+            <a:outerShdw blurRad="88900" dist="27940" dir="5400000" algn="ctr" rotWithShape="0">
+              <a:srgbClr val="000000">
+                <a:alpha val="63000"/>
+              </a:srgbClr>
+            </a:outerShdw>
+          </a:effectLst>
+        </a:effectStyle>
+      </a:effectStyleLst>
+      <a:bgFillStyleLst>
+        <a:solidFill>
+          <a:schemeClr val="phClr"/>
+        </a:solidFill>
+        <a:blipFill rotWithShape="1">
+          <a:blip xmlns:r="http://schemas.openxmlformats.org/officeDocument/2006/relationships" r:embed="rId1">
+            <a:duotone>
+              <a:schemeClr val="phClr"/>
+              <a:schemeClr val="phClr">
+                <a:shade val="91000"/>
+                <a:satMod val="105000"/>
+              </a:schemeClr>
+            </a:duotone>
+          </a:blip>
+          <a:tile tx="0" ty="0" sx="100000" sy="100000" flip="none" algn="tl"/>
+        </a:blipFill>
+        <a:gradFill rotWithShape="1">
+          <a:gsLst>
+            <a:gs pos="0">
+              <a:schemeClr val="phClr">
+                <a:tint val="100000"/>
+                <a:shade val="0"/>
+                <a:satMod val="100000"/>
+              </a:schemeClr>
+            </a:gs>
+            <a:gs pos="100000">
+              <a:schemeClr val="phClr">
+                <a:shade val="100000"/>
+                <a:satMod val="100000"/>
+              </a:schemeClr>
+            </a:gs>
+          </a:gsLst>
+          <a:lin ang="5400000" scaled="0"/>
+        </a:gradFill>
+      </a:bgFillStyleLst>
+    </a:fmtScheme>
+  </a:themeElements>
+  <a:objectDefaults/>
+  <a:extraClrSchemeLst/>
+  <a:extLst>
+    <a:ext uri="{05A4C25C-085E-4340-85A3-A5531E510DB2}">
+      <thm15:themeFamily xmlns:thm15="http://schemas.microsoft.com/office/thememl/2012/main" name="Banded" id="{98DFF888-2449-4D28-977C-6306C017633E}" vid="{9792607F-9579-4224-82FF-9C88C3E1E53D}"/>
+    </a:ext>
+  </a:extLst>
+</a:theme>
+</file>
+
+<file path=ppt/theme/theme3.xml><?xml version="1.0" encoding="utf-8"?>
+<a:theme xmlns:a="http://schemas.openxmlformats.org/drawingml/2006/main" name="Thème Office">
+  <a:themeElements>
+    <a:clrScheme name="Office">
+      <a:dk1>
+        <a:sysClr val="windowText" lastClr="000000"/>
+      </a:dk1>
+      <a:lt1>
+        <a:sysClr val="window" lastClr="FFFFFF"/>
+      </a:lt1>
+      <a:dk2>
+        <a:srgbClr val="44546A"/>
+      </a:dk2>
+      <a:lt2>
+        <a:srgbClr val="E7E6E6"/>
+      </a:lt2>
+      <a:accent1>
+        <a:srgbClr val="5B9BD5"/>
+      </a:accent1>
+      <a:accent2>
+        <a:srgbClr val="ED7D31"/>
+      </a:accent2>
+      <a:accent3>
+        <a:srgbClr val="A5A5A5"/>
+      </a:accent3>
+      <a:accent4>
+        <a:srgbClr val="FFC000"/>
+      </a:accent4>
+      <a:accent5>
+        <a:srgbClr val="4472C4"/>
+      </a:accent5>
+      <a:accent6>
+        <a:srgbClr val="70AD47"/>
+      </a:accent6>
+      <a:hlink>
+        <a:srgbClr val="0563C1"/>
+      </a:hlink>
+      <a:folHlink>
+        <a:srgbClr val="954F72"/>
+      </a:folHlink>
+    </a:clrScheme>
+    <a:fontScheme name="Office">
+      <a:majorFont>
+        <a:latin typeface="Calibri Light" panose="020F0302020204030204"/>
+        <a:ea typeface=""/>
+        <a:cs typeface=""/>
+        <a:font script="Jpan" typeface="ＭＳ Ｐゴシック"/>
+        <a:font script="Hang" typeface="맑은 고딕"/>
+        <a:font script="Hans" typeface="宋体"/>
+        <a:font script="Hant" typeface="新細明體"/>
+        <a:font script="Arab" typeface="Times New Roman"/>
+        <a:font script="Hebr" typeface="Times New Roman"/>
+        <a:font script="Thai" typeface="Angsana New"/>
+        <a:font script="Ethi" typeface="Nyala"/>
+        <a:font script="Beng" typeface="Vrinda"/>
+        <a:font script="Gujr" typeface="Shruti"/>
+        <a:font script="Khmr" typeface="MoolBoran"/>
+        <a:font script="Knda" typeface="Tunga"/>
+        <a:font script="Guru" typeface="Raavi"/>
+        <a:font script="Cans" typeface="Euphemia"/>
+        <a:font script="Cher" typeface="Plantagenet Cherokee"/>
+        <a:font script="Yiii" typeface="Microsoft Yi Baiti"/>
+        <a:font script="Tibt" typeface="Microsoft Himalaya"/>
+        <a:font script="Thaa" typeface="MV Boli"/>
+        <a:font script="Deva" typeface="Mangal"/>
+        <a:font script="Telu" typeface="Gautami"/>
+        <a:font script="Taml" typeface="Latha"/>
+        <a:font script="Syrc" typeface="Estrangelo Edessa"/>
+        <a:font script="Orya" typeface="Kalinga"/>
+        <a:font script="Mlym" typeface="Kartika"/>
+        <a:font script="Laoo" typeface="DokChampa"/>
+        <a:font script="Sinh" typeface="Iskoola Pota"/>
+        <a:font script="Mong" typeface="Mongolian Baiti"/>
+        <a:font script="Viet" typeface="Times New Roman"/>
+        <a:font script="Uigh" typeface="Microsoft Uighur"/>
+        <a:font script="Geor" typeface="Sylfaen"/>
+      </a:majorFont>
+      <a:minorFont>
+        <a:latin typeface="Calibri" panose="020F0502020204030204"/>
+        <a:ea typeface=""/>
+        <a:cs typeface=""/>
+        <a:font script="Jpan" typeface="ＭＳ Ｐゴシック"/>
+        <a:font script="Hang" typeface="맑은 고딕"/>
+        <a:font script="Hans" typeface="宋体"/>
+        <a:font script="Hant" typeface="新細明體"/>
+        <a:font script="Arab" typeface="Arial"/>
+        <a:font script="Hebr" typeface="Arial"/>
+        <a:font script="Thai" typeface="Cordia New"/>
+        <a:font script="Ethi" typeface="Nyala"/>
+        <a:font script="Beng" typeface="Vrinda"/>
+        <a:font script="Gujr" typeface="Shruti"/>
+        <a:font script="Khmr" typeface="DaunPenh"/>
+        <a:font script="Knda" typeface="Tunga"/>
+        <a:font script="Guru" typeface="Raavi"/>
+        <a:font script="Cans" typeface="Euphemia"/>
+        <a:font script="Cher" typeface="Plantagenet Cherokee"/>
+        <a:font script="Yiii" typeface="Microsoft Yi Baiti"/>
+        <a:font script="Tibt" typeface="Microsoft Himalaya"/>
+        <a:font script="Thaa" typeface="MV Boli"/>
+        <a:font script="Deva" typeface="Mangal"/>
+        <a:font script="Telu" typeface="Gautami"/>
+        <a:font script="Taml" typeface="Latha"/>
+        <a:font script="Syrc" typeface="Estrangelo Edessa"/>
+        <a:font script="Orya" typeface="Kalinga"/>
+        <a:font script="Mlym" typeface="Kartika"/>
+        <a:font script="Laoo" typeface="DokChampa"/>
+        <a:font script="Sinh" typeface="Iskoola Pota"/>
+        <a:font script="Mong" typeface="Mongolian Baiti"/>
+        <a:font script="Viet" typeface="Arial"/>
+        <a:font script="Uigh" typeface="Microsoft Uighur"/>
+        <a:font script="Geor" typeface="Sylfaen"/>
+      </a:minorFont>
+    </a:fontScheme>
+    <a:fmtScheme name="Office">
+      <a:fillStyleLst>
+        <a:solidFill>
+          <a:schemeClr val="phClr"/>
+        </a:solidFill>
+        <a:gradFill rotWithShape="1">
+          <a:gsLst>
+            <a:gs pos="0">
+              <a:schemeClr val="phClr">
+                <a:lumMod val="110000"/>
+                <a:satMod val="105000"/>
+                <a:tint val="67000"/>
+              </a:schemeClr>
+            </a:gs>
+            <a:gs pos="50000">
+              <a:schemeClr val="phClr">
+                <a:lumMod val="105000"/>
+                <a:satMod val="103000"/>
+                <a:tint val="73000"/>
+              </a:schemeClr>
+            </a:gs>
+            <a:gs pos="100000">
+              <a:schemeClr val="phClr">
+                <a:lumMod val="105000"/>
+                <a:satMod val="109000"/>
+                <a:tint val="81000"/>
+              </a:schemeClr>
+            </a:gs>
+          </a:gsLst>
+          <a:lin ang="5400000" scaled="0"/>
+        </a:gradFill>
+        <a:gradFill rotWithShape="1">
+          <a:gsLst>
+            <a:gs pos="0">
+              <a:schemeClr val="phClr">
+                <a:satMod val="103000"/>
+                <a:lumMod val="102000"/>
+                <a:tint val="94000"/>
+              </a:schemeClr>
+            </a:gs>
+            <a:gs pos="50000">
+              <a:schemeClr val="phClr">
+                <a:satMod val="110000"/>
+                <a:lumMod val="100000"/>
+                <a:shade val="100000"/>
+              </a:schemeClr>
+            </a:gs>
+            <a:gs pos="100000">
+              <a:schemeClr val="phClr">
+                <a:lumMod val="99000"/>
+                <a:satMod val="120000"/>
+                <a:shade val="78000"/>
+              </a:schemeClr>
+            </a:gs>
+          </a:gsLst>
+          <a:lin ang="5400000" scaled="0"/>
+        </a:gradFill>
+      </a:fillStyleLst>
+      <a:lnStyleLst>
+        <a:ln w="6350" cap="flat" cmpd="sng" algn="ctr">
+          <a:solidFill>
+            <a:schemeClr val="phClr"/>
+          </a:solidFill>
+          <a:prstDash val="solid"/>
+          <a:miter lim="800000"/>
+        </a:ln>
+        <a:ln w="12700" cap="flat" cmpd="sng" algn="ctr">
+          <a:solidFill>
+            <a:schemeClr val="phClr"/>
+          </a:solidFill>
+          <a:prstDash val="solid"/>
+          <a:miter lim="800000"/>
+        </a:ln>
+        <a:ln w="19050" cap="flat" cmpd="sng" algn="ctr">
+          <a:solidFill>
+            <a:schemeClr val="phClr"/>
+          </a:solidFill>
+          <a:prstDash val="solid"/>
+          <a:miter lim="800000"/>
+        </a:ln>
+      </a:lnStyleLst>
+      <a:effectStyleLst>
+        <a:effectStyle>
+          <a:effectLst/>
+        </a:effectStyle>
+        <a:effectStyle>
+          <a:effectLst/>
+        </a:effectStyle>
+        <a:effectStyle>
+          <a:effectLst>
+            <a:outerShdw blurRad="57150" dist="19050" dir="5400000" algn="ctr" rotWithShape="0">
+              <a:srgbClr val="000000">
+                <a:alpha val="63000"/>
+              </a:srgbClr>
+            </a:outerShdw>
+          </a:effectLst>
+        </a:effectStyle>
+      </a:effectStyleLst>
+      <a:bgFillStyleLst>
+        <a:solidFill>
+          <a:schemeClr val="phClr"/>
+        </a:solidFill>
+        <a:solidFill>
+          <a:schemeClr val="phClr">
+            <a:tint val="95000"/>
+            <a:satMod val="170000"/>
+          </a:schemeClr>
+        </a:solidFill>
+        <a:gradFill rotWithShape="1">
+          <a:gsLst>
+            <a:gs pos="0">
+              <a:schemeClr val="phClr">
+                <a:tint val="93000"/>
+                <a:satMod val="150000"/>
+                <a:shade val="98000"/>
+                <a:lumMod val="102000"/>
+              </a:schemeClr>
+            </a:gs>
+            <a:gs pos="50000">
+              <a:schemeClr val="phClr">
+                <a:tint val="98000"/>
+                <a:satMod val="130000"/>
+                <a:shade val="90000"/>
+                <a:lumMod val="103000"/>
+              </a:schemeClr>
+            </a:gs>
+            <a:gs pos="100000">
+              <a:schemeClr val="phClr">
+                <a:shade val="63000"/>
+                <a:satMod val="120000"/>
+              </a:schemeClr>
+            </a:gs>
+          </a:gsLst>
+          <a:lin ang="5400000" scaled="0"/>
+        </a:gradFill>
+      </a:bgFillStyleLst>
+    </a:fmtScheme>
+  </a:themeElements>
+  <a:objectDefaults/>
+  <a:extraClrSchemeLst/>
+  <a:extLst>
+    <a:ext uri="{05A4C25C-085E-4340-85A3-A5531E510DB2}">
+      <thm15:themeFamily xmlns:thm15="http://schemas.microsoft.com/office/thememl/2012/main" name="Office Theme" id="{62F939B6-93AF-4DB8-9C6B-D6C7DFDC589F}" vid="{4A3C46E8-61CC-4603-A589-7422A47A8E4A}"/>
+    </a:ext>
+  </a:extLst>
+</a:theme>
+</file>
+
+<file path=ppt/theme/theme4.xml><?xml version="1.0" encoding="utf-8"?>
+<a:theme xmlns:a="http://schemas.openxmlformats.org/drawingml/2006/main" name="Thème Office">
+  <a:themeElements>
+    <a:clrScheme name="Office">
+      <a:dk1>
+        <a:sysClr val="windowText" lastClr="000000"/>
+      </a:dk1>
+      <a:lt1>
+        <a:sysClr val="window" lastClr="FFFFFF"/>
+      </a:lt1>
+      <a:dk2>
+        <a:srgbClr val="44546A"/>
+      </a:dk2>
+      <a:lt2>
+        <a:srgbClr val="E7E6E6"/>
+      </a:lt2>
+      <a:accent1>
+        <a:srgbClr val="5B9BD5"/>
+      </a:accent1>
+      <a:accent2>
+        <a:srgbClr val="ED7D31"/>
+      </a:accent2>
+      <a:accent3>
+        <a:srgbClr val="A5A5A5"/>
+      </a:accent3>
+      <a:accent4>
+        <a:srgbClr val="FFC000"/>
+      </a:accent4>
+      <a:accent5>
+        <a:srgbClr val="4472C4"/>
+      </a:accent5>
+      <a:accent6>
+        <a:srgbClr val="70AD47"/>
+      </a:accent6>
+      <a:hlink>
+        <a:srgbClr val="0563C1"/>
+      </a:hlink>
+      <a:folHlink>
+        <a:srgbClr val="954F72"/>
+      </a:folHlink>
+    </a:clrScheme>
+    <a:fontScheme name="Office">
+      <a:majorFont>
+        <a:latin typeface="Calibri Light" panose="020F0302020204030204"/>
+        <a:ea typeface=""/>
+        <a:cs typeface=""/>
+        <a:font script="Jpan" typeface="ＭＳ Ｐゴシック"/>
+        <a:font script="Hang" typeface="맑은 고딕"/>
+        <a:font script="Hans" typeface="宋体"/>
+        <a:font script="Hant" typeface="新細明體"/>
+        <a:font script="Arab" typeface="Times New Roman"/>
+        <a:font script="Hebr" typeface="Times New Roman"/>
+        <a:font script="Thai" typeface="Angsana New"/>
+        <a:font script="Ethi" typeface="Nyala"/>
+        <a:font script="Beng" typeface="Vrinda"/>
+        <a:font script="Gujr" typeface="Shruti"/>
+        <a:font script="Khmr" typeface="MoolBoran"/>
+        <a:font script="Knda" typeface="Tunga"/>
+        <a:font script="Guru" typeface="Raavi"/>
+        <a:font script="Cans" typeface="Euphemia"/>
+        <a:font script="Cher" typeface="Plantagenet Cherokee"/>
+        <a:font script="Yiii" typeface="Microsoft Yi Baiti"/>
+        <a:font script="Tibt" typeface="Microsoft Himalaya"/>
+        <a:font script="Thaa" typeface="MV Boli"/>
+        <a:font script="Deva" typeface="Mangal"/>
+        <a:font script="Telu" typeface="Gautami"/>
+        <a:font script="Taml" typeface="Latha"/>
+        <a:font script="Syrc" typeface="Estrangelo Edessa"/>
+        <a:font script="Orya" typeface="Kalinga"/>
+        <a:font script="Mlym" typeface="Kartika"/>
+        <a:font script="Laoo" typeface="DokChampa"/>
+        <a:font script="Sinh" typeface="Iskoola Pota"/>
+        <a:font script="Mong" typeface="Mongolian Baiti"/>
+        <a:font script="Viet" typeface="Times New Roman"/>
+        <a:font script="Uigh" typeface="Microsoft Uighur"/>
+        <a:font script="Geor" typeface="Sylfaen"/>
+      </a:majorFont>
+      <a:minorFont>
+        <a:latin typeface="Calibri" panose="020F0502020204030204"/>
+        <a:ea typeface=""/>
+        <a:cs typeface=""/>
+        <a:font script="Jpan" typeface="ＭＳ Ｐゴシック"/>
+        <a:font script="Hang" typeface="맑은 고딕"/>
+        <a:font script="Hans" typeface="宋体"/>
+        <a:font script="Hant" typeface="新細明體"/>
+        <a:font script="Arab" typeface="Arial"/>
+        <a:font script="Hebr" typeface="Arial"/>
+        <a:font script="Thai" typeface="Cordia New"/>
+        <a:font script="Ethi" typeface="Nyala"/>
+        <a:font script="Beng" typeface="Vrinda"/>
+        <a:font script="Gujr" typeface="Shruti"/>
+        <a:font script="Khmr" typeface="DaunPenh"/>
+        <a:font script="Knda" typeface="Tunga"/>
+        <a:font script="Guru" typeface="Raavi"/>
+        <a:font script="Cans" typeface="Euphemia"/>
+        <a:font script="Cher" typeface="Plantagenet Cherokee"/>
+        <a:font script="Yiii" typeface="Microsoft Yi Baiti"/>
+        <a:font script="Tibt" typeface="Microsoft Himalaya"/>
+        <a:font script="Thaa" typeface="MV Boli"/>
+        <a:font script="Deva" typeface="Mangal"/>
+        <a:font script="Telu" typeface="Gautami"/>
+        <a:font script="Taml" typeface="Latha"/>
+        <a:font script="Syrc" typeface="Estrangelo Edessa"/>
+        <a:font script="Orya" typeface="Kalinga"/>
+        <a:font script="Mlym" typeface="Kartika"/>
+        <a:font script="Laoo" typeface="DokChampa"/>
+        <a:font script="Sinh" typeface="Iskoola Pota"/>
+        <a:font script="Mong" typeface="Mongolian Baiti"/>
+        <a:font script="Viet" typeface="Arial"/>
+        <a:font script="Uigh" typeface="Microsoft Uighur"/>
+        <a:font script="Geor" typeface="Sylfaen"/>
+      </a:minorFont>
+    </a:fontScheme>
+    <a:fmtScheme name="Office">
+      <a:fillStyleLst>
+        <a:solidFill>
+          <a:schemeClr val="phClr"/>
+        </a:solidFill>
+        <a:gradFill rotWithShape="1">
+          <a:gsLst>
+            <a:gs pos="0">
+              <a:schemeClr val="phClr">
+                <a:lumMod val="110000"/>
+                <a:satMod val="105000"/>
+                <a:tint val="67000"/>
+              </a:schemeClr>
+            </a:gs>
+            <a:gs pos="50000">
+              <a:schemeClr val="phClr">
+                <a:lumMod val="105000"/>
+                <a:satMod val="103000"/>
+                <a:tint val="73000"/>
+              </a:schemeClr>
+            </a:gs>
+            <a:gs pos="100000">
+              <a:schemeClr val="phClr">
+                <a:lumMod val="105000"/>
+                <a:satMod val="109000"/>
+                <a:tint val="81000"/>
+              </a:schemeClr>
+            </a:gs>
+          </a:gsLst>
+          <a:lin ang="5400000" scaled="0"/>
+        </a:gradFill>
+        <a:gradFill rotWithShape="1">
+          <a:gsLst>
+            <a:gs pos="0">
+              <a:schemeClr val="phClr">
+                <a:satMod val="103000"/>
+                <a:lumMod val="102000"/>
+                <a:tint val="94000"/>
+              </a:schemeClr>
+            </a:gs>
+            <a:gs pos="50000">
+              <a:schemeClr val="phClr">
+                <a:satMod val="110000"/>
+                <a:lumMod val="100000"/>
+                <a:shade val="100000"/>
+              </a:schemeClr>
+            </a:gs>
+            <a:gs pos="100000">
+              <a:schemeClr val="phClr">
+                <a:lumMod val="99000"/>
+                <a:satMod val="120000"/>
+                <a:shade val="78000"/>
+              </a:schemeClr>
+            </a:gs>
+          </a:gsLst>
+          <a:lin ang="5400000" scaled="0"/>
+        </a:gradFill>
+      </a:fillStyleLst>
+      <a:lnStyleLst>
+        <a:ln w="6350" cap="flat" cmpd="sng" algn="ctr">
+          <a:solidFill>
+            <a:schemeClr val="phClr"/>
+          </a:solidFill>
+          <a:prstDash val="solid"/>
+          <a:miter lim="800000"/>
+        </a:ln>
+        <a:ln w="12700" cap="flat" cmpd="sng" algn="ctr">
+          <a:solidFill>
+            <a:schemeClr val="phClr"/>
+          </a:solidFill>
+          <a:prstDash val="solid"/>
+          <a:miter lim="800000"/>
+        </a:ln>
+        <a:ln w="19050" cap="flat" cmpd="sng" algn="ctr">
+          <a:solidFill>
+            <a:schemeClr val="phClr"/>
+          </a:solidFill>
+          <a:prstDash val="solid"/>
+          <a:miter lim="800000"/>
+        </a:ln>
+      </a:lnStyleLst>
+      <a:effectStyleLst>
+        <a:effectStyle>
+          <a:effectLst/>
+        </a:effectStyle>
+        <a:effectStyle>
+          <a:effectLst/>
+        </a:effectStyle>
+        <a:effectStyle>
+          <a:effectLst>
+            <a:outerShdw blurRad="57150" dist="19050" dir="5400000" algn="ctr" rotWithShape="0">
+              <a:srgbClr val="000000">
+                <a:alpha val="63000"/>
+              </a:srgbClr>
+            </a:outerShdw>
+          </a:effectLst>
+        </a:effectStyle>
+      </a:effectStyleLst>
+      <a:bgFillStyleLst>
+        <a:solidFill>
+          <a:schemeClr val="phClr"/>
+        </a:solidFill>
+        <a:solidFill>
+          <a:schemeClr val="phClr">
+            <a:tint val="95000"/>
+            <a:satMod val="170000"/>
+          </a:schemeClr>
+        </a:solidFill>
+        <a:gradFill rotWithShape="1">
+          <a:gsLst>
+            <a:gs pos="0">
+              <a:schemeClr val="phClr">
+                <a:tint val="93000"/>
+                <a:satMod val="150000"/>
+                <a:shade val="98000"/>
+                <a:lumMod val="102000"/>
+              </a:schemeClr>
+            </a:gs>
+            <a:gs pos="50000">
+              <a:schemeClr val="phClr">
+                <a:tint val="98000"/>
+                <a:satMod val="130000"/>
+                <a:shade val="90000"/>
+                <a:lumMod val="103000"/>
+              </a:schemeClr>
+            </a:gs>
+            <a:gs pos="100000">
+              <a:schemeClr val="phClr">
+                <a:shade val="63000"/>
+                <a:satMod val="120000"/>
+              </a:schemeClr>
+            </a:gs>
+          </a:gsLst>
+          <a:lin ang="5400000" scaled="0"/>
+        </a:gradFill>
+      </a:bgFillStyleLst>
+    </a:fmtScheme>
+  </a:themeElements>
+  <a:objectDefaults/>
+  <a:extraClrSchemeLst/>
+  <a:extLst>
+    <a:ext uri="{05A4C25C-085E-4340-85A3-A5531E510DB2}">
+      <thm15:themeFamily xmlns:thm15="http://schemas.microsoft.com/office/thememl/2012/main" name="Office Theme" id="{62F939B6-93AF-4DB8-9C6B-D6C7DFDC589F}" vid="{4A3C46E8-61CC-4603-A589-7422A47A8E4A}"/>
+    </a:ext>
+  </a:extLst>
+</a:theme>
 </file>
--- a/4. Cloture/Défense spec.pptx
+++ b/4. Cloture/Défense spec.pptx
@@ -6,15 +6,17 @@
     <p:sldMasterId id="2147483677" r:id="rId2"/>
   </p:sldMasterIdLst>
   <p:notesMasterIdLst>
-    <p:notesMasterId r:id="rId6"/>
+    <p:notesMasterId r:id="rId8"/>
   </p:notesMasterIdLst>
   <p:handoutMasterIdLst>
-    <p:handoutMasterId r:id="rId7"/>
+    <p:handoutMasterId r:id="rId9"/>
   </p:handoutMasterIdLst>
   <p:sldIdLst>
     <p:sldId id="256" r:id="rId3"/>
     <p:sldId id="259" r:id="rId4"/>
     <p:sldId id="260" r:id="rId5"/>
+    <p:sldId id="261" r:id="rId6"/>
+    <p:sldId id="262" r:id="rId7"/>
   </p:sldIdLst>
   <p:sldSz cx="12192000" cy="6858000"/>
   <p:notesSz cx="6858000" cy="9144000"/>
@@ -1505,13 +1507,13 @@
   <p:clrMapOvr>
     <a:masterClrMapping/>
   </p:clrMapOvr>
-  <mc:AlternateContent xmlns:mc="http://schemas.openxmlformats.org/markup-compatibility/2006">
-    <mc:Choice xmlns:p14="http://schemas.microsoft.com/office/powerpoint/2010/main" Requires="p14">
+  <mc:AlternateContent xmlns:mc="http://schemas.openxmlformats.org/markup-compatibility/2006" xmlns:p14="http://schemas.microsoft.com/office/powerpoint/2010/main">
+    <mc:Choice Requires="p14">
       <p:transition spd="slow" p14:dur="800">
         <p14:flythrough/>
       </p:transition>
     </mc:Choice>
-    <mc:Fallback>
+    <mc:Fallback xmlns="">
       <p:transition spd="slow">
         <p:fade/>
       </p:transition>
@@ -1779,13 +1781,13 @@
   <p:clrMapOvr>
     <a:masterClrMapping/>
   </p:clrMapOvr>
-  <mc:AlternateContent xmlns:mc="http://schemas.openxmlformats.org/markup-compatibility/2006">
-    <mc:Choice xmlns:p14="http://schemas.microsoft.com/office/powerpoint/2010/main" Requires="p14">
+  <mc:AlternateContent xmlns:mc="http://schemas.openxmlformats.org/markup-compatibility/2006" xmlns:p14="http://schemas.microsoft.com/office/powerpoint/2010/main">
+    <mc:Choice Requires="p14">
       <p:transition spd="slow" p14:dur="800">
         <p14:flythrough/>
       </p:transition>
     </mc:Choice>
-    <mc:Fallback>
+    <mc:Fallback xmlns="">
       <p:transition spd="slow">
         <p:fade/>
       </p:transition>
@@ -2053,13 +2055,13 @@
   <p:clrMapOvr>
     <a:masterClrMapping/>
   </p:clrMapOvr>
-  <mc:AlternateContent xmlns:mc="http://schemas.openxmlformats.org/markup-compatibility/2006">
-    <mc:Choice xmlns:p14="http://schemas.microsoft.com/office/powerpoint/2010/main" Requires="p14">
+  <mc:AlternateContent xmlns:mc="http://schemas.openxmlformats.org/markup-compatibility/2006" xmlns:p14="http://schemas.microsoft.com/office/powerpoint/2010/main">
+    <mc:Choice Requires="p14">
       <p:transition spd="slow" p14:dur="800">
         <p14:flythrough/>
       </p:transition>
     </mc:Choice>
-    <mc:Fallback>
+    <mc:Fallback xmlns="">
       <p:transition spd="slow">
         <p:fade/>
       </p:transition>
@@ -3449,7 +3451,9 @@
         </p:nvSpPr>
         <p:spPr/>
         <p:txBody>
-          <a:bodyPr/>
+          <a:bodyPr>
+            <a:normAutofit fontScale="92500" lnSpcReduction="20000"/>
+          </a:bodyPr>
           <a:lstStyle/>
           <a:p>
             <a:pPr marL="457200" indent="-457200">
@@ -3472,8 +3476,20 @@
             <a:pPr lvl="1"/>
             <a:r>
               <a:rPr lang="fr-CH" dirty="0" smtClean="0"/>
-              <a:t>Cas d’utilisation</a:t>
-            </a:r>
+              <a:t>Cas </a:t>
+            </a:r>
+            <a:r>
+              <a:rPr lang="fr-CH" dirty="0" smtClean="0"/>
+              <a:t>d’utilisation</a:t>
+            </a:r>
+          </a:p>
+          <a:p>
+            <a:pPr lvl="1"/>
+            <a:r>
+              <a:rPr lang="fr-CH" dirty="0" smtClean="0"/>
+              <a:t>Maquette</a:t>
+            </a:r>
+            <a:endParaRPr lang="fr-CH" dirty="0" smtClean="0"/>
           </a:p>
           <a:p>
             <a:pPr marL="457200" indent="-457200">
@@ -3513,8 +3529,30 @@
             <a:pPr lvl="1"/>
             <a:r>
               <a:rPr lang="fr-CH" dirty="0" smtClean="0"/>
-              <a:t>Po</a:t>
-            </a:r>
+              <a:t>Diagramme séquence système</a:t>
+            </a:r>
+          </a:p>
+          <a:p>
+            <a:pPr lvl="1"/>
+            <a:r>
+              <a:rPr lang="fr-CH" dirty="0" smtClean="0"/>
+              <a:t>Diagramme de classe</a:t>
+            </a:r>
+          </a:p>
+          <a:p>
+            <a:pPr lvl="1"/>
+            <a:r>
+              <a:rPr lang="fr-CH" dirty="0" smtClean="0"/>
+              <a:t>Diagramme de communication</a:t>
+            </a:r>
+          </a:p>
+          <a:p>
+            <a:pPr lvl="1"/>
+            <a:r>
+              <a:rPr lang="fr-CH" dirty="0" smtClean="0"/>
+              <a:t>Diagramme de séquence détaillés</a:t>
+            </a:r>
+            <a:endParaRPr lang="fr-CH" dirty="0" smtClean="0"/>
           </a:p>
           <a:p>
             <a:pPr marL="457200" indent="-457200">
@@ -3638,35 +3676,6 @@
           </a:p>
         </p:txBody>
       </p:sp>
-      <p:pic>
-        <p:nvPicPr>
-          <p:cNvPr id="6" name="Espace réservé du contenu 5"/>
-          <p:cNvPicPr>
-            <a:picLocks noGrp="1" noChangeAspect="1"/>
-          </p:cNvPicPr>
-          <p:nvPr>
-            <p:ph idx="1"/>
-          </p:nvPr>
-        </p:nvPicPr>
-        <p:blipFill>
-          <a:blip r:embed="rId2">
-            <a:extLst>
-              <a:ext uri="{28A0092B-C50C-407E-A947-70E740481C1C}">
-                <a14:useLocalDpi xmlns:a14="http://schemas.microsoft.com/office/drawing/2010/main" val="0"/>
-              </a:ext>
-            </a:extLst>
-          </a:blip>
-          <a:stretch>
-            <a:fillRect/>
-          </a:stretch>
-        </p:blipFill>
-        <p:spPr>
-          <a:xfrm>
-            <a:off x="1910161" y="1506229"/>
-            <a:ext cx="5658640" cy="4410691"/>
-          </a:xfrm>
-        </p:spPr>
-      </p:pic>
       <p:sp>
         <p:nvSpPr>
           <p:cNvPr id="3" name="Espace réservé du numéro de diapositive 2"/>
@@ -3687,6 +3696,44 @@
               <a:pPr/>
               <a:t>2</a:t>
             </a:fld>
+            <a:endParaRPr lang="fr-CH" dirty="0"/>
+          </a:p>
+        </p:txBody>
+      </p:sp>
+      <p:sp>
+        <p:nvSpPr>
+          <p:cNvPr id="4" name="Espace réservé du contenu 3"/>
+          <p:cNvSpPr>
+            <a:spLocks noGrp="1"/>
+          </p:cNvSpPr>
+          <p:nvPr>
+            <p:ph idx="1"/>
+          </p:nvPr>
+        </p:nvSpPr>
+        <p:spPr/>
+        <p:txBody>
+          <a:bodyPr/>
+          <a:lstStyle/>
+          <a:p>
+            <a:pPr lvl="0"/>
+            <a:r>
+              <a:rPr lang="fr-FR" dirty="0"/>
+              <a:t>Résolution efficiente avec un algorithme performant sans animation d’un système de m équations à n inconnus.</a:t>
+            </a:r>
+            <a:endParaRPr lang="fr-CH" dirty="0"/>
+          </a:p>
+          <a:p>
+            <a:endParaRPr lang="fr-CH" dirty="0" smtClean="0"/>
+          </a:p>
+          <a:p>
+            <a:pPr lvl="0"/>
+            <a:r>
+              <a:rPr lang="fr-FR" dirty="0"/>
+              <a:t>Résolution avec animation d'un système de maximum 5 équations à n inconnues.</a:t>
+            </a:r>
+            <a:endParaRPr lang="fr-CH" dirty="0"/>
+          </a:p>
+          <a:p>
             <a:endParaRPr lang="fr-CH" dirty="0"/>
           </a:p>
         </p:txBody>
@@ -3720,6 +3767,242 @@
       </p:par>
     </p:tnLst>
   </p:timing>
+</p:sld>
+</file>
+
+<file path=ppt/slides/slide4.xml><?xml version="1.0" encoding="utf-8"?>
+<p:sld xmlns:a="http://schemas.openxmlformats.org/drawingml/2006/main" xmlns:r="http://schemas.openxmlformats.org/officeDocument/2006/relationships" xmlns:p="http://schemas.openxmlformats.org/presentationml/2006/main">
+  <p:cSld>
+    <p:spTree>
+      <p:nvGrpSpPr>
+        <p:cNvPr id="1" name=""/>
+        <p:cNvGrpSpPr/>
+        <p:nvPr/>
+      </p:nvGrpSpPr>
+      <p:grpSpPr>
+        <a:xfrm>
+          <a:off x="0" y="0"/>
+          <a:ext cx="0" cy="0"/>
+          <a:chOff x="0" y="0"/>
+          <a:chExt cx="0" cy="0"/>
+        </a:xfrm>
+      </p:grpSpPr>
+      <p:sp>
+        <p:nvSpPr>
+          <p:cNvPr id="2" name="Titre 1"/>
+          <p:cNvSpPr>
+            <a:spLocks noGrp="1"/>
+          </p:cNvSpPr>
+          <p:nvPr>
+            <p:ph type="title"/>
+          </p:nvPr>
+        </p:nvSpPr>
+        <p:spPr/>
+        <p:txBody>
+          <a:bodyPr/>
+          <a:lstStyle/>
+          <a:p>
+            <a:r>
+              <a:rPr lang="fr-CH" dirty="0" smtClean="0"/>
+              <a:t>Cas d’utilisation</a:t>
+            </a:r>
+            <a:endParaRPr lang="fr-CH" dirty="0"/>
+          </a:p>
+        </p:txBody>
+      </p:sp>
+      <p:sp>
+        <p:nvSpPr>
+          <p:cNvPr id="4" name="Espace réservé du numéro de diapositive 3"/>
+          <p:cNvSpPr>
+            <a:spLocks noGrp="1"/>
+          </p:cNvSpPr>
+          <p:nvPr>
+            <p:ph type="sldNum" sz="quarter" idx="10"/>
+          </p:nvPr>
+        </p:nvSpPr>
+        <p:spPr/>
+        <p:txBody>
+          <a:bodyPr/>
+          <a:lstStyle/>
+          <a:p>
+            <a:fld id="{C214D402-94C6-4E56-8BC2-0A53FF3B7787}" type="slidenum">
+              <a:rPr lang="fr-CH" smtClean="0"/>
+              <a:pPr/>
+              <a:t>3</a:t>
+            </a:fld>
+            <a:endParaRPr lang="fr-CH" dirty="0"/>
+          </a:p>
+        </p:txBody>
+      </p:sp>
+      <p:pic>
+        <p:nvPicPr>
+          <p:cNvPr id="5" name="Espace réservé du contenu 5"/>
+          <p:cNvPicPr>
+            <a:picLocks noGrp="1" noChangeAspect="1"/>
+          </p:cNvPicPr>
+          <p:nvPr>
+            <p:ph idx="1"/>
+          </p:nvPr>
+        </p:nvPicPr>
+        <p:blipFill>
+          <a:blip r:embed="rId2">
+            <a:extLst>
+              <a:ext uri="{28A0092B-C50C-407E-A947-70E740481C1C}">
+                <a14:useLocalDpi xmlns:a14="http://schemas.microsoft.com/office/drawing/2010/main" val="0"/>
+              </a:ext>
+            </a:extLst>
+          </a:blip>
+          <a:stretch>
+            <a:fillRect/>
+          </a:stretch>
+        </p:blipFill>
+        <p:spPr>
+          <a:xfrm>
+            <a:off x="1910161" y="1506229"/>
+            <a:ext cx="5658640" cy="4410691"/>
+          </a:xfrm>
+        </p:spPr>
+      </p:pic>
+    </p:spTree>
+    <p:extLst>
+      <p:ext uri="{BB962C8B-B14F-4D97-AF65-F5344CB8AC3E}">
+        <p14:creationId xmlns:p14="http://schemas.microsoft.com/office/powerpoint/2010/main" val="933653997"/>
+      </p:ext>
+    </p:extLst>
+  </p:cSld>
+  <p:clrMapOvr>
+    <a:masterClrMapping/>
+  </p:clrMapOvr>
+  <mc:AlternateContent xmlns:mc="http://schemas.openxmlformats.org/markup-compatibility/2006">
+    <mc:Choice xmlns:p14="http://schemas.microsoft.com/office/powerpoint/2010/main" Requires="p14">
+      <p:transition spd="slow" p14:dur="800">
+        <p14:flythrough/>
+      </p:transition>
+    </mc:Choice>
+    <mc:Fallback>
+      <p:transition spd="slow">
+        <p:fade/>
+      </p:transition>
+    </mc:Fallback>
+  </mc:AlternateContent>
+</p:sld>
+</file>
+
+<file path=ppt/slides/slide5.xml><?xml version="1.0" encoding="utf-8"?>
+<p:sld xmlns:a="http://schemas.openxmlformats.org/drawingml/2006/main" xmlns:r="http://schemas.openxmlformats.org/officeDocument/2006/relationships" xmlns:p="http://schemas.openxmlformats.org/presentationml/2006/main">
+  <p:cSld>
+    <p:spTree>
+      <p:nvGrpSpPr>
+        <p:cNvPr id="1" name=""/>
+        <p:cNvGrpSpPr/>
+        <p:nvPr/>
+      </p:nvGrpSpPr>
+      <p:grpSpPr>
+        <a:xfrm>
+          <a:off x="0" y="0"/>
+          <a:ext cx="0" cy="0"/>
+          <a:chOff x="0" y="0"/>
+          <a:chExt cx="0" cy="0"/>
+        </a:xfrm>
+      </p:grpSpPr>
+      <p:sp>
+        <p:nvSpPr>
+          <p:cNvPr id="2" name="Titre 1"/>
+          <p:cNvSpPr>
+            <a:spLocks noGrp="1"/>
+          </p:cNvSpPr>
+          <p:nvPr>
+            <p:ph type="title"/>
+          </p:nvPr>
+        </p:nvSpPr>
+        <p:spPr/>
+        <p:txBody>
+          <a:bodyPr/>
+          <a:lstStyle/>
+          <a:p>
+            <a:r>
+              <a:rPr lang="fr-CH" dirty="0" smtClean="0"/>
+              <a:t>Maquette</a:t>
+            </a:r>
+            <a:endParaRPr lang="fr-CH" dirty="0"/>
+          </a:p>
+        </p:txBody>
+      </p:sp>
+      <p:pic>
+        <p:nvPicPr>
+          <p:cNvPr id="5" name="Espace réservé du contenu 4"/>
+          <p:cNvPicPr>
+            <a:picLocks noGrp="1" noChangeAspect="1"/>
+          </p:cNvPicPr>
+          <p:nvPr>
+            <p:ph idx="1"/>
+          </p:nvPr>
+        </p:nvPicPr>
+        <p:blipFill>
+          <a:blip r:embed="rId2">
+            <a:extLst>
+              <a:ext uri="{28A0092B-C50C-407E-A947-70E740481C1C}">
+                <a14:useLocalDpi xmlns:a14="http://schemas.microsoft.com/office/drawing/2010/main" val="0"/>
+              </a:ext>
+            </a:extLst>
+          </a:blip>
+          <a:stretch>
+            <a:fillRect/>
+          </a:stretch>
+        </p:blipFill>
+        <p:spPr>
+          <a:xfrm>
+            <a:off x="1203325" y="1417067"/>
+            <a:ext cx="7072313" cy="4589016"/>
+          </a:xfrm>
+        </p:spPr>
+      </p:pic>
+      <p:sp>
+        <p:nvSpPr>
+          <p:cNvPr id="4" name="Espace réservé du numéro de diapositive 3"/>
+          <p:cNvSpPr>
+            <a:spLocks noGrp="1"/>
+          </p:cNvSpPr>
+          <p:nvPr>
+            <p:ph type="sldNum" sz="quarter" idx="10"/>
+          </p:nvPr>
+        </p:nvSpPr>
+        <p:spPr/>
+        <p:txBody>
+          <a:bodyPr/>
+          <a:lstStyle/>
+          <a:p>
+            <a:fld id="{C214D402-94C6-4E56-8BC2-0A53FF3B7787}" type="slidenum">
+              <a:rPr lang="fr-CH" smtClean="0"/>
+              <a:pPr/>
+              <a:t>4</a:t>
+            </a:fld>
+            <a:endParaRPr lang="fr-CH" dirty="0"/>
+          </a:p>
+        </p:txBody>
+      </p:sp>
+    </p:spTree>
+    <p:extLst>
+      <p:ext uri="{BB962C8B-B14F-4D97-AF65-F5344CB8AC3E}">
+        <p14:creationId xmlns:p14="http://schemas.microsoft.com/office/powerpoint/2010/main" val="4222038006"/>
+      </p:ext>
+    </p:extLst>
+  </p:cSld>
+  <p:clrMapOvr>
+    <a:masterClrMapping/>
+  </p:clrMapOvr>
+  <mc:AlternateContent xmlns:mc="http://schemas.openxmlformats.org/markup-compatibility/2006">
+    <mc:Choice xmlns:p14="http://schemas.microsoft.com/office/powerpoint/2010/main" Requires="p14">
+      <p:transition spd="slow" p14:dur="800">
+        <p14:flythrough/>
+      </p:transition>
+    </mc:Choice>
+    <mc:Fallback>
+      <p:transition spd="slow">
+        <p:fade/>
+      </p:transition>
+    </mc:Fallback>
+  </mc:AlternateContent>
 </p:sld>
 </file>
 

--- a/4. Cloture/Défense spec.pptx
+++ b/4. Cloture/Défense spec.pptx
@@ -6,10 +6,10 @@
     <p:sldMasterId id="2147483677" r:id="rId2"/>
   </p:sldMasterIdLst>
   <p:notesMasterIdLst>
-    <p:notesMasterId r:id="rId8"/>
+    <p:notesMasterId r:id="rId21"/>
   </p:notesMasterIdLst>
   <p:handoutMasterIdLst>
-    <p:handoutMasterId r:id="rId9"/>
+    <p:handoutMasterId r:id="rId22"/>
   </p:handoutMasterIdLst>
   <p:sldIdLst>
     <p:sldId id="256" r:id="rId3"/>
@@ -17,8 +17,21 @@
     <p:sldId id="260" r:id="rId5"/>
     <p:sldId id="261" r:id="rId6"/>
     <p:sldId id="262" r:id="rId7"/>
+    <p:sldId id="263" r:id="rId8"/>
+    <p:sldId id="264" r:id="rId9"/>
+    <p:sldId id="267" r:id="rId10"/>
+    <p:sldId id="266" r:id="rId11"/>
+    <p:sldId id="265" r:id="rId12"/>
+    <p:sldId id="268" r:id="rId13"/>
+    <p:sldId id="269" r:id="rId14"/>
+    <p:sldId id="270" r:id="rId15"/>
+    <p:sldId id="272" r:id="rId16"/>
+    <p:sldId id="274" r:id="rId17"/>
+    <p:sldId id="275" r:id="rId18"/>
+    <p:sldId id="276" r:id="rId19"/>
+    <p:sldId id="277" r:id="rId20"/>
   </p:sldIdLst>
-  <p:sldSz cx="12192000" cy="6858000"/>
+  <p:sldSz cx="9144000" cy="6858000" type="screen4x3"/>
   <p:notesSz cx="6858000" cy="9144000"/>
   <p:defaultTextStyle>
     <a:defPPr>
@@ -208,7 +221,7 @@
           <a:p>
             <a:fld id="{2AB2B15C-CED5-4376-841D-FD6A2CD08A5D}" type="datetimeFigureOut">
               <a:rPr lang="fr-CH" smtClean="0"/>
-              <a:t>03.06.2015</a:t>
+              <a:t>06.06.2015</a:t>
             </a:fld>
             <a:endParaRPr lang="fr-CH"/>
           </a:p>
@@ -374,7 +387,7 @@
           <a:p>
             <a:fld id="{95751C4D-42E3-44C2-8025-45DEF85D17C8}" type="datetimeFigureOut">
               <a:rPr lang="fr-CH" smtClean="0"/>
-              <a:t>03.06.2015</a:t>
+              <a:t>06.06.2015</a:t>
             </a:fld>
             <a:endParaRPr lang="fr-CH"/>
           </a:p>
@@ -392,8 +405,8 @@
         </p:nvSpPr>
         <p:spPr>
           <a:xfrm>
-            <a:off x="685800" y="1143000"/>
-            <a:ext cx="5486400" cy="3086100"/>
+            <a:off x="1371600" y="1143000"/>
+            <a:ext cx="4114800" cy="3086100"/>
           </a:xfrm>
           <a:prstGeom prst="rect">
             <a:avLst/>
@@ -672,8 +685,8 @@
         </p:nvSpPr>
         <p:spPr>
           <a:xfrm>
-            <a:off x="1524000" y="3101482"/>
-            <a:ext cx="9144000" cy="1162294"/>
+            <a:off x="1143000" y="3101482"/>
+            <a:ext cx="6858000" cy="1162294"/>
           </a:xfrm>
         </p:spPr>
         <p:txBody>
@@ -746,8 +759,8 @@
         </p:nvSpPr>
         <p:spPr>
           <a:xfrm>
-            <a:off x="360217" y="1910846"/>
-            <a:ext cx="11476183" cy="1089529"/>
+            <a:off x="270163" y="913651"/>
+            <a:ext cx="8607137" cy="2086725"/>
           </a:xfrm>
           <a:gradFill flip="none" rotWithShape="0">
             <a:gsLst>
@@ -935,7 +948,12 @@
             <p:ph type="sldNum" sz="quarter" idx="12"/>
           </p:nvPr>
         </p:nvSpPr>
-        <p:spPr/>
+        <p:spPr>
+          <a:xfrm>
+            <a:off x="7622341" y="6118792"/>
+            <a:ext cx="850540" cy="580000"/>
+          </a:xfrm>
+        </p:spPr>
         <p:txBody>
           <a:bodyPr/>
           <a:lstStyle/>
@@ -1033,8 +1051,8 @@
         </p:nvSpPr>
         <p:spPr>
           <a:xfrm>
-            <a:off x="1202920" y="1412111"/>
-            <a:ext cx="7072979" cy="4598271"/>
+            <a:off x="902190" y="1412111"/>
+            <a:ext cx="5304734" cy="4598271"/>
           </a:xfrm>
         </p:spPr>
         <p:txBody>
@@ -1102,8 +1120,8 @@
         </p:nvSpPr>
         <p:spPr>
           <a:xfrm>
-            <a:off x="8579464" y="1412110"/>
-            <a:ext cx="2407534" cy="4598272"/>
+            <a:off x="6274966" y="1412110"/>
+            <a:ext cx="1965284" cy="4598272"/>
           </a:xfrm>
           <a:prstGeom prst="rect">
             <a:avLst/>
@@ -1112,7 +1130,7 @@
         </p:spPr>
         <p:txBody>
           <a:bodyPr wrap="square" lIns="90000" rtlCol="0">
-            <a:normAutofit/>
+            <a:normAutofit fontScale="85000" lnSpcReduction="10000"/>
           </a:bodyPr>
           <a:lstStyle/>
           <a:p>
@@ -1209,7 +1227,12 @@
             <p:ph type="sldNum" sz="quarter" idx="10"/>
           </p:nvPr>
         </p:nvSpPr>
-        <p:spPr/>
+        <p:spPr>
+          <a:xfrm>
+            <a:off x="7622340" y="6118792"/>
+            <a:ext cx="808595" cy="580000"/>
+          </a:xfrm>
+        </p:spPr>
         <p:txBody>
           <a:bodyPr/>
           <a:lstStyle/>
@@ -1307,8 +1330,8 @@
         </p:nvSpPr>
         <p:spPr>
           <a:xfrm>
-            <a:off x="1202920" y="1412111"/>
-            <a:ext cx="7072979" cy="4598271"/>
+            <a:off x="902190" y="1412111"/>
+            <a:ext cx="5304734" cy="4598271"/>
           </a:xfrm>
         </p:spPr>
         <p:txBody>
@@ -1376,8 +1399,8 @@
         </p:nvSpPr>
         <p:spPr>
           <a:xfrm>
-            <a:off x="8579464" y="1412110"/>
-            <a:ext cx="2407534" cy="4598272"/>
+            <a:off x="6206923" y="1412110"/>
+            <a:ext cx="2173677" cy="4598272"/>
           </a:xfrm>
           <a:prstGeom prst="rect">
             <a:avLst/>
@@ -1386,7 +1409,7 @@
         </p:spPr>
         <p:txBody>
           <a:bodyPr wrap="square" lIns="90000" rtlCol="0">
-            <a:normAutofit/>
+            <a:normAutofit fontScale="92500"/>
           </a:bodyPr>
           <a:lstStyle/>
           <a:p>
@@ -1483,7 +1506,12 @@
             <p:ph type="sldNum" sz="quarter" idx="10"/>
           </p:nvPr>
         </p:nvSpPr>
-        <p:spPr/>
+        <p:spPr>
+          <a:xfrm>
+            <a:off x="7622340" y="6118792"/>
+            <a:ext cx="758261" cy="580000"/>
+          </a:xfrm>
+        </p:spPr>
         <p:txBody>
           <a:bodyPr/>
           <a:lstStyle/>
@@ -1581,8 +1609,8 @@
         </p:nvSpPr>
         <p:spPr>
           <a:xfrm>
-            <a:off x="1202920" y="1412111"/>
-            <a:ext cx="7072979" cy="4598271"/>
+            <a:off x="902190" y="1412111"/>
+            <a:ext cx="5304734" cy="4598271"/>
           </a:xfrm>
         </p:spPr>
         <p:txBody>
@@ -1650,8 +1678,8 @@
         </p:nvSpPr>
         <p:spPr>
           <a:xfrm>
-            <a:off x="8579464" y="1412110"/>
-            <a:ext cx="2407534" cy="4598272"/>
+            <a:off x="6283354" y="1412110"/>
+            <a:ext cx="1956895" cy="4598272"/>
           </a:xfrm>
           <a:prstGeom prst="rect">
             <a:avLst/>
@@ -1660,7 +1688,7 @@
         </p:spPr>
         <p:txBody>
           <a:bodyPr wrap="square" lIns="90000" rtlCol="0">
-            <a:normAutofit/>
+            <a:normAutofit fontScale="85000" lnSpcReduction="10000"/>
           </a:bodyPr>
           <a:lstStyle/>
           <a:p>
@@ -1757,7 +1785,12 @@
             <p:ph type="sldNum" sz="quarter" idx="10"/>
           </p:nvPr>
         </p:nvSpPr>
-        <p:spPr/>
+        <p:spPr>
+          <a:xfrm>
+            <a:off x="7622340" y="6118792"/>
+            <a:ext cx="758261" cy="580000"/>
+          </a:xfrm>
+        </p:spPr>
         <p:txBody>
           <a:bodyPr/>
           <a:lstStyle/>
@@ -1855,8 +1888,8 @@
         </p:nvSpPr>
         <p:spPr>
           <a:xfrm>
-            <a:off x="1202920" y="1412111"/>
-            <a:ext cx="7072979" cy="4598271"/>
+            <a:off x="902190" y="1412111"/>
+            <a:ext cx="5304734" cy="4598271"/>
           </a:xfrm>
         </p:spPr>
         <p:txBody>
@@ -1924,8 +1957,8 @@
         </p:nvSpPr>
         <p:spPr>
           <a:xfrm>
-            <a:off x="8579464" y="1412110"/>
-            <a:ext cx="2407534" cy="4598272"/>
+            <a:off x="6291744" y="1412110"/>
+            <a:ext cx="1948506" cy="4598272"/>
           </a:xfrm>
           <a:prstGeom prst="rect">
             <a:avLst/>
@@ -1934,7 +1967,7 @@
         </p:spPr>
         <p:txBody>
           <a:bodyPr wrap="square" lIns="90000" rtlCol="0">
-            <a:normAutofit/>
+            <a:normAutofit fontScale="85000" lnSpcReduction="10000"/>
           </a:bodyPr>
           <a:lstStyle/>
           <a:p>
@@ -2031,7 +2064,12 @@
             <p:ph type="sldNum" sz="quarter" idx="10"/>
           </p:nvPr>
         </p:nvSpPr>
-        <p:spPr/>
+        <p:spPr>
+          <a:xfrm>
+            <a:off x="7622340" y="6118792"/>
+            <a:ext cx="791817" cy="580000"/>
+          </a:xfrm>
+        </p:spPr>
         <p:txBody>
           <a:bodyPr/>
           <a:lstStyle/>
@@ -2135,8 +2173,8 @@
         </p:nvSpPr>
         <p:spPr>
           <a:xfrm>
-            <a:off x="1202919" y="284176"/>
-            <a:ext cx="9784080" cy="1012189"/>
+            <a:off x="902189" y="284177"/>
+            <a:ext cx="7338060" cy="1012189"/>
           </a:xfrm>
           <a:prstGeom prst="rect">
             <a:avLst/>
@@ -2168,8 +2206,8 @@
         </p:nvSpPr>
         <p:spPr>
           <a:xfrm>
-            <a:off x="1202919" y="1412112"/>
-            <a:ext cx="9784080" cy="3118792"/>
+            <a:off x="902189" y="1412112"/>
+            <a:ext cx="7338060" cy="3118792"/>
           </a:xfrm>
           <a:prstGeom prst="rect">
             <a:avLst/>
@@ -2241,8 +2279,8 @@
         </p:blipFill>
         <p:spPr bwMode="auto">
           <a:xfrm>
-            <a:off x="1524000" y="5209799"/>
-            <a:ext cx="2299949" cy="988979"/>
+            <a:off x="1143000" y="5209800"/>
+            <a:ext cx="1724962" cy="988979"/>
           </a:xfrm>
           <a:prstGeom prst="rect">
             <a:avLst/>
@@ -2278,8 +2316,8 @@
         </p:blipFill>
         <p:spPr bwMode="auto">
           <a:xfrm>
-            <a:off x="7565206" y="5418950"/>
-            <a:ext cx="3791462" cy="892844"/>
+            <a:off x="5673904" y="5418950"/>
+            <a:ext cx="2843597" cy="892844"/>
           </a:xfrm>
           <a:prstGeom prst="rect">
             <a:avLst/>
@@ -2653,7 +2691,7 @@
       </a:lvl9pPr>
     </p:otherStyle>
   </p:txStyles>
-  <p:extLst>
+  <p:extLst mod="1">
     <p:ext uri="{27BBF7A9-308A-43DC-89C8-2F10F3537804}">
       <p15:sldGuideLst xmlns:p15="http://schemas.microsoft.com/office/powerpoint/2012/main">
         <p15:guide id="1" orient="horz" pos="2160" userDrawn="1">
@@ -2661,7 +2699,7 @@
             <a:srgbClr val="F26B43"/>
           </p15:clr>
         </p15:guide>
-        <p15:guide id="2" pos="3840" userDrawn="1">
+        <p15:guide id="2" pos="2880" userDrawn="1">
           <p15:clr>
             <a:srgbClr val="F26B43"/>
           </p15:clr>
@@ -2730,8 +2768,8 @@
         </p:nvSpPr>
         <p:spPr>
           <a:xfrm>
-            <a:off x="1202919" y="680812"/>
-            <a:ext cx="9784080" cy="615553"/>
+            <a:off x="902189" y="680813"/>
+            <a:ext cx="7338060" cy="615553"/>
           </a:xfrm>
           <a:prstGeom prst="rect">
             <a:avLst/>
@@ -2787,8 +2825,8 @@
         </p:nvSpPr>
         <p:spPr>
           <a:xfrm>
-            <a:off x="1202919" y="1412111"/>
-            <a:ext cx="9784080" cy="4598271"/>
+            <a:off x="902189" y="1412111"/>
+            <a:ext cx="7338060" cy="4598271"/>
           </a:xfrm>
           <a:prstGeom prst="rect">
             <a:avLst/>
@@ -2849,8 +2887,8 @@
         </p:nvSpPr>
         <p:spPr>
           <a:xfrm>
-            <a:off x="10163121" y="6118792"/>
-            <a:ext cx="823877" cy="580000"/>
+            <a:off x="7622340" y="6118792"/>
+            <a:ext cx="858929" cy="580000"/>
           </a:xfrm>
           <a:prstGeom prst="rect">
             <a:avLst/>
@@ -2900,8 +2938,8 @@
         </p:blipFill>
         <p:spPr bwMode="auto">
           <a:xfrm>
-            <a:off x="1202919" y="6118792"/>
-            <a:ext cx="2462973" cy="580000"/>
+            <a:off x="902190" y="6118792"/>
+            <a:ext cx="1847230" cy="580000"/>
           </a:xfrm>
           <a:prstGeom prst="rect">
             <a:avLst/>
@@ -3282,12 +3320,12 @@
   <p:extLst mod="1">
     <p:ext uri="{27BBF7A9-308A-43DC-89C8-2F10F3537804}">
       <p15:sldGuideLst xmlns:p15="http://schemas.microsoft.com/office/powerpoint/2012/main">
-        <p15:guide id="1" orient="horz" pos="2160">
+        <p15:guide id="1" orient="horz" pos="2160" userDrawn="1">
           <p15:clr>
             <a:srgbClr val="F26B43"/>
           </p15:clr>
         </p15:guide>
-        <p15:guide id="2" pos="3840">
+        <p15:guide id="2" pos="2880" userDrawn="1">
           <p15:clr>
             <a:srgbClr val="F26B43"/>
           </p15:clr>
@@ -3354,7 +3392,12 @@
             <p:ph sz="quarter" idx="10"/>
           </p:nvPr>
         </p:nvSpPr>
-        <p:spPr/>
+        <p:spPr>
+          <a:xfrm>
+            <a:off x="270163" y="1910847"/>
+            <a:ext cx="8607137" cy="1089529"/>
+          </a:xfrm>
+        </p:spPr>
         <p:txBody>
           <a:bodyPr/>
           <a:lstStyle/>
@@ -3381,6 +3424,1249 @@
     <mc:Choice Requires="p14">
       <p:transition spd="slow" p14:dur="900">
         <p14:warp dir="in"/>
+      </p:transition>
+    </mc:Choice>
+    <mc:Fallback xmlns="">
+      <p:transition spd="slow">
+        <p:fade/>
+      </p:transition>
+    </mc:Fallback>
+  </mc:AlternateContent>
+  <p:timing>
+    <p:tnLst>
+      <p:par>
+        <p:cTn id="1" dur="indefinite" restart="never" nodeType="tmRoot"/>
+      </p:par>
+    </p:tnLst>
+  </p:timing>
+</p:sld>
+</file>
+
+<file path=ppt/slides/slide10.xml><?xml version="1.0" encoding="utf-8"?>
+<p:sld xmlns:a="http://schemas.openxmlformats.org/drawingml/2006/main" xmlns:r="http://schemas.openxmlformats.org/officeDocument/2006/relationships" xmlns:p="http://schemas.openxmlformats.org/presentationml/2006/main">
+  <p:cSld>
+    <p:spTree>
+      <p:nvGrpSpPr>
+        <p:cNvPr id="1" name=""/>
+        <p:cNvGrpSpPr/>
+        <p:nvPr/>
+      </p:nvGrpSpPr>
+      <p:grpSpPr>
+        <a:xfrm>
+          <a:off x="0" y="0"/>
+          <a:ext cx="0" cy="0"/>
+          <a:chOff x="0" y="0"/>
+          <a:chExt cx="0" cy="0"/>
+        </a:xfrm>
+      </p:grpSpPr>
+      <p:sp>
+        <p:nvSpPr>
+          <p:cNvPr id="5" name="Titre 4"/>
+          <p:cNvSpPr>
+            <a:spLocks noGrp="1"/>
+          </p:cNvSpPr>
+          <p:nvPr>
+            <p:ph type="title"/>
+          </p:nvPr>
+        </p:nvSpPr>
+        <p:spPr>
+          <a:xfrm>
+            <a:off x="902189" y="157593"/>
+            <a:ext cx="7338060" cy="1138773"/>
+          </a:xfrm>
+        </p:spPr>
+        <p:txBody>
+          <a:bodyPr/>
+          <a:lstStyle/>
+          <a:p>
+            <a:r>
+              <a:rPr lang="fr-CH" dirty="0" smtClean="0"/>
+              <a:t>Résoudre une équation</a:t>
+            </a:r>
+            <a:br>
+              <a:rPr lang="fr-CH" dirty="0" smtClean="0"/>
+            </a:br>
+            <a:r>
+              <a:rPr lang="fr-CH" dirty="0" smtClean="0"/>
+              <a:t>par étape</a:t>
+            </a:r>
+            <a:endParaRPr lang="fr-CH" dirty="0"/>
+          </a:p>
+        </p:txBody>
+      </p:sp>
+      <p:sp>
+        <p:nvSpPr>
+          <p:cNvPr id="4" name="Espace réservé du numéro de diapositive 3"/>
+          <p:cNvSpPr>
+            <a:spLocks noGrp="1"/>
+          </p:cNvSpPr>
+          <p:nvPr>
+            <p:ph type="sldNum" sz="quarter" idx="10"/>
+          </p:nvPr>
+        </p:nvSpPr>
+        <p:spPr/>
+        <p:txBody>
+          <a:bodyPr/>
+          <a:lstStyle/>
+          <a:p>
+            <a:fld id="{C214D402-94C6-4E56-8BC2-0A53FF3B7787}" type="slidenum">
+              <a:rPr lang="fr-CH" smtClean="0"/>
+              <a:pPr/>
+              <a:t>9</a:t>
+            </a:fld>
+            <a:endParaRPr lang="fr-CH" dirty="0"/>
+          </a:p>
+        </p:txBody>
+      </p:sp>
+      <p:pic>
+        <p:nvPicPr>
+          <p:cNvPr id="7" name="Espace réservé du contenu 5"/>
+          <p:cNvPicPr>
+            <a:picLocks noGrp="1" noChangeAspect="1"/>
+          </p:cNvPicPr>
+          <p:nvPr>
+            <p:ph idx="1"/>
+          </p:nvPr>
+        </p:nvPicPr>
+        <p:blipFill>
+          <a:blip r:embed="rId2">
+            <a:extLst>
+              <a:ext uri="{28A0092B-C50C-407E-A947-70E740481C1C}">
+                <a14:useLocalDpi xmlns:a14="http://schemas.microsoft.com/office/drawing/2010/main" val="0"/>
+              </a:ext>
+            </a:extLst>
+          </a:blip>
+          <a:stretch>
+            <a:fillRect/>
+          </a:stretch>
+        </p:blipFill>
+        <p:spPr>
+          <a:xfrm>
+            <a:off x="637707" y="1502233"/>
+            <a:ext cx="5658640" cy="4410691"/>
+          </a:xfrm>
+        </p:spPr>
+      </p:pic>
+      <p:sp>
+        <p:nvSpPr>
+          <p:cNvPr id="8" name="Ellipse 7"/>
+          <p:cNvSpPr/>
+          <p:nvPr/>
+        </p:nvSpPr>
+        <p:spPr>
+          <a:xfrm>
+            <a:off x="4110361" y="4030462"/>
+            <a:ext cx="1260629" cy="568171"/>
+          </a:xfrm>
+          <a:prstGeom prst="ellipse">
+            <a:avLst/>
+          </a:prstGeom>
+          <a:noFill/>
+          <a:ln w="57150">
+            <a:solidFill>
+              <a:srgbClr val="FF0000"/>
+            </a:solidFill>
+          </a:ln>
+        </p:spPr>
+        <p:style>
+          <a:lnRef idx="2">
+            <a:schemeClr val="accent1">
+              <a:shade val="50000"/>
+            </a:schemeClr>
+          </a:lnRef>
+          <a:fillRef idx="1">
+            <a:schemeClr val="accent1"/>
+          </a:fillRef>
+          <a:effectRef idx="0">
+            <a:schemeClr val="accent1"/>
+          </a:effectRef>
+          <a:fontRef idx="minor">
+            <a:schemeClr val="lt1"/>
+          </a:fontRef>
+        </p:style>
+        <p:txBody>
+          <a:bodyPr rtlCol="0" anchor="ctr"/>
+          <a:lstStyle/>
+          <a:p>
+            <a:pPr algn="ctr"/>
+            <a:endParaRPr lang="fr-CH"/>
+          </a:p>
+        </p:txBody>
+      </p:sp>
+    </p:spTree>
+    <p:extLst>
+      <p:ext uri="{BB962C8B-B14F-4D97-AF65-F5344CB8AC3E}">
+        <p14:creationId xmlns:p14="http://schemas.microsoft.com/office/powerpoint/2010/main" val="280198458"/>
+      </p:ext>
+    </p:extLst>
+  </p:cSld>
+  <p:clrMapOvr>
+    <a:masterClrMapping/>
+  </p:clrMapOvr>
+  <mc:AlternateContent xmlns:mc="http://schemas.openxmlformats.org/markup-compatibility/2006" xmlns:p14="http://schemas.microsoft.com/office/powerpoint/2010/main">
+    <mc:Choice Requires="p14">
+      <p:transition spd="slow" p14:dur="800">
+        <p14:flythrough/>
+      </p:transition>
+    </mc:Choice>
+    <mc:Fallback xmlns="">
+      <p:transition spd="slow">
+        <p:fade/>
+      </p:transition>
+    </mc:Fallback>
+  </mc:AlternateContent>
+  <p:timing>
+    <p:tnLst>
+      <p:par>
+        <p:cTn id="1" dur="indefinite" restart="never" nodeType="tmRoot"/>
+      </p:par>
+    </p:tnLst>
+  </p:timing>
+</p:sld>
+</file>
+
+<file path=ppt/slides/slide11.xml><?xml version="1.0" encoding="utf-8"?>
+<p:sld xmlns:a="http://schemas.openxmlformats.org/drawingml/2006/main" xmlns:r="http://schemas.openxmlformats.org/officeDocument/2006/relationships" xmlns:p="http://schemas.openxmlformats.org/presentationml/2006/main">
+  <p:cSld>
+    <p:spTree>
+      <p:nvGrpSpPr>
+        <p:cNvPr id="1" name=""/>
+        <p:cNvGrpSpPr/>
+        <p:nvPr/>
+      </p:nvGrpSpPr>
+      <p:grpSpPr>
+        <a:xfrm>
+          <a:off x="0" y="0"/>
+          <a:ext cx="0" cy="0"/>
+          <a:chOff x="0" y="0"/>
+          <a:chExt cx="0" cy="0"/>
+        </a:xfrm>
+      </p:grpSpPr>
+      <p:sp>
+        <p:nvSpPr>
+          <p:cNvPr id="2" name="Titre 1"/>
+          <p:cNvSpPr>
+            <a:spLocks noGrp="1"/>
+          </p:cNvSpPr>
+          <p:nvPr>
+            <p:ph type="title"/>
+          </p:nvPr>
+        </p:nvSpPr>
+        <p:spPr>
+          <a:xfrm>
+            <a:off x="522989" y="492740"/>
+            <a:ext cx="8096433" cy="537070"/>
+          </a:xfrm>
+        </p:spPr>
+        <p:txBody>
+          <a:bodyPr/>
+          <a:lstStyle/>
+          <a:p>
+            <a:r>
+              <a:rPr lang="fr-CH" sz="3400" dirty="0" smtClean="0"/>
+              <a:t>Diagramme de séquence système</a:t>
+            </a:r>
+            <a:endParaRPr lang="fr-CH" sz="3400" dirty="0"/>
+          </a:p>
+        </p:txBody>
+      </p:sp>
+      <p:pic>
+        <p:nvPicPr>
+          <p:cNvPr id="5" name="Espace réservé du contenu 4"/>
+          <p:cNvPicPr>
+            <a:picLocks noGrp="1" noChangeAspect="1"/>
+          </p:cNvPicPr>
+          <p:nvPr>
+            <p:ph idx="1"/>
+          </p:nvPr>
+        </p:nvPicPr>
+        <p:blipFill>
+          <a:blip r:embed="rId2">
+            <a:extLst>
+              <a:ext uri="{28A0092B-C50C-407E-A947-70E740481C1C}">
+                <a14:useLocalDpi xmlns:a14="http://schemas.microsoft.com/office/drawing/2010/main" val="0"/>
+              </a:ext>
+            </a:extLst>
+          </a:blip>
+          <a:stretch>
+            <a:fillRect/>
+          </a:stretch>
+        </p:blipFill>
+        <p:spPr>
+          <a:xfrm>
+            <a:off x="522989" y="1080410"/>
+            <a:ext cx="7949892" cy="4987782"/>
+          </a:xfrm>
+        </p:spPr>
+      </p:pic>
+      <p:sp>
+        <p:nvSpPr>
+          <p:cNvPr id="4" name="Espace réservé du numéro de diapositive 3"/>
+          <p:cNvSpPr>
+            <a:spLocks noGrp="1"/>
+          </p:cNvSpPr>
+          <p:nvPr>
+            <p:ph type="sldNum" sz="quarter" idx="12"/>
+          </p:nvPr>
+        </p:nvSpPr>
+        <p:spPr/>
+        <p:txBody>
+          <a:bodyPr/>
+          <a:lstStyle/>
+          <a:p>
+            <a:fld id="{C214D402-94C6-4E56-8BC2-0A53FF3B7787}" type="slidenum">
+              <a:rPr lang="fr-CH" smtClean="0"/>
+              <a:pPr/>
+              <a:t>10</a:t>
+            </a:fld>
+            <a:endParaRPr lang="fr-CH" dirty="0"/>
+          </a:p>
+        </p:txBody>
+      </p:sp>
+    </p:spTree>
+    <p:extLst>
+      <p:ext uri="{BB962C8B-B14F-4D97-AF65-F5344CB8AC3E}">
+        <p14:creationId xmlns:p14="http://schemas.microsoft.com/office/powerpoint/2010/main" val="3275669873"/>
+      </p:ext>
+    </p:extLst>
+  </p:cSld>
+  <p:clrMapOvr>
+    <a:masterClrMapping/>
+  </p:clrMapOvr>
+  <mc:AlternateContent xmlns:mc="http://schemas.openxmlformats.org/markup-compatibility/2006" xmlns:p14="http://schemas.microsoft.com/office/powerpoint/2010/main">
+    <mc:Choice Requires="p14">
+      <p:transition spd="slow" p14:dur="800">
+        <p14:flythrough/>
+      </p:transition>
+    </mc:Choice>
+    <mc:Fallback xmlns="">
+      <p:transition spd="slow">
+        <p:fade/>
+      </p:transition>
+    </mc:Fallback>
+  </mc:AlternateContent>
+  <p:timing>
+    <p:tnLst>
+      <p:par>
+        <p:cTn id="1" dur="indefinite" restart="never" nodeType="tmRoot"/>
+      </p:par>
+    </p:tnLst>
+  </p:timing>
+</p:sld>
+</file>
+
+<file path=ppt/slides/slide12.xml><?xml version="1.0" encoding="utf-8"?>
+<p:sld xmlns:a="http://schemas.openxmlformats.org/drawingml/2006/main" xmlns:r="http://schemas.openxmlformats.org/officeDocument/2006/relationships" xmlns:p="http://schemas.openxmlformats.org/presentationml/2006/main">
+  <p:cSld>
+    <p:spTree>
+      <p:nvGrpSpPr>
+        <p:cNvPr id="1" name=""/>
+        <p:cNvGrpSpPr/>
+        <p:nvPr/>
+      </p:nvGrpSpPr>
+      <p:grpSpPr>
+        <a:xfrm>
+          <a:off x="0" y="0"/>
+          <a:ext cx="0" cy="0"/>
+          <a:chOff x="0" y="0"/>
+          <a:chExt cx="0" cy="0"/>
+        </a:xfrm>
+      </p:grpSpPr>
+      <p:sp>
+        <p:nvSpPr>
+          <p:cNvPr id="6" name="Titre 5"/>
+          <p:cNvSpPr>
+            <a:spLocks noGrp="1"/>
+          </p:cNvSpPr>
+          <p:nvPr>
+            <p:ph type="title"/>
+          </p:nvPr>
+        </p:nvSpPr>
+        <p:spPr>
+          <a:xfrm>
+            <a:off x="901700" y="165586"/>
+            <a:ext cx="7570228" cy="890858"/>
+          </a:xfrm>
+        </p:spPr>
+        <p:txBody>
+          <a:bodyPr/>
+          <a:lstStyle/>
+          <a:p>
+            <a:r>
+              <a:rPr lang="fr-CH" dirty="0" smtClean="0"/>
+              <a:t>Diagramme de communication</a:t>
+            </a:r>
+            <a:endParaRPr lang="fr-CH" dirty="0"/>
+          </a:p>
+        </p:txBody>
+      </p:sp>
+      <p:pic>
+        <p:nvPicPr>
+          <p:cNvPr id="5" name="Espace réservé du contenu 4"/>
+          <p:cNvPicPr>
+            <a:picLocks noGrp="1" noChangeAspect="1"/>
+          </p:cNvPicPr>
+          <p:nvPr>
+            <p:ph idx="1"/>
+          </p:nvPr>
+        </p:nvPicPr>
+        <p:blipFill>
+          <a:blip r:embed="rId2">
+            <a:extLst>
+              <a:ext uri="{28A0092B-C50C-407E-A947-70E740481C1C}">
+                <a14:useLocalDpi xmlns:a14="http://schemas.microsoft.com/office/drawing/2010/main" val="0"/>
+              </a:ext>
+            </a:extLst>
+          </a:blip>
+          <a:stretch>
+            <a:fillRect/>
+          </a:stretch>
+        </p:blipFill>
+        <p:spPr>
+          <a:xfrm>
+            <a:off x="0" y="1398693"/>
+            <a:ext cx="9144000" cy="4524599"/>
+          </a:xfrm>
+        </p:spPr>
+      </p:pic>
+      <p:sp>
+        <p:nvSpPr>
+          <p:cNvPr id="4" name="Espace réservé du numéro de diapositive 3"/>
+          <p:cNvSpPr>
+            <a:spLocks noGrp="1"/>
+          </p:cNvSpPr>
+          <p:nvPr>
+            <p:ph type="sldNum" sz="quarter" idx="12"/>
+          </p:nvPr>
+        </p:nvSpPr>
+        <p:spPr/>
+        <p:txBody>
+          <a:bodyPr/>
+          <a:lstStyle/>
+          <a:p>
+            <a:fld id="{C214D402-94C6-4E56-8BC2-0A53FF3B7787}" type="slidenum">
+              <a:rPr lang="fr-CH" smtClean="0"/>
+              <a:pPr/>
+              <a:t>11</a:t>
+            </a:fld>
+            <a:endParaRPr lang="fr-CH" dirty="0"/>
+          </a:p>
+        </p:txBody>
+      </p:sp>
+    </p:spTree>
+    <p:extLst>
+      <p:ext uri="{BB962C8B-B14F-4D97-AF65-F5344CB8AC3E}">
+        <p14:creationId xmlns:p14="http://schemas.microsoft.com/office/powerpoint/2010/main" val="870265293"/>
+      </p:ext>
+    </p:extLst>
+  </p:cSld>
+  <p:clrMapOvr>
+    <a:masterClrMapping/>
+  </p:clrMapOvr>
+  <mc:AlternateContent xmlns:mc="http://schemas.openxmlformats.org/markup-compatibility/2006" xmlns:p14="http://schemas.microsoft.com/office/powerpoint/2010/main">
+    <mc:Choice Requires="p14">
+      <p:transition spd="slow" p14:dur="800">
+        <p14:flythrough/>
+      </p:transition>
+    </mc:Choice>
+    <mc:Fallback xmlns="">
+      <p:transition spd="slow">
+        <p:fade/>
+      </p:transition>
+    </mc:Fallback>
+  </mc:AlternateContent>
+  <p:timing>
+    <p:tnLst>
+      <p:par>
+        <p:cTn id="1" dur="indefinite" restart="never" nodeType="tmRoot"/>
+      </p:par>
+    </p:tnLst>
+  </p:timing>
+</p:sld>
+</file>
+
+<file path=ppt/slides/slide13.xml><?xml version="1.0" encoding="utf-8"?>
+<p:sld xmlns:a="http://schemas.openxmlformats.org/drawingml/2006/main" xmlns:r="http://schemas.openxmlformats.org/officeDocument/2006/relationships" xmlns:p="http://schemas.openxmlformats.org/presentationml/2006/main">
+  <p:cSld>
+    <p:spTree>
+      <p:nvGrpSpPr>
+        <p:cNvPr id="1" name=""/>
+        <p:cNvGrpSpPr/>
+        <p:nvPr/>
+      </p:nvGrpSpPr>
+      <p:grpSpPr>
+        <a:xfrm>
+          <a:off x="0" y="0"/>
+          <a:ext cx="0" cy="0"/>
+          <a:chOff x="0" y="0"/>
+          <a:chExt cx="0" cy="0"/>
+        </a:xfrm>
+      </p:grpSpPr>
+      <p:sp>
+        <p:nvSpPr>
+          <p:cNvPr id="2" name="Titre 1"/>
+          <p:cNvSpPr>
+            <a:spLocks noGrp="1"/>
+          </p:cNvSpPr>
+          <p:nvPr>
+            <p:ph type="title"/>
+          </p:nvPr>
+        </p:nvSpPr>
+        <p:spPr>
+          <a:xfrm>
+            <a:off x="671369" y="352340"/>
+            <a:ext cx="7966603" cy="615553"/>
+          </a:xfrm>
+        </p:spPr>
+        <p:txBody>
+          <a:bodyPr/>
+          <a:lstStyle/>
+          <a:p>
+            <a:r>
+              <a:rPr lang="fr-CH" dirty="0" smtClean="0"/>
+              <a:t>Diagramme de séquence détaillé</a:t>
+            </a:r>
+            <a:endParaRPr lang="fr-CH" dirty="0"/>
+          </a:p>
+        </p:txBody>
+      </p:sp>
+      <p:pic>
+        <p:nvPicPr>
+          <p:cNvPr id="5" name="Espace réservé du contenu 4"/>
+          <p:cNvPicPr>
+            <a:picLocks noGrp="1" noChangeAspect="1"/>
+          </p:cNvPicPr>
+          <p:nvPr>
+            <p:ph idx="1"/>
+          </p:nvPr>
+        </p:nvPicPr>
+        <p:blipFill>
+          <a:blip r:embed="rId2">
+            <a:extLst>
+              <a:ext uri="{28A0092B-C50C-407E-A947-70E740481C1C}">
+                <a14:useLocalDpi xmlns:a14="http://schemas.microsoft.com/office/drawing/2010/main" val="0"/>
+              </a:ext>
+            </a:extLst>
+          </a:blip>
+          <a:stretch>
+            <a:fillRect/>
+          </a:stretch>
+        </p:blipFill>
+        <p:spPr>
+          <a:xfrm>
+            <a:off x="2910" y="1325576"/>
+            <a:ext cx="9141090" cy="4285111"/>
+          </a:xfrm>
+        </p:spPr>
+      </p:pic>
+      <p:sp>
+        <p:nvSpPr>
+          <p:cNvPr id="4" name="Espace réservé du numéro de diapositive 3"/>
+          <p:cNvSpPr>
+            <a:spLocks noGrp="1"/>
+          </p:cNvSpPr>
+          <p:nvPr>
+            <p:ph type="sldNum" sz="quarter" idx="12"/>
+          </p:nvPr>
+        </p:nvSpPr>
+        <p:spPr/>
+        <p:txBody>
+          <a:bodyPr/>
+          <a:lstStyle/>
+          <a:p>
+            <a:fld id="{C214D402-94C6-4E56-8BC2-0A53FF3B7787}" type="slidenum">
+              <a:rPr lang="fr-CH" smtClean="0"/>
+              <a:pPr/>
+              <a:t>12</a:t>
+            </a:fld>
+            <a:endParaRPr lang="fr-CH" dirty="0"/>
+          </a:p>
+        </p:txBody>
+      </p:sp>
+    </p:spTree>
+    <p:extLst>
+      <p:ext uri="{BB962C8B-B14F-4D97-AF65-F5344CB8AC3E}">
+        <p14:creationId xmlns:p14="http://schemas.microsoft.com/office/powerpoint/2010/main" val="2320882461"/>
+      </p:ext>
+    </p:extLst>
+  </p:cSld>
+  <p:clrMapOvr>
+    <a:masterClrMapping/>
+  </p:clrMapOvr>
+  <mc:AlternateContent xmlns:mc="http://schemas.openxmlformats.org/markup-compatibility/2006" xmlns:p14="http://schemas.microsoft.com/office/powerpoint/2010/main">
+    <mc:Choice Requires="p14">
+      <p:transition spd="slow" p14:dur="800">
+        <p14:flythrough/>
+      </p:transition>
+    </mc:Choice>
+    <mc:Fallback xmlns="">
+      <p:transition spd="slow">
+        <p:fade/>
+      </p:transition>
+    </mc:Fallback>
+  </mc:AlternateContent>
+  <p:timing>
+    <p:tnLst>
+      <p:par>
+        <p:cTn id="1" dur="indefinite" restart="never" nodeType="tmRoot"/>
+      </p:par>
+    </p:tnLst>
+  </p:timing>
+</p:sld>
+</file>
+
+<file path=ppt/slides/slide14.xml><?xml version="1.0" encoding="utf-8"?>
+<p:sld xmlns:a="http://schemas.openxmlformats.org/drawingml/2006/main" xmlns:r="http://schemas.openxmlformats.org/officeDocument/2006/relationships" xmlns:p="http://schemas.openxmlformats.org/presentationml/2006/main">
+  <p:cSld>
+    <p:spTree>
+      <p:nvGrpSpPr>
+        <p:cNvPr id="1" name=""/>
+        <p:cNvGrpSpPr/>
+        <p:nvPr/>
+      </p:nvGrpSpPr>
+      <p:grpSpPr>
+        <a:xfrm>
+          <a:off x="0" y="0"/>
+          <a:ext cx="0" cy="0"/>
+          <a:chOff x="0" y="0"/>
+          <a:chExt cx="0" cy="0"/>
+        </a:xfrm>
+      </p:grpSpPr>
+      <p:sp>
+        <p:nvSpPr>
+          <p:cNvPr id="5" name="Titre 4"/>
+          <p:cNvSpPr>
+            <a:spLocks noGrp="1"/>
+          </p:cNvSpPr>
+          <p:nvPr>
+            <p:ph type="title"/>
+          </p:nvPr>
+        </p:nvSpPr>
+        <p:spPr>
+          <a:xfrm>
+            <a:off x="902189" y="680813"/>
+            <a:ext cx="7338060" cy="615553"/>
+          </a:xfrm>
+        </p:spPr>
+        <p:txBody>
+          <a:bodyPr/>
+          <a:lstStyle/>
+          <a:p>
+            <a:r>
+              <a:rPr lang="fr-CH" dirty="0"/>
+              <a:t>Sauvegarder </a:t>
+            </a:r>
+            <a:r>
+              <a:rPr lang="fr-CH" dirty="0" smtClean="0"/>
+              <a:t>un problème</a:t>
+            </a:r>
+            <a:endParaRPr lang="fr-CH" dirty="0"/>
+          </a:p>
+        </p:txBody>
+      </p:sp>
+      <p:sp>
+        <p:nvSpPr>
+          <p:cNvPr id="4" name="Espace réservé du numéro de diapositive 3"/>
+          <p:cNvSpPr>
+            <a:spLocks noGrp="1"/>
+          </p:cNvSpPr>
+          <p:nvPr>
+            <p:ph type="sldNum" sz="quarter" idx="10"/>
+          </p:nvPr>
+        </p:nvSpPr>
+        <p:spPr/>
+        <p:txBody>
+          <a:bodyPr/>
+          <a:lstStyle/>
+          <a:p>
+            <a:fld id="{C214D402-94C6-4E56-8BC2-0A53FF3B7787}" type="slidenum">
+              <a:rPr lang="fr-CH" smtClean="0"/>
+              <a:pPr/>
+              <a:t>13</a:t>
+            </a:fld>
+            <a:endParaRPr lang="fr-CH" dirty="0"/>
+          </a:p>
+        </p:txBody>
+      </p:sp>
+      <p:pic>
+        <p:nvPicPr>
+          <p:cNvPr id="7" name="Espace réservé du contenu 5"/>
+          <p:cNvPicPr>
+            <a:picLocks noGrp="1" noChangeAspect="1"/>
+          </p:cNvPicPr>
+          <p:nvPr>
+            <p:ph idx="1"/>
+          </p:nvPr>
+        </p:nvPicPr>
+        <p:blipFill>
+          <a:blip r:embed="rId2">
+            <a:extLst>
+              <a:ext uri="{28A0092B-C50C-407E-A947-70E740481C1C}">
+                <a14:useLocalDpi xmlns:a14="http://schemas.microsoft.com/office/drawing/2010/main" val="0"/>
+              </a:ext>
+            </a:extLst>
+          </a:blip>
+          <a:stretch>
+            <a:fillRect/>
+          </a:stretch>
+        </p:blipFill>
+        <p:spPr>
+          <a:xfrm>
+            <a:off x="637707" y="1502233"/>
+            <a:ext cx="5658640" cy="4410691"/>
+          </a:xfrm>
+        </p:spPr>
+      </p:pic>
+      <p:sp>
+        <p:nvSpPr>
+          <p:cNvPr id="8" name="Ellipse 7"/>
+          <p:cNvSpPr/>
+          <p:nvPr/>
+        </p:nvSpPr>
+        <p:spPr>
+          <a:xfrm>
+            <a:off x="2130641" y="3932808"/>
+            <a:ext cx="1313895" cy="568171"/>
+          </a:xfrm>
+          <a:prstGeom prst="ellipse">
+            <a:avLst/>
+          </a:prstGeom>
+          <a:noFill/>
+          <a:ln w="57150">
+            <a:solidFill>
+              <a:srgbClr val="FF0000"/>
+            </a:solidFill>
+          </a:ln>
+        </p:spPr>
+        <p:style>
+          <a:lnRef idx="2">
+            <a:schemeClr val="accent1">
+              <a:shade val="50000"/>
+            </a:schemeClr>
+          </a:lnRef>
+          <a:fillRef idx="1">
+            <a:schemeClr val="accent1"/>
+          </a:fillRef>
+          <a:effectRef idx="0">
+            <a:schemeClr val="accent1"/>
+          </a:effectRef>
+          <a:fontRef idx="minor">
+            <a:schemeClr val="lt1"/>
+          </a:fontRef>
+        </p:style>
+        <p:txBody>
+          <a:bodyPr rtlCol="0" anchor="ctr"/>
+          <a:lstStyle/>
+          <a:p>
+            <a:pPr algn="ctr"/>
+            <a:endParaRPr lang="fr-CH"/>
+          </a:p>
+        </p:txBody>
+      </p:sp>
+    </p:spTree>
+    <p:extLst>
+      <p:ext uri="{BB962C8B-B14F-4D97-AF65-F5344CB8AC3E}">
+        <p14:creationId xmlns:p14="http://schemas.microsoft.com/office/powerpoint/2010/main" val="2298193753"/>
+      </p:ext>
+    </p:extLst>
+  </p:cSld>
+  <p:clrMapOvr>
+    <a:masterClrMapping/>
+  </p:clrMapOvr>
+  <mc:AlternateContent xmlns:mc="http://schemas.openxmlformats.org/markup-compatibility/2006" xmlns:p14="http://schemas.microsoft.com/office/powerpoint/2010/main">
+    <mc:Choice Requires="p14">
+      <p:transition spd="slow" p14:dur="800">
+        <p14:flythrough/>
+      </p:transition>
+    </mc:Choice>
+    <mc:Fallback xmlns="">
+      <p:transition spd="slow">
+        <p:fade/>
+      </p:transition>
+    </mc:Fallback>
+  </mc:AlternateContent>
+  <p:timing>
+    <p:tnLst>
+      <p:par>
+        <p:cTn id="1" dur="indefinite" restart="never" nodeType="tmRoot"/>
+      </p:par>
+    </p:tnLst>
+  </p:timing>
+</p:sld>
+</file>
+
+<file path=ppt/slides/slide15.xml><?xml version="1.0" encoding="utf-8"?>
+<p:sld xmlns:a="http://schemas.openxmlformats.org/drawingml/2006/main" xmlns:r="http://schemas.openxmlformats.org/officeDocument/2006/relationships" xmlns:p="http://schemas.openxmlformats.org/presentationml/2006/main">
+  <p:cSld>
+    <p:spTree>
+      <p:nvGrpSpPr>
+        <p:cNvPr id="1" name=""/>
+        <p:cNvGrpSpPr/>
+        <p:nvPr/>
+      </p:nvGrpSpPr>
+      <p:grpSpPr>
+        <a:xfrm>
+          <a:off x="0" y="0"/>
+          <a:ext cx="0" cy="0"/>
+          <a:chOff x="0" y="0"/>
+          <a:chExt cx="0" cy="0"/>
+        </a:xfrm>
+      </p:grpSpPr>
+      <p:sp>
+        <p:nvSpPr>
+          <p:cNvPr id="2" name="Titre 1"/>
+          <p:cNvSpPr>
+            <a:spLocks noGrp="1"/>
+          </p:cNvSpPr>
+          <p:nvPr>
+            <p:ph type="title"/>
+          </p:nvPr>
+        </p:nvSpPr>
+        <p:spPr>
+          <a:xfrm>
+            <a:off x="522989" y="492740"/>
+            <a:ext cx="8096433" cy="537070"/>
+          </a:xfrm>
+        </p:spPr>
+        <p:txBody>
+          <a:bodyPr/>
+          <a:lstStyle/>
+          <a:p>
+            <a:r>
+              <a:rPr lang="fr-CH" sz="3400" dirty="0" smtClean="0"/>
+              <a:t>Diagramme de séquence système</a:t>
+            </a:r>
+            <a:endParaRPr lang="fr-CH" sz="3400" dirty="0"/>
+          </a:p>
+        </p:txBody>
+      </p:sp>
+      <p:sp>
+        <p:nvSpPr>
+          <p:cNvPr id="4" name="Espace réservé du numéro de diapositive 3"/>
+          <p:cNvSpPr>
+            <a:spLocks noGrp="1"/>
+          </p:cNvSpPr>
+          <p:nvPr>
+            <p:ph type="sldNum" sz="quarter" idx="12"/>
+          </p:nvPr>
+        </p:nvSpPr>
+        <p:spPr/>
+        <p:txBody>
+          <a:bodyPr/>
+          <a:lstStyle/>
+          <a:p>
+            <a:fld id="{C214D402-94C6-4E56-8BC2-0A53FF3B7787}" type="slidenum">
+              <a:rPr lang="fr-CH" smtClean="0"/>
+              <a:pPr/>
+              <a:t>14</a:t>
+            </a:fld>
+            <a:endParaRPr lang="fr-CH" dirty="0"/>
+          </a:p>
+        </p:txBody>
+      </p:sp>
+      <p:pic>
+        <p:nvPicPr>
+          <p:cNvPr id="6" name="Espace réservé du contenu 5"/>
+          <p:cNvPicPr>
+            <a:picLocks noGrp="1" noChangeAspect="1"/>
+          </p:cNvPicPr>
+          <p:nvPr>
+            <p:ph idx="1"/>
+          </p:nvPr>
+        </p:nvPicPr>
+        <p:blipFill>
+          <a:blip r:embed="rId2">
+            <a:extLst>
+              <a:ext uri="{28A0092B-C50C-407E-A947-70E740481C1C}">
+                <a14:useLocalDpi xmlns:a14="http://schemas.microsoft.com/office/drawing/2010/main" val="0"/>
+              </a:ext>
+            </a:extLst>
+          </a:blip>
+          <a:stretch>
+            <a:fillRect/>
+          </a:stretch>
+        </p:blipFill>
+        <p:spPr>
+          <a:xfrm>
+            <a:off x="612560" y="1102155"/>
+            <a:ext cx="7860322" cy="4670283"/>
+          </a:xfrm>
+        </p:spPr>
+      </p:pic>
+    </p:spTree>
+    <p:extLst>
+      <p:ext uri="{BB962C8B-B14F-4D97-AF65-F5344CB8AC3E}">
+        <p14:creationId xmlns:p14="http://schemas.microsoft.com/office/powerpoint/2010/main" val="2731783113"/>
+      </p:ext>
+    </p:extLst>
+  </p:cSld>
+  <p:clrMapOvr>
+    <a:masterClrMapping/>
+  </p:clrMapOvr>
+  <mc:AlternateContent xmlns:mc="http://schemas.openxmlformats.org/markup-compatibility/2006" xmlns:p14="http://schemas.microsoft.com/office/powerpoint/2010/main">
+    <mc:Choice Requires="p14">
+      <p:transition spd="slow" p14:dur="800">
+        <p14:flythrough/>
+      </p:transition>
+    </mc:Choice>
+    <mc:Fallback xmlns="">
+      <p:transition spd="slow">
+        <p:fade/>
+      </p:transition>
+    </mc:Fallback>
+  </mc:AlternateContent>
+  <p:timing>
+    <p:tnLst>
+      <p:par>
+        <p:cTn id="1" dur="indefinite" restart="never" nodeType="tmRoot"/>
+      </p:par>
+    </p:tnLst>
+  </p:timing>
+</p:sld>
+</file>
+
+<file path=ppt/slides/slide16.xml><?xml version="1.0" encoding="utf-8"?>
+<p:sld xmlns:a="http://schemas.openxmlformats.org/drawingml/2006/main" xmlns:r="http://schemas.openxmlformats.org/officeDocument/2006/relationships" xmlns:p="http://schemas.openxmlformats.org/presentationml/2006/main">
+  <p:cSld>
+    <p:spTree>
+      <p:nvGrpSpPr>
+        <p:cNvPr id="1" name=""/>
+        <p:cNvGrpSpPr/>
+        <p:nvPr/>
+      </p:nvGrpSpPr>
+      <p:grpSpPr>
+        <a:xfrm>
+          <a:off x="0" y="0"/>
+          <a:ext cx="0" cy="0"/>
+          <a:chOff x="0" y="0"/>
+          <a:chExt cx="0" cy="0"/>
+        </a:xfrm>
+      </p:grpSpPr>
+      <p:sp>
+        <p:nvSpPr>
+          <p:cNvPr id="6" name="Titre 5"/>
+          <p:cNvSpPr>
+            <a:spLocks noGrp="1"/>
+          </p:cNvSpPr>
+          <p:nvPr>
+            <p:ph type="title"/>
+          </p:nvPr>
+        </p:nvSpPr>
+        <p:spPr>
+          <a:xfrm>
+            <a:off x="901700" y="165586"/>
+            <a:ext cx="7570228" cy="890858"/>
+          </a:xfrm>
+        </p:spPr>
+        <p:txBody>
+          <a:bodyPr/>
+          <a:lstStyle/>
+          <a:p>
+            <a:r>
+              <a:rPr lang="fr-CH" dirty="0" smtClean="0"/>
+              <a:t>Diagramme de communication</a:t>
+            </a:r>
+            <a:endParaRPr lang="fr-CH" dirty="0"/>
+          </a:p>
+        </p:txBody>
+      </p:sp>
+      <p:sp>
+        <p:nvSpPr>
+          <p:cNvPr id="4" name="Espace réservé du numéro de diapositive 3"/>
+          <p:cNvSpPr>
+            <a:spLocks noGrp="1"/>
+          </p:cNvSpPr>
+          <p:nvPr>
+            <p:ph type="sldNum" sz="quarter" idx="12"/>
+          </p:nvPr>
+        </p:nvSpPr>
+        <p:spPr/>
+        <p:txBody>
+          <a:bodyPr/>
+          <a:lstStyle/>
+          <a:p>
+            <a:fld id="{C214D402-94C6-4E56-8BC2-0A53FF3B7787}" type="slidenum">
+              <a:rPr lang="fr-CH" smtClean="0"/>
+              <a:pPr/>
+              <a:t>15</a:t>
+            </a:fld>
+            <a:endParaRPr lang="fr-CH" dirty="0"/>
+          </a:p>
+        </p:txBody>
+      </p:sp>
+      <p:pic>
+        <p:nvPicPr>
+          <p:cNvPr id="3" name="Espace réservé du contenu 2"/>
+          <p:cNvPicPr>
+            <a:picLocks noGrp="1" noChangeAspect="1"/>
+          </p:cNvPicPr>
+          <p:nvPr>
+            <p:ph idx="1"/>
+          </p:nvPr>
+        </p:nvPicPr>
+        <p:blipFill>
+          <a:blip r:embed="rId2">
+            <a:extLst>
+              <a:ext uri="{28A0092B-C50C-407E-A947-70E740481C1C}">
+                <a14:useLocalDpi xmlns:a14="http://schemas.microsoft.com/office/drawing/2010/main" val="0"/>
+              </a:ext>
+            </a:extLst>
+          </a:blip>
+          <a:stretch>
+            <a:fillRect/>
+          </a:stretch>
+        </p:blipFill>
+        <p:spPr>
+          <a:xfrm>
+            <a:off x="0" y="1369685"/>
+            <a:ext cx="9144000" cy="4435865"/>
+          </a:xfrm>
+        </p:spPr>
+      </p:pic>
+    </p:spTree>
+    <p:extLst>
+      <p:ext uri="{BB962C8B-B14F-4D97-AF65-F5344CB8AC3E}">
+        <p14:creationId xmlns:p14="http://schemas.microsoft.com/office/powerpoint/2010/main" val="4201131323"/>
+      </p:ext>
+    </p:extLst>
+  </p:cSld>
+  <p:clrMapOvr>
+    <a:masterClrMapping/>
+  </p:clrMapOvr>
+  <mc:AlternateContent xmlns:mc="http://schemas.openxmlformats.org/markup-compatibility/2006" xmlns:p14="http://schemas.microsoft.com/office/powerpoint/2010/main">
+    <mc:Choice Requires="p14">
+      <p:transition spd="slow" p14:dur="800">
+        <p14:flythrough/>
+      </p:transition>
+    </mc:Choice>
+    <mc:Fallback xmlns="">
+      <p:transition spd="slow">
+        <p:fade/>
+      </p:transition>
+    </mc:Fallback>
+  </mc:AlternateContent>
+  <p:timing>
+    <p:tnLst>
+      <p:par>
+        <p:cTn id="1" dur="indefinite" restart="never" nodeType="tmRoot"/>
+      </p:par>
+    </p:tnLst>
+  </p:timing>
+</p:sld>
+</file>
+
+<file path=ppt/slides/slide17.xml><?xml version="1.0" encoding="utf-8"?>
+<p:sld xmlns:a="http://schemas.openxmlformats.org/drawingml/2006/main" xmlns:r="http://schemas.openxmlformats.org/officeDocument/2006/relationships" xmlns:p="http://schemas.openxmlformats.org/presentationml/2006/main">
+  <p:cSld>
+    <p:spTree>
+      <p:nvGrpSpPr>
+        <p:cNvPr id="1" name=""/>
+        <p:cNvGrpSpPr/>
+        <p:nvPr/>
+      </p:nvGrpSpPr>
+      <p:grpSpPr>
+        <a:xfrm>
+          <a:off x="0" y="0"/>
+          <a:ext cx="0" cy="0"/>
+          <a:chOff x="0" y="0"/>
+          <a:chExt cx="0" cy="0"/>
+        </a:xfrm>
+      </p:grpSpPr>
+      <p:sp>
+        <p:nvSpPr>
+          <p:cNvPr id="5" name="Titre 4"/>
+          <p:cNvSpPr>
+            <a:spLocks noGrp="1"/>
+          </p:cNvSpPr>
+          <p:nvPr>
+            <p:ph type="title"/>
+          </p:nvPr>
+        </p:nvSpPr>
+        <p:spPr/>
+        <p:txBody>
+          <a:bodyPr/>
+          <a:lstStyle/>
+          <a:p>
+            <a:r>
+              <a:rPr lang="fr-CH" dirty="0" smtClean="0"/>
+              <a:t>Prototype</a:t>
+            </a:r>
+            <a:endParaRPr lang="fr-CH" dirty="0"/>
+          </a:p>
+        </p:txBody>
+      </p:sp>
+      <p:sp>
+        <p:nvSpPr>
+          <p:cNvPr id="6" name="Espace réservé du contenu 5"/>
+          <p:cNvSpPr>
+            <a:spLocks noGrp="1"/>
+          </p:cNvSpPr>
+          <p:nvPr>
+            <p:ph idx="1"/>
+          </p:nvPr>
+        </p:nvSpPr>
+        <p:spPr/>
+        <p:txBody>
+          <a:bodyPr/>
+          <a:lstStyle/>
+          <a:p>
+            <a:endParaRPr lang="fr-CH"/>
+          </a:p>
+        </p:txBody>
+      </p:sp>
+      <p:sp>
+        <p:nvSpPr>
+          <p:cNvPr id="4" name="Espace réservé du numéro de diapositive 3"/>
+          <p:cNvSpPr>
+            <a:spLocks noGrp="1"/>
+          </p:cNvSpPr>
+          <p:nvPr>
+            <p:ph type="sldNum" sz="quarter" idx="10"/>
+          </p:nvPr>
+        </p:nvSpPr>
+        <p:spPr/>
+        <p:txBody>
+          <a:bodyPr/>
+          <a:lstStyle/>
+          <a:p>
+            <a:fld id="{C214D402-94C6-4E56-8BC2-0A53FF3B7787}" type="slidenum">
+              <a:rPr lang="fr-CH" smtClean="0"/>
+              <a:pPr/>
+              <a:t>16</a:t>
+            </a:fld>
+            <a:endParaRPr lang="fr-CH" dirty="0"/>
+          </a:p>
+        </p:txBody>
+      </p:sp>
+    </p:spTree>
+    <p:extLst>
+      <p:ext uri="{BB962C8B-B14F-4D97-AF65-F5344CB8AC3E}">
+        <p14:creationId xmlns:p14="http://schemas.microsoft.com/office/powerpoint/2010/main" val="2311194950"/>
+      </p:ext>
+    </p:extLst>
+  </p:cSld>
+  <p:clrMapOvr>
+    <a:masterClrMapping/>
+  </p:clrMapOvr>
+  <mc:AlternateContent xmlns:mc="http://schemas.openxmlformats.org/markup-compatibility/2006" xmlns:p14="http://schemas.microsoft.com/office/powerpoint/2010/main">
+    <mc:Choice Requires="p14">
+      <p:transition spd="slow" p14:dur="800">
+        <p14:flythrough/>
+      </p:transition>
+    </mc:Choice>
+    <mc:Fallback xmlns="">
+      <p:transition spd="slow">
+        <p:fade/>
+      </p:transition>
+    </mc:Fallback>
+  </mc:AlternateContent>
+  <p:timing>
+    <p:tnLst>
+      <p:par>
+        <p:cTn id="1" dur="indefinite" restart="never" nodeType="tmRoot"/>
+      </p:par>
+    </p:tnLst>
+  </p:timing>
+</p:sld>
+</file>
+
+<file path=ppt/slides/slide18.xml><?xml version="1.0" encoding="utf-8"?>
+<p:sld xmlns:a="http://schemas.openxmlformats.org/drawingml/2006/main" xmlns:r="http://schemas.openxmlformats.org/officeDocument/2006/relationships" xmlns:p="http://schemas.openxmlformats.org/presentationml/2006/main">
+  <p:cSld>
+    <p:spTree>
+      <p:nvGrpSpPr>
+        <p:cNvPr id="1" name=""/>
+        <p:cNvGrpSpPr/>
+        <p:nvPr/>
+      </p:nvGrpSpPr>
+      <p:grpSpPr>
+        <a:xfrm>
+          <a:off x="0" y="0"/>
+          <a:ext cx="0" cy="0"/>
+          <a:chOff x="0" y="0"/>
+          <a:chExt cx="0" cy="0"/>
+        </a:xfrm>
+      </p:grpSpPr>
+      <p:sp>
+        <p:nvSpPr>
+          <p:cNvPr id="2" name="Titre 1"/>
+          <p:cNvSpPr>
+            <a:spLocks noGrp="1"/>
+          </p:cNvSpPr>
+          <p:nvPr>
+            <p:ph type="title"/>
+          </p:nvPr>
+        </p:nvSpPr>
+        <p:spPr/>
+        <p:txBody>
+          <a:bodyPr/>
+          <a:lstStyle/>
+          <a:p>
+            <a:r>
+              <a:rPr lang="fr-CH" dirty="0" smtClean="0"/>
+              <a:t>Poster</a:t>
+            </a:r>
+            <a:endParaRPr lang="fr-CH" dirty="0"/>
+          </a:p>
+        </p:txBody>
+      </p:sp>
+      <p:sp>
+        <p:nvSpPr>
+          <p:cNvPr id="3" name="Espace réservé du contenu 2"/>
+          <p:cNvSpPr>
+            <a:spLocks noGrp="1"/>
+          </p:cNvSpPr>
+          <p:nvPr>
+            <p:ph idx="1"/>
+          </p:nvPr>
+        </p:nvSpPr>
+        <p:spPr/>
+        <p:txBody>
+          <a:bodyPr/>
+          <a:lstStyle/>
+          <a:p>
+            <a:endParaRPr lang="fr-CH" dirty="0"/>
+          </a:p>
+        </p:txBody>
+      </p:sp>
+      <p:sp>
+        <p:nvSpPr>
+          <p:cNvPr id="4" name="Espace réservé du numéro de diapositive 3"/>
+          <p:cNvSpPr>
+            <a:spLocks noGrp="1"/>
+          </p:cNvSpPr>
+          <p:nvPr>
+            <p:ph type="sldNum" sz="quarter" idx="10"/>
+          </p:nvPr>
+        </p:nvSpPr>
+        <p:spPr/>
+        <p:txBody>
+          <a:bodyPr/>
+          <a:lstStyle/>
+          <a:p>
+            <a:fld id="{C214D402-94C6-4E56-8BC2-0A53FF3B7787}" type="slidenum">
+              <a:rPr lang="fr-CH" smtClean="0"/>
+              <a:pPr/>
+              <a:t>17</a:t>
+            </a:fld>
+            <a:endParaRPr lang="fr-CH" dirty="0"/>
+          </a:p>
+        </p:txBody>
+      </p:sp>
+    </p:spTree>
+    <p:extLst>
+      <p:ext uri="{BB962C8B-B14F-4D97-AF65-F5344CB8AC3E}">
+        <p14:creationId xmlns:p14="http://schemas.microsoft.com/office/powerpoint/2010/main" val="61403989"/>
+      </p:ext>
+    </p:extLst>
+  </p:cSld>
+  <p:clrMapOvr>
+    <a:masterClrMapping/>
+  </p:clrMapOvr>
+  <mc:AlternateContent xmlns:mc="http://schemas.openxmlformats.org/markup-compatibility/2006" xmlns:p14="http://schemas.microsoft.com/office/powerpoint/2010/main">
+    <mc:Choice Requires="p14">
+      <p:transition spd="slow" p14:dur="800">
+        <p14:flythrough/>
       </p:transition>
     </mc:Choice>
     <mc:Fallback xmlns="">
@@ -3452,7 +4738,7 @@
         <p:spPr/>
         <p:txBody>
           <a:bodyPr>
-            <a:normAutofit fontScale="92500" lnSpcReduction="20000"/>
+            <a:normAutofit fontScale="85000" lnSpcReduction="20000"/>
           </a:bodyPr>
           <a:lstStyle/>
           <a:p>
@@ -3476,11 +4762,7 @@
             <a:pPr lvl="1"/>
             <a:r>
               <a:rPr lang="fr-CH" dirty="0" smtClean="0"/>
-              <a:t>Cas </a:t>
-            </a:r>
-            <a:r>
-              <a:rPr lang="fr-CH" dirty="0" smtClean="0"/>
-              <a:t>d’utilisation</a:t>
+              <a:t>Cas d’utilisation</a:t>
             </a:r>
           </a:p>
           <a:p>
@@ -3489,7 +4771,6 @@
               <a:rPr lang="fr-CH" dirty="0" smtClean="0"/>
               <a:t>Maquette</a:t>
             </a:r>
-            <a:endParaRPr lang="fr-CH" dirty="0" smtClean="0"/>
           </a:p>
           <a:p>
             <a:pPr marL="457200" indent="-457200">
@@ -3529,13 +4810,6 @@
             <a:pPr lvl="1"/>
             <a:r>
               <a:rPr lang="fr-CH" dirty="0" smtClean="0"/>
-              <a:t>Diagramme séquence système</a:t>
-            </a:r>
-          </a:p>
-          <a:p>
-            <a:pPr lvl="1"/>
-            <a:r>
-              <a:rPr lang="fr-CH" dirty="0" smtClean="0"/>
               <a:t>Diagramme de classe</a:t>
             </a:r>
           </a:p>
@@ -3549,10 +4823,20 @@
           <a:p>
             <a:pPr lvl="1"/>
             <a:r>
+              <a:rPr lang="fr-CH" dirty="0"/>
+              <a:t>Diagramme </a:t>
+            </a:r>
+            <a:r>
+              <a:rPr lang="fr-CH" dirty="0" smtClean="0"/>
+              <a:t>de séquence système</a:t>
+            </a:r>
+          </a:p>
+          <a:p>
+            <a:pPr lvl="1"/>
+            <a:r>
               <a:rPr lang="fr-CH" dirty="0" smtClean="0"/>
               <a:t>Diagramme de séquence détaillés</a:t>
             </a:r>
-            <a:endParaRPr lang="fr-CH" dirty="0" smtClean="0"/>
           </a:p>
           <a:p>
             <a:pPr marL="457200" indent="-457200">
@@ -3858,7 +5142,7 @@
         </p:blipFill>
         <p:spPr>
           <a:xfrm>
-            <a:off x="1910161" y="1506229"/>
+            <a:off x="386161" y="1506230"/>
             <a:ext cx="5658640" cy="4410691"/>
           </a:xfrm>
         </p:spPr>
@@ -3873,18 +5157,25 @@
   <p:clrMapOvr>
     <a:masterClrMapping/>
   </p:clrMapOvr>
-  <mc:AlternateContent xmlns:mc="http://schemas.openxmlformats.org/markup-compatibility/2006">
-    <mc:Choice xmlns:p14="http://schemas.microsoft.com/office/powerpoint/2010/main" Requires="p14">
+  <mc:AlternateContent xmlns:mc="http://schemas.openxmlformats.org/markup-compatibility/2006" xmlns:p14="http://schemas.microsoft.com/office/powerpoint/2010/main">
+    <mc:Choice Requires="p14">
       <p:transition spd="slow" p14:dur="800">
         <p14:flythrough/>
       </p:transition>
     </mc:Choice>
-    <mc:Fallback>
+    <mc:Fallback xmlns="">
       <p:transition spd="slow">
         <p:fade/>
       </p:transition>
     </mc:Fallback>
   </mc:AlternateContent>
+  <p:timing>
+    <p:tnLst>
+      <p:par>
+        <p:cTn id="1" dur="indefinite" restart="never" nodeType="tmRoot"/>
+      </p:par>
+    </p:tnLst>
+  </p:timing>
 </p:sld>
 </file>
 
@@ -3905,29 +5196,6 @@
           <a:chExt cx="0" cy="0"/>
         </a:xfrm>
       </p:grpSpPr>
-      <p:sp>
-        <p:nvSpPr>
-          <p:cNvPr id="2" name="Titre 1"/>
-          <p:cNvSpPr>
-            <a:spLocks noGrp="1"/>
-          </p:cNvSpPr>
-          <p:nvPr>
-            <p:ph type="title"/>
-          </p:nvPr>
-        </p:nvSpPr>
-        <p:spPr/>
-        <p:txBody>
-          <a:bodyPr/>
-          <a:lstStyle/>
-          <a:p>
-            <a:r>
-              <a:rPr lang="fr-CH" dirty="0" smtClean="0"/>
-              <a:t>Maquette</a:t>
-            </a:r>
-            <a:endParaRPr lang="fr-CH" dirty="0"/>
-          </a:p>
-        </p:txBody>
-      </p:sp>
       <p:pic>
         <p:nvPicPr>
           <p:cNvPr id="5" name="Espace réservé du contenu 4"/>
@@ -3952,8 +5220,8 @@
         </p:blipFill>
         <p:spPr>
           <a:xfrm>
-            <a:off x="1203325" y="1417067"/>
-            <a:ext cx="7072313" cy="4589016"/>
+            <a:off x="0" y="170753"/>
+            <a:ext cx="9166756" cy="5948039"/>
           </a:xfrm>
         </p:spPr>
       </p:pic>
@@ -3964,7 +5232,7 @@
             <a:spLocks noGrp="1"/>
           </p:cNvSpPr>
           <p:nvPr>
-            <p:ph type="sldNum" sz="quarter" idx="10"/>
+            <p:ph type="sldNum" sz="quarter" idx="12"/>
           </p:nvPr>
         </p:nvSpPr>
         <p:spPr/>
@@ -3991,18 +5259,555 @@
   <p:clrMapOvr>
     <a:masterClrMapping/>
   </p:clrMapOvr>
-  <mc:AlternateContent xmlns:mc="http://schemas.openxmlformats.org/markup-compatibility/2006">
-    <mc:Choice xmlns:p14="http://schemas.microsoft.com/office/powerpoint/2010/main" Requires="p14">
+  <mc:AlternateContent xmlns:mc="http://schemas.openxmlformats.org/markup-compatibility/2006" xmlns:p14="http://schemas.microsoft.com/office/powerpoint/2010/main">
+    <mc:Choice Requires="p14">
       <p:transition spd="slow" p14:dur="800">
         <p14:flythrough/>
       </p:transition>
     </mc:Choice>
-    <mc:Fallback>
+    <mc:Fallback xmlns="">
       <p:transition spd="slow">
         <p:fade/>
       </p:transition>
     </mc:Fallback>
   </mc:AlternateContent>
+  <p:timing>
+    <p:tnLst>
+      <p:par>
+        <p:cTn id="1" dur="indefinite" restart="never" nodeType="tmRoot"/>
+      </p:par>
+    </p:tnLst>
+  </p:timing>
+</p:sld>
+</file>
+
+<file path=ppt/slides/slide6.xml><?xml version="1.0" encoding="utf-8"?>
+<p:sld xmlns:a="http://schemas.openxmlformats.org/drawingml/2006/main" xmlns:r="http://schemas.openxmlformats.org/officeDocument/2006/relationships" xmlns:p="http://schemas.openxmlformats.org/presentationml/2006/main">
+  <p:cSld>
+    <p:spTree>
+      <p:nvGrpSpPr>
+        <p:cNvPr id="1" name=""/>
+        <p:cNvGrpSpPr/>
+        <p:nvPr/>
+      </p:nvGrpSpPr>
+      <p:grpSpPr>
+        <a:xfrm>
+          <a:off x="0" y="0"/>
+          <a:ext cx="0" cy="0"/>
+          <a:chOff x="0" y="0"/>
+          <a:chExt cx="0" cy="0"/>
+        </a:xfrm>
+      </p:grpSpPr>
+      <p:sp>
+        <p:nvSpPr>
+          <p:cNvPr id="2" name="Titre 1"/>
+          <p:cNvSpPr>
+            <a:spLocks noGrp="1"/>
+          </p:cNvSpPr>
+          <p:nvPr>
+            <p:ph type="title"/>
+          </p:nvPr>
+        </p:nvSpPr>
+        <p:spPr/>
+        <p:txBody>
+          <a:bodyPr/>
+          <a:lstStyle/>
+          <a:p>
+            <a:r>
+              <a:rPr lang="fr-CH" dirty="0" smtClean="0"/>
+              <a:t>Distribution des rôles</a:t>
+            </a:r>
+            <a:endParaRPr lang="fr-CH" dirty="0"/>
+          </a:p>
+        </p:txBody>
+      </p:sp>
+      <p:sp>
+        <p:nvSpPr>
+          <p:cNvPr id="5" name="Espace réservé du contenu 4"/>
+          <p:cNvSpPr>
+            <a:spLocks noGrp="1"/>
+          </p:cNvSpPr>
+          <p:nvPr>
+            <p:ph idx="1"/>
+          </p:nvPr>
+        </p:nvSpPr>
+        <p:spPr>
+          <a:xfrm>
+            <a:off x="400351" y="1810521"/>
+            <a:ext cx="7221989" cy="4598271"/>
+          </a:xfrm>
+        </p:spPr>
+        <p:txBody>
+          <a:bodyPr>
+            <a:normAutofit/>
+          </a:bodyPr>
+          <a:lstStyle/>
+          <a:p>
+            <a:r>
+              <a:rPr lang="fr-CH" sz="1800" b="0" dirty="0" smtClean="0"/>
+              <a:t>Chef de projet: </a:t>
+            </a:r>
+            <a:r>
+              <a:rPr lang="fr-CH" sz="1800" dirty="0" smtClean="0"/>
+              <a:t>Nicolas Gonin</a:t>
+            </a:r>
+          </a:p>
+          <a:p>
+            <a:r>
+              <a:rPr lang="fr-CH" sz="1800" b="0" dirty="0"/>
+              <a:t>Responsable métier: </a:t>
+            </a:r>
+            <a:r>
+              <a:rPr lang="fr-CH" sz="1800" dirty="0"/>
+              <a:t>Nicolas </a:t>
+            </a:r>
+            <a:r>
+              <a:rPr lang="fr-CH" sz="1800" dirty="0" smtClean="0"/>
+              <a:t>Gonin</a:t>
+            </a:r>
+          </a:p>
+          <a:p>
+            <a:r>
+              <a:rPr lang="fr-CH" sz="1800" b="0" dirty="0" smtClean="0"/>
+              <a:t>Responsable de l’intégration: </a:t>
+            </a:r>
+            <a:r>
+              <a:rPr lang="fr-CH" sz="1800" dirty="0" smtClean="0"/>
+              <a:t>Kevin </a:t>
+            </a:r>
+            <a:r>
+              <a:rPr lang="fr-CH" sz="1800" dirty="0" err="1" smtClean="0"/>
+              <a:t>Vulliemin</a:t>
+            </a:r>
+            <a:endParaRPr lang="fr-CH" sz="1800" dirty="0" smtClean="0"/>
+          </a:p>
+          <a:p>
+            <a:r>
+              <a:rPr lang="fr-CH" sz="1800" b="0" dirty="0" smtClean="0"/>
+              <a:t>Responsable du Design général: </a:t>
+            </a:r>
+            <a:r>
+              <a:rPr lang="fr-CH" sz="1800" dirty="0" smtClean="0"/>
+              <a:t>Kevin </a:t>
+            </a:r>
+            <a:r>
+              <a:rPr lang="fr-CH" sz="1800" dirty="0" err="1" smtClean="0"/>
+              <a:t>Vulliemin</a:t>
+            </a:r>
+            <a:endParaRPr lang="fr-CH" sz="1800" dirty="0" smtClean="0"/>
+          </a:p>
+          <a:p>
+            <a:r>
+              <a:rPr lang="fr-CH" sz="1800" b="0" dirty="0" smtClean="0"/>
+              <a:t>Responsable module graphique: </a:t>
+            </a:r>
+            <a:r>
+              <a:rPr lang="fr-CH" sz="1800" dirty="0" smtClean="0"/>
+              <a:t>Matthieu </a:t>
+            </a:r>
+            <a:r>
+              <a:rPr lang="fr-CH" sz="1800" dirty="0" err="1" smtClean="0"/>
+              <a:t>Bandelier</a:t>
+            </a:r>
+            <a:endParaRPr lang="fr-CH" sz="1800" dirty="0" smtClean="0"/>
+          </a:p>
+          <a:p>
+            <a:r>
+              <a:rPr lang="fr-CH" sz="1800" b="0" dirty="0"/>
+              <a:t>Responsable des spécifications: </a:t>
+            </a:r>
+            <a:r>
+              <a:rPr lang="fr-CH" sz="1800" dirty="0"/>
+              <a:t>Matthieu </a:t>
+            </a:r>
+            <a:r>
+              <a:rPr lang="fr-CH" sz="1800" dirty="0" err="1" smtClean="0"/>
+              <a:t>Bandelier</a:t>
+            </a:r>
+            <a:endParaRPr lang="fr-CH" sz="1800" dirty="0"/>
+          </a:p>
+          <a:p>
+            <a:r>
+              <a:rPr lang="fr-CH" sz="1800" b="0" dirty="0" smtClean="0"/>
+              <a:t>Responsable interface graphique: </a:t>
+            </a:r>
+            <a:r>
+              <a:rPr lang="fr-CH" sz="1800" dirty="0" smtClean="0"/>
+              <a:t>Bastien </a:t>
+            </a:r>
+            <a:r>
+              <a:rPr lang="fr-CH" sz="1800" dirty="0" err="1" smtClean="0"/>
+              <a:t>Burri</a:t>
+            </a:r>
+            <a:endParaRPr lang="fr-CH" sz="1800" dirty="0" smtClean="0"/>
+          </a:p>
+        </p:txBody>
+      </p:sp>
+      <p:sp>
+        <p:nvSpPr>
+          <p:cNvPr id="4" name="Espace réservé du numéro de diapositive 3"/>
+          <p:cNvSpPr>
+            <a:spLocks noGrp="1"/>
+          </p:cNvSpPr>
+          <p:nvPr>
+            <p:ph type="sldNum" sz="quarter" idx="10"/>
+          </p:nvPr>
+        </p:nvSpPr>
+        <p:spPr/>
+        <p:txBody>
+          <a:bodyPr/>
+          <a:lstStyle/>
+          <a:p>
+            <a:fld id="{C214D402-94C6-4E56-8BC2-0A53FF3B7787}" type="slidenum">
+              <a:rPr lang="fr-CH" smtClean="0"/>
+              <a:t>5</a:t>
+            </a:fld>
+            <a:endParaRPr lang="fr-CH"/>
+          </a:p>
+        </p:txBody>
+      </p:sp>
+    </p:spTree>
+    <p:extLst>
+      <p:ext uri="{BB962C8B-B14F-4D97-AF65-F5344CB8AC3E}">
+        <p14:creationId xmlns:p14="http://schemas.microsoft.com/office/powerpoint/2010/main" val="3665826911"/>
+      </p:ext>
+    </p:extLst>
+  </p:cSld>
+  <p:clrMapOvr>
+    <a:masterClrMapping/>
+  </p:clrMapOvr>
+  <mc:AlternateContent xmlns:mc="http://schemas.openxmlformats.org/markup-compatibility/2006" xmlns:p14="http://schemas.microsoft.com/office/powerpoint/2010/main">
+    <mc:Choice Requires="p14">
+      <p:transition spd="slow" p14:dur="800">
+        <p14:flythrough/>
+      </p:transition>
+    </mc:Choice>
+    <mc:Fallback xmlns="">
+      <p:transition spd="slow">
+        <p:fade/>
+      </p:transition>
+    </mc:Fallback>
+  </mc:AlternateContent>
+  <p:timing>
+    <p:tnLst>
+      <p:par>
+        <p:cTn id="1" dur="indefinite" restart="never" nodeType="tmRoot"/>
+      </p:par>
+    </p:tnLst>
+  </p:timing>
+</p:sld>
+</file>
+
+<file path=ppt/slides/slide7.xml><?xml version="1.0" encoding="utf-8"?>
+<p:sld xmlns:a="http://schemas.openxmlformats.org/drawingml/2006/main" xmlns:r="http://schemas.openxmlformats.org/officeDocument/2006/relationships" xmlns:p="http://schemas.openxmlformats.org/presentationml/2006/main">
+  <p:cSld>
+    <p:spTree>
+      <p:nvGrpSpPr>
+        <p:cNvPr id="1" name=""/>
+        <p:cNvGrpSpPr/>
+        <p:nvPr/>
+      </p:nvGrpSpPr>
+      <p:grpSpPr>
+        <a:xfrm>
+          <a:off x="0" y="0"/>
+          <a:ext cx="0" cy="0"/>
+          <a:chOff x="0" y="0"/>
+          <a:chExt cx="0" cy="0"/>
+        </a:xfrm>
+      </p:grpSpPr>
+      <p:sp>
+        <p:nvSpPr>
+          <p:cNvPr id="5" name="Titre 4"/>
+          <p:cNvSpPr>
+            <a:spLocks noGrp="1"/>
+          </p:cNvSpPr>
+          <p:nvPr>
+            <p:ph type="title"/>
+          </p:nvPr>
+        </p:nvSpPr>
+        <p:spPr/>
+        <p:txBody>
+          <a:bodyPr/>
+          <a:lstStyle/>
+          <a:p>
+            <a:r>
+              <a:rPr lang="fr-CH" dirty="0" smtClean="0"/>
+              <a:t>Planning</a:t>
+            </a:r>
+            <a:endParaRPr lang="fr-CH" dirty="0"/>
+          </a:p>
+        </p:txBody>
+      </p:sp>
+      <p:sp>
+        <p:nvSpPr>
+          <p:cNvPr id="6" name="Espace réservé du contenu 5"/>
+          <p:cNvSpPr>
+            <a:spLocks noGrp="1"/>
+          </p:cNvSpPr>
+          <p:nvPr>
+            <p:ph idx="1"/>
+          </p:nvPr>
+        </p:nvSpPr>
+        <p:spPr/>
+        <p:txBody>
+          <a:bodyPr/>
+          <a:lstStyle/>
+          <a:p>
+            <a:endParaRPr lang="fr-CH"/>
+          </a:p>
+        </p:txBody>
+      </p:sp>
+      <p:sp>
+        <p:nvSpPr>
+          <p:cNvPr id="4" name="Espace réservé du numéro de diapositive 3"/>
+          <p:cNvSpPr>
+            <a:spLocks noGrp="1"/>
+          </p:cNvSpPr>
+          <p:nvPr>
+            <p:ph type="sldNum" sz="quarter" idx="10"/>
+          </p:nvPr>
+        </p:nvSpPr>
+        <p:spPr/>
+        <p:txBody>
+          <a:bodyPr/>
+          <a:lstStyle/>
+          <a:p>
+            <a:fld id="{C214D402-94C6-4E56-8BC2-0A53FF3B7787}" type="slidenum">
+              <a:rPr lang="fr-CH" smtClean="0"/>
+              <a:pPr/>
+              <a:t>6</a:t>
+            </a:fld>
+            <a:endParaRPr lang="fr-CH" dirty="0"/>
+          </a:p>
+        </p:txBody>
+      </p:sp>
+    </p:spTree>
+    <p:extLst>
+      <p:ext uri="{BB962C8B-B14F-4D97-AF65-F5344CB8AC3E}">
+        <p14:creationId xmlns:p14="http://schemas.microsoft.com/office/powerpoint/2010/main" val="3106220760"/>
+      </p:ext>
+    </p:extLst>
+  </p:cSld>
+  <p:clrMapOvr>
+    <a:masterClrMapping/>
+  </p:clrMapOvr>
+  <mc:AlternateContent xmlns:mc="http://schemas.openxmlformats.org/markup-compatibility/2006" xmlns:p14="http://schemas.microsoft.com/office/powerpoint/2010/main">
+    <mc:Choice Requires="p14">
+      <p:transition spd="slow" p14:dur="800">
+        <p14:flythrough/>
+      </p:transition>
+    </mc:Choice>
+    <mc:Fallback xmlns="">
+      <p:transition spd="slow">
+        <p:fade/>
+      </p:transition>
+    </mc:Fallback>
+  </mc:AlternateContent>
+  <p:timing>
+    <p:tnLst>
+      <p:par>
+        <p:cTn id="1" dur="indefinite" restart="never" nodeType="tmRoot"/>
+      </p:par>
+    </p:tnLst>
+  </p:timing>
+</p:sld>
+</file>
+
+<file path=ppt/slides/slide8.xml><?xml version="1.0" encoding="utf-8"?>
+<p:sld xmlns:a="http://schemas.openxmlformats.org/drawingml/2006/main" xmlns:r="http://schemas.openxmlformats.org/officeDocument/2006/relationships" xmlns:p="http://schemas.openxmlformats.org/presentationml/2006/main">
+  <p:cSld>
+    <p:spTree>
+      <p:nvGrpSpPr>
+        <p:cNvPr id="1" name=""/>
+        <p:cNvGrpSpPr/>
+        <p:nvPr/>
+      </p:nvGrpSpPr>
+      <p:grpSpPr>
+        <a:xfrm>
+          <a:off x="0" y="0"/>
+          <a:ext cx="0" cy="0"/>
+          <a:chOff x="0" y="0"/>
+          <a:chExt cx="0" cy="0"/>
+        </a:xfrm>
+      </p:grpSpPr>
+      <p:sp>
+        <p:nvSpPr>
+          <p:cNvPr id="2" name="Titre 1"/>
+          <p:cNvSpPr>
+            <a:spLocks noGrp="1"/>
+          </p:cNvSpPr>
+          <p:nvPr>
+            <p:ph type="title"/>
+          </p:nvPr>
+        </p:nvSpPr>
+        <p:spPr/>
+        <p:txBody>
+          <a:bodyPr/>
+          <a:lstStyle/>
+          <a:p>
+            <a:r>
+              <a:rPr lang="fr-CH" dirty="0" smtClean="0"/>
+              <a:t>Diagramme de classe</a:t>
+            </a:r>
+            <a:endParaRPr lang="fr-CH" dirty="0"/>
+          </a:p>
+        </p:txBody>
+      </p:sp>
+      <p:sp>
+        <p:nvSpPr>
+          <p:cNvPr id="4" name="Espace réservé du numéro de diapositive 3"/>
+          <p:cNvSpPr>
+            <a:spLocks noGrp="1"/>
+          </p:cNvSpPr>
+          <p:nvPr>
+            <p:ph type="sldNum" sz="quarter" idx="10"/>
+          </p:nvPr>
+        </p:nvSpPr>
+        <p:spPr/>
+        <p:txBody>
+          <a:bodyPr/>
+          <a:lstStyle/>
+          <a:p>
+            <a:fld id="{C214D402-94C6-4E56-8BC2-0A53FF3B7787}" type="slidenum">
+              <a:rPr lang="fr-CH" smtClean="0"/>
+              <a:pPr/>
+              <a:t>7</a:t>
+            </a:fld>
+            <a:endParaRPr lang="fr-CH" dirty="0"/>
+          </a:p>
+        </p:txBody>
+      </p:sp>
+    </p:spTree>
+    <p:extLst>
+      <p:ext uri="{BB962C8B-B14F-4D97-AF65-F5344CB8AC3E}">
+        <p14:creationId xmlns:p14="http://schemas.microsoft.com/office/powerpoint/2010/main" val="2965514259"/>
+      </p:ext>
+    </p:extLst>
+  </p:cSld>
+  <p:clrMapOvr>
+    <a:masterClrMapping/>
+  </p:clrMapOvr>
+  <mc:AlternateContent xmlns:mc="http://schemas.openxmlformats.org/markup-compatibility/2006" xmlns:p14="http://schemas.microsoft.com/office/powerpoint/2010/main">
+    <mc:Choice Requires="p14">
+      <p:transition spd="slow" p14:dur="800">
+        <p14:flythrough/>
+      </p:transition>
+    </mc:Choice>
+    <mc:Fallback xmlns="">
+      <p:transition spd="slow">
+        <p:fade/>
+      </p:transition>
+    </mc:Fallback>
+  </mc:AlternateContent>
+  <p:timing>
+    <p:tnLst>
+      <p:par>
+        <p:cTn id="1" dur="indefinite" restart="never" nodeType="tmRoot"/>
+      </p:par>
+    </p:tnLst>
+  </p:timing>
+</p:sld>
+</file>
+
+<file path=ppt/slides/slide9.xml><?xml version="1.0" encoding="utf-8"?>
+<p:sld xmlns:a="http://schemas.openxmlformats.org/drawingml/2006/main" xmlns:r="http://schemas.openxmlformats.org/officeDocument/2006/relationships" xmlns:p="http://schemas.openxmlformats.org/presentationml/2006/main">
+  <p:cSld>
+    <p:spTree>
+      <p:nvGrpSpPr>
+        <p:cNvPr id="1" name=""/>
+        <p:cNvGrpSpPr/>
+        <p:nvPr/>
+      </p:nvGrpSpPr>
+      <p:grpSpPr>
+        <a:xfrm>
+          <a:off x="0" y="0"/>
+          <a:ext cx="0" cy="0"/>
+          <a:chOff x="0" y="0"/>
+          <a:chExt cx="0" cy="0"/>
+        </a:xfrm>
+      </p:grpSpPr>
+      <p:pic>
+        <p:nvPicPr>
+          <p:cNvPr id="6" name="Espace réservé du contenu 5"/>
+          <p:cNvPicPr>
+            <a:picLocks noGrp="1" noChangeAspect="1"/>
+          </p:cNvPicPr>
+          <p:nvPr>
+            <p:ph idx="1"/>
+          </p:nvPr>
+        </p:nvPicPr>
+        <p:blipFill>
+          <a:blip r:embed="rId2">
+            <a:extLst>
+              <a:ext uri="{28A0092B-C50C-407E-A947-70E740481C1C}">
+                <a14:useLocalDpi xmlns:a14="http://schemas.microsoft.com/office/drawing/2010/main" val="0"/>
+              </a:ext>
+            </a:extLst>
+          </a:blip>
+          <a:stretch>
+            <a:fillRect/>
+          </a:stretch>
+        </p:blipFill>
+        <p:spPr>
+          <a:xfrm>
+            <a:off x="0" y="0"/>
+            <a:ext cx="9181380" cy="6054571"/>
+          </a:xfrm>
+        </p:spPr>
+      </p:pic>
+      <p:sp>
+        <p:nvSpPr>
+          <p:cNvPr id="4" name="Espace réservé du numéro de diapositive 3"/>
+          <p:cNvSpPr>
+            <a:spLocks noGrp="1"/>
+          </p:cNvSpPr>
+          <p:nvPr>
+            <p:ph type="sldNum" sz="quarter" idx="12"/>
+          </p:nvPr>
+        </p:nvSpPr>
+        <p:spPr/>
+        <p:txBody>
+          <a:bodyPr/>
+          <a:lstStyle/>
+          <a:p>
+            <a:fld id="{C214D402-94C6-4E56-8BC2-0A53FF3B7787}" type="slidenum">
+              <a:rPr lang="fr-CH" smtClean="0"/>
+              <a:pPr/>
+              <a:t>8</a:t>
+            </a:fld>
+            <a:endParaRPr lang="fr-CH" dirty="0"/>
+          </a:p>
+        </p:txBody>
+      </p:sp>
+    </p:spTree>
+    <p:extLst>
+      <p:ext uri="{BB962C8B-B14F-4D97-AF65-F5344CB8AC3E}">
+        <p14:creationId xmlns:p14="http://schemas.microsoft.com/office/powerpoint/2010/main" val="1522674789"/>
+      </p:ext>
+    </p:extLst>
+  </p:cSld>
+  <p:clrMapOvr>
+    <a:masterClrMapping/>
+  </p:clrMapOvr>
+  <mc:AlternateContent xmlns:mc="http://schemas.openxmlformats.org/markup-compatibility/2006" xmlns:p14="http://schemas.microsoft.com/office/powerpoint/2010/main">
+    <mc:Choice Requires="p14">
+      <p:transition spd="slow" p14:dur="800">
+        <p14:flythrough/>
+      </p:transition>
+    </mc:Choice>
+    <mc:Fallback xmlns="">
+      <p:transition spd="slow">
+        <p:fade/>
+      </p:transition>
+    </mc:Fallback>
+  </mc:AlternateContent>
+  <p:timing>
+    <p:tnLst>
+      <p:par>
+        <p:cTn id="1" dur="indefinite" restart="never" nodeType="tmRoot"/>
+      </p:par>
+    </p:tnLst>
+  </p:timing>
 </p:sld>
 </file>
 
